--- a/HospitalProjectTeamThree/Wireframes/LoginCardWireframe.pptx
+++ b/HospitalProjectTeamThree/Wireframes/LoginCardWireframe.pptx
@@ -12,9 +12,8 @@
     <p:sldId id="304" r:id="rId6"/>
     <p:sldId id="301" r:id="rId7"/>
     <p:sldId id="294" r:id="rId8"/>
-    <p:sldId id="296" r:id="rId9"/>
-    <p:sldId id="297" r:id="rId10"/>
-    <p:sldId id="298" r:id="rId11"/>
+    <p:sldId id="297" r:id="rId9"/>
+    <p:sldId id="298" r:id="rId10"/>
   </p:sldIdLst>
   <p:sldSz cx="12192000" cy="6858000"/>
   <p:notesSz cx="6858000" cy="9144000"/>
@@ -113,6 +112,11 @@
       </a:defRPr>
     </a:lvl9pPr>
   </p:defaultTextStyle>
+  <p:extLst>
+    <p:ext uri="{EFAFB233-063F-42B5-8137-9DF3F51BA10A}">
+      <p15:sldGuideLst xmlns:p15="http://schemas.microsoft.com/office/powerpoint/2012/main"/>
+    </p:ext>
+  </p:extLst>
 </p:presentation>
 </file>
 
@@ -265,7 +269,7 @@
           <a:p>
             <a:fld id="{93DD907D-DA85-4003-A3A2-B8D3785FAC4D}" type="datetimeFigureOut">
               <a:rPr lang="en-CA" smtClean="0"/>
-              <a:t>2020-03-19</a:t>
+              <a:t>2020-04-02</a:t>
             </a:fld>
             <a:endParaRPr lang="en-CA"/>
           </a:p>
@@ -465,7 +469,7 @@
           <a:p>
             <a:fld id="{93DD907D-DA85-4003-A3A2-B8D3785FAC4D}" type="datetimeFigureOut">
               <a:rPr lang="en-CA" smtClean="0"/>
-              <a:t>2020-03-19</a:t>
+              <a:t>2020-04-02</a:t>
             </a:fld>
             <a:endParaRPr lang="en-CA"/>
           </a:p>
@@ -675,7 +679,7 @@
           <a:p>
             <a:fld id="{93DD907D-DA85-4003-A3A2-B8D3785FAC4D}" type="datetimeFigureOut">
               <a:rPr lang="en-CA" smtClean="0"/>
-              <a:t>2020-03-19</a:t>
+              <a:t>2020-04-02</a:t>
             </a:fld>
             <a:endParaRPr lang="en-CA"/>
           </a:p>
@@ -875,7 +879,7 @@
           <a:p>
             <a:fld id="{93DD907D-DA85-4003-A3A2-B8D3785FAC4D}" type="datetimeFigureOut">
               <a:rPr lang="en-CA" smtClean="0"/>
-              <a:t>2020-03-19</a:t>
+              <a:t>2020-04-02</a:t>
             </a:fld>
             <a:endParaRPr lang="en-CA"/>
           </a:p>
@@ -1151,7 +1155,7 @@
           <a:p>
             <a:fld id="{93DD907D-DA85-4003-A3A2-B8D3785FAC4D}" type="datetimeFigureOut">
               <a:rPr lang="en-CA" smtClean="0"/>
-              <a:t>2020-03-19</a:t>
+              <a:t>2020-04-02</a:t>
             </a:fld>
             <a:endParaRPr lang="en-CA"/>
           </a:p>
@@ -1419,7 +1423,7 @@
           <a:p>
             <a:fld id="{93DD907D-DA85-4003-A3A2-B8D3785FAC4D}" type="datetimeFigureOut">
               <a:rPr lang="en-CA" smtClean="0"/>
-              <a:t>2020-03-19</a:t>
+              <a:t>2020-04-02</a:t>
             </a:fld>
             <a:endParaRPr lang="en-CA"/>
           </a:p>
@@ -1834,7 +1838,7 @@
           <a:p>
             <a:fld id="{93DD907D-DA85-4003-A3A2-B8D3785FAC4D}" type="datetimeFigureOut">
               <a:rPr lang="en-CA" smtClean="0"/>
-              <a:t>2020-03-19</a:t>
+              <a:t>2020-04-02</a:t>
             </a:fld>
             <a:endParaRPr lang="en-CA"/>
           </a:p>
@@ -1976,7 +1980,7 @@
           <a:p>
             <a:fld id="{93DD907D-DA85-4003-A3A2-B8D3785FAC4D}" type="datetimeFigureOut">
               <a:rPr lang="en-CA" smtClean="0"/>
-              <a:t>2020-03-19</a:t>
+              <a:t>2020-04-02</a:t>
             </a:fld>
             <a:endParaRPr lang="en-CA"/>
           </a:p>
@@ -2089,7 +2093,7 @@
           <a:p>
             <a:fld id="{93DD907D-DA85-4003-A3A2-B8D3785FAC4D}" type="datetimeFigureOut">
               <a:rPr lang="en-CA" smtClean="0"/>
-              <a:t>2020-03-19</a:t>
+              <a:t>2020-04-02</a:t>
             </a:fld>
             <a:endParaRPr lang="en-CA"/>
           </a:p>
@@ -2402,7 +2406,7 @@
           <a:p>
             <a:fld id="{93DD907D-DA85-4003-A3A2-B8D3785FAC4D}" type="datetimeFigureOut">
               <a:rPr lang="en-CA" smtClean="0"/>
-              <a:t>2020-03-19</a:t>
+              <a:t>2020-04-02</a:t>
             </a:fld>
             <a:endParaRPr lang="en-CA"/>
           </a:p>
@@ -2691,7 +2695,7 @@
           <a:p>
             <a:fld id="{93DD907D-DA85-4003-A3A2-B8D3785FAC4D}" type="datetimeFigureOut">
               <a:rPr lang="en-CA" smtClean="0"/>
-              <a:t>2020-03-19</a:t>
+              <a:t>2020-04-02</a:t>
             </a:fld>
             <a:endParaRPr lang="en-CA"/>
           </a:p>
@@ -2934,7 +2938,7 @@
           <a:p>
             <a:fld id="{93DD907D-DA85-4003-A3A2-B8D3785FAC4D}" type="datetimeFigureOut">
               <a:rPr lang="en-CA" smtClean="0"/>
-              <a:t>2020-03-19</a:t>
+              <a:t>2020-04-02</a:t>
             </a:fld>
             <a:endParaRPr lang="en-CA"/>
           </a:p>
@@ -3422,1580 +3426,6 @@
 </p:sld>
 </file>
 
-<file path=ppt/slides/slide10.xml><?xml version="1.0" encoding="utf-8"?>
-<p:sld xmlns:a="http://schemas.openxmlformats.org/drawingml/2006/main" xmlns:r="http://schemas.openxmlformats.org/officeDocument/2006/relationships" xmlns:p="http://schemas.openxmlformats.org/presentationml/2006/main">
-  <p:cSld>
-    <p:spTree>
-      <p:nvGrpSpPr>
-        <p:cNvPr id="1" name=""/>
-        <p:cNvGrpSpPr/>
-        <p:nvPr/>
-      </p:nvGrpSpPr>
-      <p:grpSpPr>
-        <a:xfrm>
-          <a:off x="0" y="0"/>
-          <a:ext cx="0" cy="0"/>
-          <a:chOff x="0" y="0"/>
-          <a:chExt cx="0" cy="0"/>
-        </a:xfrm>
-      </p:grpSpPr>
-      <p:sp>
-        <p:nvSpPr>
-          <p:cNvPr id="4" name="TextBox 3">
-            <a:extLst>
-              <a:ext uri="{FF2B5EF4-FFF2-40B4-BE49-F238E27FC236}">
-                <a16:creationId xmlns:a16="http://schemas.microsoft.com/office/drawing/2014/main" id="{65F1B699-16E2-4E32-8612-C44E4D7C80EB}"/>
-              </a:ext>
-            </a:extLst>
-          </p:cNvPr>
-          <p:cNvSpPr txBox="1"/>
-          <p:nvPr/>
-        </p:nvSpPr>
-        <p:spPr>
-          <a:xfrm>
-            <a:off x="1305017" y="547603"/>
-            <a:ext cx="9747682" cy="6217920"/>
-          </a:xfrm>
-          <a:prstGeom prst="rect">
-            <a:avLst/>
-          </a:prstGeom>
-        </p:spPr>
-        <p:style>
-          <a:lnRef idx="2">
-            <a:schemeClr val="dk1"/>
-          </a:lnRef>
-          <a:fillRef idx="1">
-            <a:schemeClr val="lt1"/>
-          </a:fillRef>
-          <a:effectRef idx="0">
-            <a:schemeClr val="dk1"/>
-          </a:effectRef>
-          <a:fontRef idx="minor">
-            <a:schemeClr val="dk1"/>
-          </a:fontRef>
-        </p:style>
-        <p:txBody>
-          <a:bodyPr wrap="square" rtlCol="0">
-            <a:spAutoFit/>
-          </a:bodyPr>
-          <a:lstStyle/>
-          <a:p>
-            <a:endParaRPr lang="en-CA" dirty="0"/>
-          </a:p>
-        </p:txBody>
-      </p:sp>
-      <p:sp>
-        <p:nvSpPr>
-          <p:cNvPr id="5" name="TextBox 4">
-            <a:extLst>
-              <a:ext uri="{FF2B5EF4-FFF2-40B4-BE49-F238E27FC236}">
-                <a16:creationId xmlns:a16="http://schemas.microsoft.com/office/drawing/2014/main" id="{5ABC96DE-2EFE-4AB2-8A88-FB41B6311C92}"/>
-              </a:ext>
-            </a:extLst>
-          </p:cNvPr>
-          <p:cNvSpPr txBox="1"/>
-          <p:nvPr/>
-        </p:nvSpPr>
-        <p:spPr>
-          <a:xfrm>
-            <a:off x="1305017" y="541387"/>
-            <a:ext cx="9747682" cy="1331650"/>
-          </a:xfrm>
-          <a:prstGeom prst="rect">
-            <a:avLst/>
-          </a:prstGeom>
-        </p:spPr>
-        <p:style>
-          <a:lnRef idx="2">
-            <a:schemeClr val="dk1"/>
-          </a:lnRef>
-          <a:fillRef idx="1">
-            <a:schemeClr val="lt1"/>
-          </a:fillRef>
-          <a:effectRef idx="0">
-            <a:schemeClr val="dk1"/>
-          </a:effectRef>
-          <a:fontRef idx="minor">
-            <a:schemeClr val="dk1"/>
-          </a:fontRef>
-        </p:style>
-        <p:txBody>
-          <a:bodyPr wrap="square" rtlCol="0">
-            <a:spAutoFit/>
-          </a:bodyPr>
-          <a:lstStyle/>
-          <a:p>
-            <a:endParaRPr lang="en-CA" dirty="0"/>
-          </a:p>
-        </p:txBody>
-      </p:sp>
-      <p:sp>
-        <p:nvSpPr>
-          <p:cNvPr id="6" name="TextBox 5">
-            <a:extLst>
-              <a:ext uri="{FF2B5EF4-FFF2-40B4-BE49-F238E27FC236}">
-                <a16:creationId xmlns:a16="http://schemas.microsoft.com/office/drawing/2014/main" id="{7A8D41F8-805E-4141-B4E8-2C4DFDD0EF52}"/>
-              </a:ext>
-            </a:extLst>
-          </p:cNvPr>
-          <p:cNvSpPr txBox="1"/>
-          <p:nvPr/>
-        </p:nvSpPr>
-        <p:spPr>
-          <a:xfrm>
-            <a:off x="1305017" y="6160215"/>
-            <a:ext cx="9747682" cy="692458"/>
-          </a:xfrm>
-          <a:prstGeom prst="rect">
-            <a:avLst/>
-          </a:prstGeom>
-        </p:spPr>
-        <p:style>
-          <a:lnRef idx="2">
-            <a:schemeClr val="dk1"/>
-          </a:lnRef>
-          <a:fillRef idx="1">
-            <a:schemeClr val="lt1"/>
-          </a:fillRef>
-          <a:effectRef idx="0">
-            <a:schemeClr val="dk1"/>
-          </a:effectRef>
-          <a:fontRef idx="minor">
-            <a:schemeClr val="dk1"/>
-          </a:fontRef>
-        </p:style>
-        <p:txBody>
-          <a:bodyPr wrap="square" rtlCol="0">
-            <a:spAutoFit/>
-          </a:bodyPr>
-          <a:lstStyle/>
-          <a:p>
-            <a:endParaRPr lang="en-CA" dirty="0"/>
-          </a:p>
-        </p:txBody>
-      </p:sp>
-      <p:sp>
-        <p:nvSpPr>
-          <p:cNvPr id="7" name="TextBox 6">
-            <a:extLst>
-              <a:ext uri="{FF2B5EF4-FFF2-40B4-BE49-F238E27FC236}">
-                <a16:creationId xmlns:a16="http://schemas.microsoft.com/office/drawing/2014/main" id="{80BAD8F6-577E-4A35-90BA-152B82E73F22}"/>
-              </a:ext>
-            </a:extLst>
-          </p:cNvPr>
-          <p:cNvSpPr txBox="1"/>
-          <p:nvPr/>
-        </p:nvSpPr>
-        <p:spPr>
-          <a:xfrm>
-            <a:off x="62144" y="1115913"/>
-            <a:ext cx="861134" cy="369332"/>
-          </a:xfrm>
-          <a:prstGeom prst="rect">
-            <a:avLst/>
-          </a:prstGeom>
-        </p:spPr>
-        <p:style>
-          <a:lnRef idx="2">
-            <a:schemeClr val="dk1"/>
-          </a:lnRef>
-          <a:fillRef idx="1">
-            <a:schemeClr val="lt1"/>
-          </a:fillRef>
-          <a:effectRef idx="0">
-            <a:schemeClr val="dk1"/>
-          </a:effectRef>
-          <a:fontRef idx="minor">
-            <a:schemeClr val="dk1"/>
-          </a:fontRef>
-        </p:style>
-        <p:txBody>
-          <a:bodyPr wrap="square" rtlCol="0">
-            <a:spAutoFit/>
-          </a:bodyPr>
-          <a:lstStyle/>
-          <a:p>
-            <a:pPr algn="ctr"/>
-            <a:r>
-              <a:rPr lang="en-US" dirty="0"/>
-              <a:t>Logo</a:t>
-            </a:r>
-            <a:endParaRPr lang="en-CA" dirty="0"/>
-          </a:p>
-        </p:txBody>
-      </p:sp>
-      <p:sp>
-        <p:nvSpPr>
-          <p:cNvPr id="8" name="TextBox 7">
-            <a:extLst>
-              <a:ext uri="{FF2B5EF4-FFF2-40B4-BE49-F238E27FC236}">
-                <a16:creationId xmlns:a16="http://schemas.microsoft.com/office/drawing/2014/main" id="{508B8F0E-7160-4F08-93E9-1CEB82E92F90}"/>
-              </a:ext>
-            </a:extLst>
-          </p:cNvPr>
-          <p:cNvSpPr txBox="1"/>
-          <p:nvPr/>
-        </p:nvSpPr>
-        <p:spPr>
-          <a:xfrm>
-            <a:off x="0" y="6254319"/>
-            <a:ext cx="861134" cy="369332"/>
-          </a:xfrm>
-          <a:prstGeom prst="rect">
-            <a:avLst/>
-          </a:prstGeom>
-        </p:spPr>
-        <p:style>
-          <a:lnRef idx="2">
-            <a:schemeClr val="dk1"/>
-          </a:lnRef>
-          <a:fillRef idx="1">
-            <a:schemeClr val="lt1"/>
-          </a:fillRef>
-          <a:effectRef idx="0">
-            <a:schemeClr val="dk1"/>
-          </a:effectRef>
-          <a:fontRef idx="minor">
-            <a:schemeClr val="dk1"/>
-          </a:fontRef>
-        </p:style>
-        <p:txBody>
-          <a:bodyPr wrap="square" rtlCol="0">
-            <a:spAutoFit/>
-          </a:bodyPr>
-          <a:lstStyle/>
-          <a:p>
-            <a:pPr algn="ctr"/>
-            <a:r>
-              <a:rPr lang="en-US" dirty="0"/>
-              <a:t>Footer</a:t>
-            </a:r>
-            <a:endParaRPr lang="en-CA" dirty="0"/>
-          </a:p>
-        </p:txBody>
-      </p:sp>
-      <p:sp>
-        <p:nvSpPr>
-          <p:cNvPr id="9" name="Rectangle 8">
-            <a:extLst>
-              <a:ext uri="{FF2B5EF4-FFF2-40B4-BE49-F238E27FC236}">
-                <a16:creationId xmlns:a16="http://schemas.microsoft.com/office/drawing/2014/main" id="{07375953-AB75-4050-9712-73BF340538D1}"/>
-              </a:ext>
-            </a:extLst>
-          </p:cNvPr>
-          <p:cNvSpPr/>
-          <p:nvPr/>
-        </p:nvSpPr>
-        <p:spPr>
-          <a:xfrm>
-            <a:off x="4116280" y="1376915"/>
-            <a:ext cx="6936419" cy="491657"/>
-          </a:xfrm>
-          <a:prstGeom prst="rect">
-            <a:avLst/>
-          </a:prstGeom>
-        </p:spPr>
-        <p:style>
-          <a:lnRef idx="2">
-            <a:schemeClr val="dk1"/>
-          </a:lnRef>
-          <a:fillRef idx="1">
-            <a:schemeClr val="lt1"/>
-          </a:fillRef>
-          <a:effectRef idx="0">
-            <a:schemeClr val="dk1"/>
-          </a:effectRef>
-          <a:fontRef idx="minor">
-            <a:schemeClr val="dk1"/>
-          </a:fontRef>
-        </p:style>
-        <p:txBody>
-          <a:bodyPr rtlCol="0" anchor="ctr"/>
-          <a:lstStyle/>
-          <a:p>
-            <a:pPr algn="ctr"/>
-            <a:endParaRPr lang="en-CA"/>
-          </a:p>
-        </p:txBody>
-      </p:sp>
-      <p:sp>
-        <p:nvSpPr>
-          <p:cNvPr id="10" name="TextBox 9">
-            <a:extLst>
-              <a:ext uri="{FF2B5EF4-FFF2-40B4-BE49-F238E27FC236}">
-                <a16:creationId xmlns:a16="http://schemas.microsoft.com/office/drawing/2014/main" id="{A3772324-DA11-4DFD-BC78-810B21C1B004}"/>
-              </a:ext>
-            </a:extLst>
-          </p:cNvPr>
-          <p:cNvSpPr txBox="1"/>
-          <p:nvPr/>
-        </p:nvSpPr>
-        <p:spPr>
-          <a:xfrm>
-            <a:off x="11372296" y="1607570"/>
-            <a:ext cx="1819922" cy="369332"/>
-          </a:xfrm>
-          <a:prstGeom prst="rect">
-            <a:avLst/>
-          </a:prstGeom>
-        </p:spPr>
-        <p:style>
-          <a:lnRef idx="2">
-            <a:schemeClr val="dk1"/>
-          </a:lnRef>
-          <a:fillRef idx="1">
-            <a:schemeClr val="lt1"/>
-          </a:fillRef>
-          <a:effectRef idx="0">
-            <a:schemeClr val="dk1"/>
-          </a:effectRef>
-          <a:fontRef idx="minor">
-            <a:schemeClr val="dk1"/>
-          </a:fontRef>
-        </p:style>
-        <p:txBody>
-          <a:bodyPr wrap="square" rtlCol="0">
-            <a:spAutoFit/>
-          </a:bodyPr>
-          <a:lstStyle/>
-          <a:p>
-            <a:pPr algn="ctr"/>
-            <a:r>
-              <a:rPr lang="en-US" dirty="0"/>
-              <a:t>Navigation</a:t>
-            </a:r>
-            <a:endParaRPr lang="en-CA" dirty="0"/>
-          </a:p>
-        </p:txBody>
-      </p:sp>
-      <p:sp>
-        <p:nvSpPr>
-          <p:cNvPr id="11" name="TextBox 10">
-            <a:extLst>
-              <a:ext uri="{FF2B5EF4-FFF2-40B4-BE49-F238E27FC236}">
-                <a16:creationId xmlns:a16="http://schemas.microsoft.com/office/drawing/2014/main" id="{106C2227-4019-4CE1-ACF1-0F3F547C36E2}"/>
-              </a:ext>
-            </a:extLst>
-          </p:cNvPr>
-          <p:cNvSpPr txBox="1"/>
-          <p:nvPr/>
-        </p:nvSpPr>
-        <p:spPr>
-          <a:xfrm>
-            <a:off x="4116280" y="92477"/>
-            <a:ext cx="1384916" cy="369332"/>
-          </a:xfrm>
-          <a:prstGeom prst="rect">
-            <a:avLst/>
-          </a:prstGeom>
-        </p:spPr>
-        <p:style>
-          <a:lnRef idx="2">
-            <a:schemeClr val="dk1"/>
-          </a:lnRef>
-          <a:fillRef idx="1">
-            <a:schemeClr val="lt1"/>
-          </a:fillRef>
-          <a:effectRef idx="0">
-            <a:schemeClr val="dk1"/>
-          </a:effectRef>
-          <a:fontRef idx="minor">
-            <a:schemeClr val="dk1"/>
-          </a:fontRef>
-        </p:style>
-        <p:txBody>
-          <a:bodyPr wrap="square" rtlCol="0">
-            <a:spAutoFit/>
-          </a:bodyPr>
-          <a:lstStyle/>
-          <a:p>
-            <a:pPr algn="ctr"/>
-            <a:r>
-              <a:rPr lang="en-US" dirty="0"/>
-              <a:t>Header</a:t>
-            </a:r>
-            <a:endParaRPr lang="en-CA" dirty="0"/>
-          </a:p>
-        </p:txBody>
-      </p:sp>
-      <p:cxnSp>
-        <p:nvCxnSpPr>
-          <p:cNvPr id="12" name="Straight Arrow Connector 11">
-            <a:extLst>
-              <a:ext uri="{FF2B5EF4-FFF2-40B4-BE49-F238E27FC236}">
-                <a16:creationId xmlns:a16="http://schemas.microsoft.com/office/drawing/2014/main" id="{6CEA2B52-1F5C-49AC-8A22-C32EE60D5404}"/>
-              </a:ext>
-            </a:extLst>
-          </p:cNvPr>
-          <p:cNvCxnSpPr/>
-          <p:nvPr/>
-        </p:nvCxnSpPr>
-        <p:spPr>
-          <a:xfrm>
-            <a:off x="923278" y="1313895"/>
-            <a:ext cx="701336" cy="0"/>
-          </a:xfrm>
-          <a:prstGeom prst="straightConnector1">
-            <a:avLst/>
-          </a:prstGeom>
-          <a:ln w="28575">
-            <a:tailEnd type="triangle"/>
-          </a:ln>
-        </p:spPr>
-        <p:style>
-          <a:lnRef idx="1">
-            <a:schemeClr val="accent1"/>
-          </a:lnRef>
-          <a:fillRef idx="0">
-            <a:schemeClr val="accent1"/>
-          </a:fillRef>
-          <a:effectRef idx="0">
-            <a:schemeClr val="accent1"/>
-          </a:effectRef>
-          <a:fontRef idx="minor">
-            <a:schemeClr val="tx1"/>
-          </a:fontRef>
-        </p:style>
-      </p:cxnSp>
-      <p:cxnSp>
-        <p:nvCxnSpPr>
-          <p:cNvPr id="13" name="Straight Arrow Connector 12">
-            <a:extLst>
-              <a:ext uri="{FF2B5EF4-FFF2-40B4-BE49-F238E27FC236}">
-                <a16:creationId xmlns:a16="http://schemas.microsoft.com/office/drawing/2014/main" id="{1A546DAD-5424-4D18-8E07-C1E5B49CAA16}"/>
-              </a:ext>
-            </a:extLst>
-          </p:cNvPr>
-          <p:cNvCxnSpPr/>
-          <p:nvPr/>
-        </p:nvCxnSpPr>
-        <p:spPr>
-          <a:xfrm>
-            <a:off x="861134" y="6452301"/>
-            <a:ext cx="701336" cy="0"/>
-          </a:xfrm>
-          <a:prstGeom prst="straightConnector1">
-            <a:avLst/>
-          </a:prstGeom>
-          <a:ln w="28575">
-            <a:tailEnd type="triangle"/>
-          </a:ln>
-        </p:spPr>
-        <p:style>
-          <a:lnRef idx="1">
-            <a:schemeClr val="accent1"/>
-          </a:lnRef>
-          <a:fillRef idx="0">
-            <a:schemeClr val="accent1"/>
-          </a:fillRef>
-          <a:effectRef idx="0">
-            <a:schemeClr val="accent1"/>
-          </a:effectRef>
-          <a:fontRef idx="minor">
-            <a:schemeClr val="tx1"/>
-          </a:fontRef>
-        </p:style>
-      </p:cxnSp>
-      <p:cxnSp>
-        <p:nvCxnSpPr>
-          <p:cNvPr id="14" name="Straight Arrow Connector 13">
-            <a:extLst>
-              <a:ext uri="{FF2B5EF4-FFF2-40B4-BE49-F238E27FC236}">
-                <a16:creationId xmlns:a16="http://schemas.microsoft.com/office/drawing/2014/main" id="{769A98D2-6DB2-435D-8EAC-B5BCA021B9F9}"/>
-              </a:ext>
-            </a:extLst>
-          </p:cNvPr>
-          <p:cNvCxnSpPr/>
-          <p:nvPr/>
-        </p:nvCxnSpPr>
-        <p:spPr>
-          <a:xfrm flipH="1">
-            <a:off x="10348405" y="1792236"/>
-            <a:ext cx="1023891" cy="1"/>
-          </a:xfrm>
-          <a:prstGeom prst="straightConnector1">
-            <a:avLst/>
-          </a:prstGeom>
-          <a:ln w="28575">
-            <a:tailEnd type="triangle"/>
-          </a:ln>
-        </p:spPr>
-        <p:style>
-          <a:lnRef idx="1">
-            <a:schemeClr val="accent1"/>
-          </a:lnRef>
-          <a:fillRef idx="0">
-            <a:schemeClr val="accent1"/>
-          </a:fillRef>
-          <a:effectRef idx="0">
-            <a:schemeClr val="accent1"/>
-          </a:effectRef>
-          <a:fontRef idx="minor">
-            <a:schemeClr val="tx1"/>
-          </a:fontRef>
-        </p:style>
-      </p:cxnSp>
-      <p:cxnSp>
-        <p:nvCxnSpPr>
-          <p:cNvPr id="15" name="Straight Arrow Connector 14">
-            <a:extLst>
-              <a:ext uri="{FF2B5EF4-FFF2-40B4-BE49-F238E27FC236}">
-                <a16:creationId xmlns:a16="http://schemas.microsoft.com/office/drawing/2014/main" id="{EA59D5F7-82E1-4D34-87F8-5366F05A672F}"/>
-              </a:ext>
-            </a:extLst>
-          </p:cNvPr>
-          <p:cNvCxnSpPr/>
-          <p:nvPr/>
-        </p:nvCxnSpPr>
-        <p:spPr>
-          <a:xfrm>
-            <a:off x="4808738" y="461809"/>
-            <a:ext cx="0" cy="701336"/>
-          </a:xfrm>
-          <a:prstGeom prst="straightConnector1">
-            <a:avLst/>
-          </a:prstGeom>
-          <a:ln w="28575">
-            <a:tailEnd type="triangle"/>
-          </a:ln>
-        </p:spPr>
-        <p:style>
-          <a:lnRef idx="1">
-            <a:schemeClr val="accent1"/>
-          </a:lnRef>
-          <a:fillRef idx="0">
-            <a:schemeClr val="accent1"/>
-          </a:fillRef>
-          <a:effectRef idx="0">
-            <a:schemeClr val="accent1"/>
-          </a:effectRef>
-          <a:fontRef idx="minor">
-            <a:schemeClr val="tx1"/>
-          </a:fontRef>
-        </p:style>
-      </p:cxnSp>
-      <p:sp>
-        <p:nvSpPr>
-          <p:cNvPr id="16" name="TextBox 15">
-            <a:extLst>
-              <a:ext uri="{FF2B5EF4-FFF2-40B4-BE49-F238E27FC236}">
-                <a16:creationId xmlns:a16="http://schemas.microsoft.com/office/drawing/2014/main" id="{49D7EDFE-D20F-483A-BFD3-8BF854A60380}"/>
-              </a:ext>
-            </a:extLst>
-          </p:cNvPr>
-          <p:cNvSpPr txBox="1"/>
-          <p:nvPr/>
-        </p:nvSpPr>
-        <p:spPr>
-          <a:xfrm>
-            <a:off x="3303972" y="2605941"/>
-            <a:ext cx="3045041" cy="369332"/>
-          </a:xfrm>
-          <a:prstGeom prst="rect">
-            <a:avLst/>
-          </a:prstGeom>
-          <a:noFill/>
-        </p:spPr>
-        <p:txBody>
-          <a:bodyPr wrap="square" rtlCol="0">
-            <a:spAutoFit/>
-          </a:bodyPr>
-          <a:lstStyle/>
-          <a:p>
-            <a:r>
-              <a:rPr lang="en-US" dirty="0"/>
-              <a:t>Please choose the style: </a:t>
-            </a:r>
-            <a:endParaRPr lang="en-CA" dirty="0"/>
-          </a:p>
-        </p:txBody>
-      </p:sp>
-      <p:sp>
-        <p:nvSpPr>
-          <p:cNvPr id="17" name="Rectangle 16">
-            <a:extLst>
-              <a:ext uri="{FF2B5EF4-FFF2-40B4-BE49-F238E27FC236}">
-                <a16:creationId xmlns:a16="http://schemas.microsoft.com/office/drawing/2014/main" id="{2E004ABE-4783-42EE-968C-2B5863B5C38B}"/>
-              </a:ext>
-            </a:extLst>
-          </p:cNvPr>
-          <p:cNvSpPr/>
-          <p:nvPr/>
-        </p:nvSpPr>
-        <p:spPr>
-          <a:xfrm>
-            <a:off x="3497802" y="3058882"/>
-            <a:ext cx="683581" cy="864295"/>
-          </a:xfrm>
-          <a:prstGeom prst="rect">
-            <a:avLst/>
-          </a:prstGeom>
-        </p:spPr>
-        <p:style>
-          <a:lnRef idx="2">
-            <a:schemeClr val="dk1"/>
-          </a:lnRef>
-          <a:fillRef idx="1">
-            <a:schemeClr val="lt1"/>
-          </a:fillRef>
-          <a:effectRef idx="0">
-            <a:schemeClr val="dk1"/>
-          </a:effectRef>
-          <a:fontRef idx="minor">
-            <a:schemeClr val="dk1"/>
-          </a:fontRef>
-        </p:style>
-        <p:txBody>
-          <a:bodyPr rtlCol="0" anchor="ctr"/>
-          <a:lstStyle/>
-          <a:p>
-            <a:pPr algn="ctr"/>
-            <a:endParaRPr lang="en-CA"/>
-          </a:p>
-        </p:txBody>
-      </p:sp>
-      <p:sp>
-        <p:nvSpPr>
-          <p:cNvPr id="18" name="Rectangle 17">
-            <a:extLst>
-              <a:ext uri="{FF2B5EF4-FFF2-40B4-BE49-F238E27FC236}">
-                <a16:creationId xmlns:a16="http://schemas.microsoft.com/office/drawing/2014/main" id="{82ED7DD4-F384-417B-B300-752D11792A3D}"/>
-              </a:ext>
-            </a:extLst>
-          </p:cNvPr>
-          <p:cNvSpPr/>
-          <p:nvPr/>
-        </p:nvSpPr>
-        <p:spPr>
-          <a:xfrm>
-            <a:off x="4626746" y="3058881"/>
-            <a:ext cx="683581" cy="864295"/>
-          </a:xfrm>
-          <a:prstGeom prst="rect">
-            <a:avLst/>
-          </a:prstGeom>
-        </p:spPr>
-        <p:style>
-          <a:lnRef idx="2">
-            <a:schemeClr val="dk1"/>
-          </a:lnRef>
-          <a:fillRef idx="1">
-            <a:schemeClr val="lt1"/>
-          </a:fillRef>
-          <a:effectRef idx="0">
-            <a:schemeClr val="dk1"/>
-          </a:effectRef>
-          <a:fontRef idx="minor">
-            <a:schemeClr val="dk1"/>
-          </a:fontRef>
-        </p:style>
-        <p:txBody>
-          <a:bodyPr rtlCol="0" anchor="ctr"/>
-          <a:lstStyle/>
-          <a:p>
-            <a:pPr algn="ctr"/>
-            <a:endParaRPr lang="en-CA"/>
-          </a:p>
-        </p:txBody>
-      </p:sp>
-      <p:sp>
-        <p:nvSpPr>
-          <p:cNvPr id="19" name="Rectangle 18">
-            <a:extLst>
-              <a:ext uri="{FF2B5EF4-FFF2-40B4-BE49-F238E27FC236}">
-                <a16:creationId xmlns:a16="http://schemas.microsoft.com/office/drawing/2014/main" id="{5B9A91D1-8A5D-4E55-9B62-FEFEF776B025}"/>
-              </a:ext>
-            </a:extLst>
-          </p:cNvPr>
-          <p:cNvSpPr/>
-          <p:nvPr/>
-        </p:nvSpPr>
-        <p:spPr>
-          <a:xfrm>
-            <a:off x="5754209" y="3058881"/>
-            <a:ext cx="683581" cy="864295"/>
-          </a:xfrm>
-          <a:prstGeom prst="rect">
-            <a:avLst/>
-          </a:prstGeom>
-        </p:spPr>
-        <p:style>
-          <a:lnRef idx="2">
-            <a:schemeClr val="dk1"/>
-          </a:lnRef>
-          <a:fillRef idx="1">
-            <a:schemeClr val="lt1"/>
-          </a:fillRef>
-          <a:effectRef idx="0">
-            <a:schemeClr val="dk1"/>
-          </a:effectRef>
-          <a:fontRef idx="minor">
-            <a:schemeClr val="dk1"/>
-          </a:fontRef>
-        </p:style>
-        <p:txBody>
-          <a:bodyPr rtlCol="0" anchor="ctr"/>
-          <a:lstStyle/>
-          <a:p>
-            <a:pPr algn="ctr"/>
-            <a:endParaRPr lang="en-CA"/>
-          </a:p>
-        </p:txBody>
-      </p:sp>
-      <p:sp>
-        <p:nvSpPr>
-          <p:cNvPr id="20" name="Rectangle 19">
-            <a:extLst>
-              <a:ext uri="{FF2B5EF4-FFF2-40B4-BE49-F238E27FC236}">
-                <a16:creationId xmlns:a16="http://schemas.microsoft.com/office/drawing/2014/main" id="{D02EE3FA-E49A-4CAC-A844-30361949FB39}"/>
-              </a:ext>
-            </a:extLst>
-          </p:cNvPr>
-          <p:cNvSpPr/>
-          <p:nvPr/>
-        </p:nvSpPr>
-        <p:spPr>
-          <a:xfrm>
-            <a:off x="6884631" y="3058880"/>
-            <a:ext cx="683581" cy="864295"/>
-          </a:xfrm>
-          <a:prstGeom prst="rect">
-            <a:avLst/>
-          </a:prstGeom>
-        </p:spPr>
-        <p:style>
-          <a:lnRef idx="2">
-            <a:schemeClr val="dk1"/>
-          </a:lnRef>
-          <a:fillRef idx="1">
-            <a:schemeClr val="lt1"/>
-          </a:fillRef>
-          <a:effectRef idx="0">
-            <a:schemeClr val="dk1"/>
-          </a:effectRef>
-          <a:fontRef idx="minor">
-            <a:schemeClr val="dk1"/>
-          </a:fontRef>
-        </p:style>
-        <p:txBody>
-          <a:bodyPr rtlCol="0" anchor="ctr"/>
-          <a:lstStyle/>
-          <a:p>
-            <a:pPr algn="ctr"/>
-            <a:endParaRPr lang="en-CA"/>
-          </a:p>
-        </p:txBody>
-      </p:sp>
-      <p:sp>
-        <p:nvSpPr>
-          <p:cNvPr id="21" name="Oval 20">
-            <a:extLst>
-              <a:ext uri="{FF2B5EF4-FFF2-40B4-BE49-F238E27FC236}">
-                <a16:creationId xmlns:a16="http://schemas.microsoft.com/office/drawing/2014/main" id="{8F05F444-82E3-4E35-AD15-A2B9DC892D22}"/>
-              </a:ext>
-            </a:extLst>
-          </p:cNvPr>
-          <p:cNvSpPr/>
-          <p:nvPr/>
-        </p:nvSpPr>
-        <p:spPr>
-          <a:xfrm>
-            <a:off x="3767460" y="4054893"/>
-            <a:ext cx="144263" cy="144263"/>
-          </a:xfrm>
-          <a:prstGeom prst="ellipse">
-            <a:avLst/>
-          </a:prstGeom>
-          <a:solidFill>
-            <a:schemeClr val="bg1"/>
-          </a:solidFill>
-        </p:spPr>
-        <p:style>
-          <a:lnRef idx="2">
-            <a:schemeClr val="accent1">
-              <a:shade val="50000"/>
-            </a:schemeClr>
-          </a:lnRef>
-          <a:fillRef idx="1">
-            <a:schemeClr val="accent1"/>
-          </a:fillRef>
-          <a:effectRef idx="0">
-            <a:schemeClr val="accent1"/>
-          </a:effectRef>
-          <a:fontRef idx="minor">
-            <a:schemeClr val="lt1"/>
-          </a:fontRef>
-        </p:style>
-        <p:txBody>
-          <a:bodyPr rtlCol="0" anchor="ctr"/>
-          <a:lstStyle/>
-          <a:p>
-            <a:pPr algn="ctr"/>
-            <a:endParaRPr lang="en-CA"/>
-          </a:p>
-        </p:txBody>
-      </p:sp>
-      <p:sp>
-        <p:nvSpPr>
-          <p:cNvPr id="22" name="Oval 21">
-            <a:extLst>
-              <a:ext uri="{FF2B5EF4-FFF2-40B4-BE49-F238E27FC236}">
-                <a16:creationId xmlns:a16="http://schemas.microsoft.com/office/drawing/2014/main" id="{56EA1EA8-5852-4542-A691-FF124355DAC4}"/>
-              </a:ext>
-            </a:extLst>
-          </p:cNvPr>
-          <p:cNvSpPr/>
-          <p:nvPr/>
-        </p:nvSpPr>
-        <p:spPr>
-          <a:xfrm>
-            <a:off x="4896404" y="4044135"/>
-            <a:ext cx="144263" cy="144263"/>
-          </a:xfrm>
-          <a:prstGeom prst="ellipse">
-            <a:avLst/>
-          </a:prstGeom>
-          <a:solidFill>
-            <a:schemeClr val="bg1"/>
-          </a:solidFill>
-        </p:spPr>
-        <p:style>
-          <a:lnRef idx="2">
-            <a:schemeClr val="accent1">
-              <a:shade val="50000"/>
-            </a:schemeClr>
-          </a:lnRef>
-          <a:fillRef idx="1">
-            <a:schemeClr val="accent1"/>
-          </a:fillRef>
-          <a:effectRef idx="0">
-            <a:schemeClr val="accent1"/>
-          </a:effectRef>
-          <a:fontRef idx="minor">
-            <a:schemeClr val="lt1"/>
-          </a:fontRef>
-        </p:style>
-        <p:txBody>
-          <a:bodyPr rtlCol="0" anchor="ctr"/>
-          <a:lstStyle/>
-          <a:p>
-            <a:pPr algn="ctr"/>
-            <a:endParaRPr lang="en-CA"/>
-          </a:p>
-        </p:txBody>
-      </p:sp>
-      <p:sp>
-        <p:nvSpPr>
-          <p:cNvPr id="23" name="Oval 22">
-            <a:extLst>
-              <a:ext uri="{FF2B5EF4-FFF2-40B4-BE49-F238E27FC236}">
-                <a16:creationId xmlns:a16="http://schemas.microsoft.com/office/drawing/2014/main" id="{BA3A7BA3-4771-4E5A-811F-DEAFF744D53E}"/>
-              </a:ext>
-            </a:extLst>
-          </p:cNvPr>
-          <p:cNvSpPr/>
-          <p:nvPr/>
-        </p:nvSpPr>
-        <p:spPr>
-          <a:xfrm>
-            <a:off x="6023867" y="4044135"/>
-            <a:ext cx="144263" cy="144263"/>
-          </a:xfrm>
-          <a:prstGeom prst="ellipse">
-            <a:avLst/>
-          </a:prstGeom>
-          <a:solidFill>
-            <a:schemeClr val="bg1"/>
-          </a:solidFill>
-        </p:spPr>
-        <p:style>
-          <a:lnRef idx="2">
-            <a:schemeClr val="accent1">
-              <a:shade val="50000"/>
-            </a:schemeClr>
-          </a:lnRef>
-          <a:fillRef idx="1">
-            <a:schemeClr val="accent1"/>
-          </a:fillRef>
-          <a:effectRef idx="0">
-            <a:schemeClr val="accent1"/>
-          </a:effectRef>
-          <a:fontRef idx="minor">
-            <a:schemeClr val="lt1"/>
-          </a:fontRef>
-        </p:style>
-        <p:txBody>
-          <a:bodyPr rtlCol="0" anchor="ctr"/>
-          <a:lstStyle/>
-          <a:p>
-            <a:pPr algn="ctr"/>
-            <a:endParaRPr lang="en-CA"/>
-          </a:p>
-        </p:txBody>
-      </p:sp>
-      <p:sp>
-        <p:nvSpPr>
-          <p:cNvPr id="24" name="Oval 23">
-            <a:extLst>
-              <a:ext uri="{FF2B5EF4-FFF2-40B4-BE49-F238E27FC236}">
-                <a16:creationId xmlns:a16="http://schemas.microsoft.com/office/drawing/2014/main" id="{0FBE21C8-28FB-412C-92E0-6676F17B3091}"/>
-              </a:ext>
-            </a:extLst>
-          </p:cNvPr>
-          <p:cNvSpPr/>
-          <p:nvPr/>
-        </p:nvSpPr>
-        <p:spPr>
-          <a:xfrm>
-            <a:off x="7154289" y="4044134"/>
-            <a:ext cx="144263" cy="144263"/>
-          </a:xfrm>
-          <a:prstGeom prst="ellipse">
-            <a:avLst/>
-          </a:prstGeom>
-          <a:solidFill>
-            <a:schemeClr val="bg1"/>
-          </a:solidFill>
-        </p:spPr>
-        <p:style>
-          <a:lnRef idx="2">
-            <a:schemeClr val="accent1">
-              <a:shade val="50000"/>
-            </a:schemeClr>
-          </a:lnRef>
-          <a:fillRef idx="1">
-            <a:schemeClr val="accent1"/>
-          </a:fillRef>
-          <a:effectRef idx="0">
-            <a:schemeClr val="accent1"/>
-          </a:effectRef>
-          <a:fontRef idx="minor">
-            <a:schemeClr val="lt1"/>
-          </a:fontRef>
-        </p:style>
-        <p:txBody>
-          <a:bodyPr rtlCol="0" anchor="ctr"/>
-          <a:lstStyle/>
-          <a:p>
-            <a:pPr algn="ctr"/>
-            <a:endParaRPr lang="en-CA"/>
-          </a:p>
-        </p:txBody>
-      </p:sp>
-      <p:sp>
-        <p:nvSpPr>
-          <p:cNvPr id="26" name="TextBox 25">
-            <a:extLst>
-              <a:ext uri="{FF2B5EF4-FFF2-40B4-BE49-F238E27FC236}">
-                <a16:creationId xmlns:a16="http://schemas.microsoft.com/office/drawing/2014/main" id="{5545C289-EB30-45C7-9F67-B2E4795CC091}"/>
-              </a:ext>
-            </a:extLst>
-          </p:cNvPr>
-          <p:cNvSpPr txBox="1"/>
-          <p:nvPr/>
-        </p:nvSpPr>
-        <p:spPr>
-          <a:xfrm>
-            <a:off x="4865702" y="4453336"/>
-            <a:ext cx="5994648" cy="923330"/>
-          </a:xfrm>
-          <a:prstGeom prst="rect">
-            <a:avLst/>
-          </a:prstGeom>
-        </p:spPr>
-        <p:style>
-          <a:lnRef idx="2">
-            <a:schemeClr val="dk1"/>
-          </a:lnRef>
-          <a:fillRef idx="1">
-            <a:schemeClr val="lt1"/>
-          </a:fillRef>
-          <a:effectRef idx="0">
-            <a:schemeClr val="dk1"/>
-          </a:effectRef>
-          <a:fontRef idx="minor">
-            <a:schemeClr val="dk1"/>
-          </a:fontRef>
-        </p:style>
-        <p:txBody>
-          <a:bodyPr wrap="square" rtlCol="0">
-            <a:spAutoFit/>
-          </a:bodyPr>
-          <a:lstStyle/>
-          <a:p>
-            <a:r>
-              <a:rPr lang="en-US" dirty="0">
-                <a:solidFill>
-                  <a:schemeClr val="bg1">
-                    <a:lumMod val="50000"/>
-                  </a:schemeClr>
-                </a:solidFill>
-              </a:rPr>
-              <a:t>I am sure you will get back in your feet in no time. Please be strong.</a:t>
-            </a:r>
-          </a:p>
-          <a:p>
-            <a:r>
-              <a:rPr lang="en-US" dirty="0">
-                <a:solidFill>
-                  <a:schemeClr val="bg1">
-                    <a:lumMod val="50000"/>
-                  </a:schemeClr>
-                </a:solidFill>
-              </a:rPr>
-              <a:t>Your best friend, Paul.</a:t>
-            </a:r>
-            <a:endParaRPr lang="en-CA" dirty="0">
-              <a:solidFill>
-                <a:schemeClr val="bg1">
-                  <a:lumMod val="50000"/>
-                </a:schemeClr>
-              </a:solidFill>
-            </a:endParaRPr>
-          </a:p>
-        </p:txBody>
-      </p:sp>
-      <p:sp>
-        <p:nvSpPr>
-          <p:cNvPr id="28" name="TextBox 27">
-            <a:extLst>
-              <a:ext uri="{FF2B5EF4-FFF2-40B4-BE49-F238E27FC236}">
-                <a16:creationId xmlns:a16="http://schemas.microsoft.com/office/drawing/2014/main" id="{B1C27B43-9CCD-415F-A439-6EDA619E369C}"/>
-              </a:ext>
-            </a:extLst>
-          </p:cNvPr>
-          <p:cNvSpPr txBox="1"/>
-          <p:nvPr/>
-        </p:nvSpPr>
-        <p:spPr>
-          <a:xfrm>
-            <a:off x="2048521" y="4627154"/>
-            <a:ext cx="2894859" cy="369332"/>
-          </a:xfrm>
-          <a:prstGeom prst="rect">
-            <a:avLst/>
-          </a:prstGeom>
-          <a:noFill/>
-        </p:spPr>
-        <p:txBody>
-          <a:bodyPr wrap="square" rtlCol="0">
-            <a:spAutoFit/>
-          </a:bodyPr>
-          <a:lstStyle/>
-          <a:p>
-            <a:r>
-              <a:rPr lang="en-US" dirty="0"/>
-              <a:t>Send your good thought:</a:t>
-            </a:r>
-            <a:endParaRPr lang="en-CA" dirty="0"/>
-          </a:p>
-        </p:txBody>
-      </p:sp>
-      <p:sp>
-        <p:nvSpPr>
-          <p:cNvPr id="29" name="TextBox 28">
-            <a:extLst>
-              <a:ext uri="{FF2B5EF4-FFF2-40B4-BE49-F238E27FC236}">
-                <a16:creationId xmlns:a16="http://schemas.microsoft.com/office/drawing/2014/main" id="{26A6E2F5-1A7D-4607-967D-82596F73F39E}"/>
-              </a:ext>
-            </a:extLst>
-          </p:cNvPr>
-          <p:cNvSpPr txBox="1"/>
-          <p:nvPr/>
-        </p:nvSpPr>
-        <p:spPr>
-          <a:xfrm>
-            <a:off x="5159405" y="5603701"/>
-            <a:ext cx="1189608" cy="369332"/>
-          </a:xfrm>
-          <a:prstGeom prst="rect">
-            <a:avLst/>
-          </a:prstGeom>
-        </p:spPr>
-        <p:style>
-          <a:lnRef idx="2">
-            <a:schemeClr val="dk1"/>
-          </a:lnRef>
-          <a:fillRef idx="1">
-            <a:schemeClr val="lt1"/>
-          </a:fillRef>
-          <a:effectRef idx="0">
-            <a:schemeClr val="dk1"/>
-          </a:effectRef>
-          <a:fontRef idx="minor">
-            <a:schemeClr val="dk1"/>
-          </a:fontRef>
-        </p:style>
-        <p:txBody>
-          <a:bodyPr wrap="square" rtlCol="0">
-            <a:spAutoFit/>
-          </a:bodyPr>
-          <a:lstStyle/>
-          <a:p>
-            <a:pPr algn="ctr"/>
-            <a:r>
-              <a:rPr lang="en-US" dirty="0"/>
-              <a:t>Submit</a:t>
-            </a:r>
-            <a:endParaRPr lang="en-CA" dirty="0"/>
-          </a:p>
-        </p:txBody>
-      </p:sp>
-      <p:sp>
-        <p:nvSpPr>
-          <p:cNvPr id="30" name="TextBox 29">
-            <a:extLst>
-              <a:ext uri="{FF2B5EF4-FFF2-40B4-BE49-F238E27FC236}">
-                <a16:creationId xmlns:a16="http://schemas.microsoft.com/office/drawing/2014/main" id="{37CA3703-1A9C-499D-BEA0-2DC5E0AE42EB}"/>
-              </a:ext>
-            </a:extLst>
-          </p:cNvPr>
-          <p:cNvSpPr txBox="1"/>
-          <p:nvPr/>
-        </p:nvSpPr>
-        <p:spPr>
-          <a:xfrm>
-            <a:off x="2048521" y="5815333"/>
-            <a:ext cx="1899822" cy="307777"/>
-          </a:xfrm>
-          <a:prstGeom prst="rect">
-            <a:avLst/>
-          </a:prstGeom>
-          <a:noFill/>
-        </p:spPr>
-        <p:txBody>
-          <a:bodyPr wrap="square" rtlCol="0">
-            <a:spAutoFit/>
-          </a:bodyPr>
-          <a:lstStyle/>
-          <a:p>
-            <a:r>
-              <a:rPr lang="en-US" sz="1400" dirty="0">
-                <a:solidFill>
-                  <a:srgbClr val="FF0000"/>
-                </a:solidFill>
-              </a:rPr>
-              <a:t>*</a:t>
-            </a:r>
-            <a:r>
-              <a:rPr lang="en-US" sz="1400" dirty="0"/>
-              <a:t>Field required</a:t>
-            </a:r>
-            <a:endParaRPr lang="en-CA" sz="1400" dirty="0"/>
-          </a:p>
-        </p:txBody>
-      </p:sp>
-      <p:sp>
-        <p:nvSpPr>
-          <p:cNvPr id="33" name="Oval 32">
-            <a:extLst>
-              <a:ext uri="{FF2B5EF4-FFF2-40B4-BE49-F238E27FC236}">
-                <a16:creationId xmlns:a16="http://schemas.microsoft.com/office/drawing/2014/main" id="{5B9EBDBF-DA28-4539-92D4-0CA9E73414D3}"/>
-              </a:ext>
-            </a:extLst>
-          </p:cNvPr>
-          <p:cNvSpPr/>
-          <p:nvPr/>
-        </p:nvSpPr>
-        <p:spPr>
-          <a:xfrm>
-            <a:off x="3807857" y="4089697"/>
-            <a:ext cx="63472" cy="55115"/>
-          </a:xfrm>
-          <a:prstGeom prst="ellipse">
-            <a:avLst/>
-          </a:prstGeom>
-        </p:spPr>
-        <p:style>
-          <a:lnRef idx="2">
-            <a:schemeClr val="accent6">
-              <a:shade val="50000"/>
-            </a:schemeClr>
-          </a:lnRef>
-          <a:fillRef idx="1">
-            <a:schemeClr val="accent6"/>
-          </a:fillRef>
-          <a:effectRef idx="0">
-            <a:schemeClr val="accent6"/>
-          </a:effectRef>
-          <a:fontRef idx="minor">
-            <a:schemeClr val="lt1"/>
-          </a:fontRef>
-        </p:style>
-        <p:txBody>
-          <a:bodyPr rtlCol="0" anchor="ctr"/>
-          <a:lstStyle/>
-          <a:p>
-            <a:pPr algn="ctr"/>
-            <a:endParaRPr lang="en-CA"/>
-          </a:p>
-        </p:txBody>
-      </p:sp>
-      <p:sp>
-        <p:nvSpPr>
-          <p:cNvPr id="34" name="Rectangle 33">
-            <a:extLst>
-              <a:ext uri="{FF2B5EF4-FFF2-40B4-BE49-F238E27FC236}">
-                <a16:creationId xmlns:a16="http://schemas.microsoft.com/office/drawing/2014/main" id="{C5A207D5-C2D9-4248-AB90-40B6372BFD52}"/>
-              </a:ext>
-            </a:extLst>
-          </p:cNvPr>
-          <p:cNvSpPr/>
-          <p:nvPr/>
-        </p:nvSpPr>
-        <p:spPr>
-          <a:xfrm>
-            <a:off x="1624614" y="949911"/>
-            <a:ext cx="1455937" cy="701336"/>
-          </a:xfrm>
-          <a:prstGeom prst="rect">
-            <a:avLst/>
-          </a:prstGeom>
-        </p:spPr>
-        <p:style>
-          <a:lnRef idx="2">
-            <a:schemeClr val="dk1"/>
-          </a:lnRef>
-          <a:fillRef idx="1">
-            <a:schemeClr val="lt1"/>
-          </a:fillRef>
-          <a:effectRef idx="0">
-            <a:schemeClr val="dk1"/>
-          </a:effectRef>
-          <a:fontRef idx="minor">
-            <a:schemeClr val="dk1"/>
-          </a:fontRef>
-        </p:style>
-        <p:txBody>
-          <a:bodyPr rtlCol="0" anchor="ctr"/>
-          <a:lstStyle/>
-          <a:p>
-            <a:pPr algn="ctr"/>
-            <a:endParaRPr lang="en-CA"/>
-          </a:p>
-        </p:txBody>
-      </p:sp>
-      <p:sp>
-        <p:nvSpPr>
-          <p:cNvPr id="35" name="Flowchart: Process 34">
-            <a:extLst>
-              <a:ext uri="{FF2B5EF4-FFF2-40B4-BE49-F238E27FC236}">
-                <a16:creationId xmlns:a16="http://schemas.microsoft.com/office/drawing/2014/main" id="{F5DE4057-CCBD-4A7B-AC62-18E66F4892D5}"/>
-              </a:ext>
-            </a:extLst>
-          </p:cNvPr>
-          <p:cNvSpPr/>
-          <p:nvPr/>
-        </p:nvSpPr>
-        <p:spPr>
-          <a:xfrm>
-            <a:off x="3151573" y="1976902"/>
-            <a:ext cx="5885895" cy="506092"/>
-          </a:xfrm>
-          <a:prstGeom prst="flowChartProcess">
-            <a:avLst/>
-          </a:prstGeom>
-        </p:spPr>
-        <p:style>
-          <a:lnRef idx="2">
-            <a:schemeClr val="dk1"/>
-          </a:lnRef>
-          <a:fillRef idx="1">
-            <a:schemeClr val="lt1"/>
-          </a:fillRef>
-          <a:effectRef idx="0">
-            <a:schemeClr val="dk1"/>
-          </a:effectRef>
-          <a:fontRef idx="minor">
-            <a:schemeClr val="dk1"/>
-          </a:fontRef>
-        </p:style>
-        <p:txBody>
-          <a:bodyPr rtlCol="0" anchor="ctr"/>
-          <a:lstStyle/>
-          <a:p>
-            <a:pPr algn="ctr"/>
-            <a:endParaRPr lang="en-CA"/>
-          </a:p>
-        </p:txBody>
-      </p:sp>
-      <p:sp>
-        <p:nvSpPr>
-          <p:cNvPr id="36" name="Arrow: Chevron 35">
-            <a:extLst>
-              <a:ext uri="{FF2B5EF4-FFF2-40B4-BE49-F238E27FC236}">
-                <a16:creationId xmlns:a16="http://schemas.microsoft.com/office/drawing/2014/main" id="{07193F1F-BF0F-4F91-AD2C-912CCFA18AD2}"/>
-              </a:ext>
-            </a:extLst>
-          </p:cNvPr>
-          <p:cNvSpPr/>
-          <p:nvPr/>
-        </p:nvSpPr>
-        <p:spPr>
-          <a:xfrm>
-            <a:off x="4946343" y="1989531"/>
-            <a:ext cx="337350" cy="493463"/>
-          </a:xfrm>
-          <a:prstGeom prst="chevron">
-            <a:avLst/>
-          </a:prstGeom>
-        </p:spPr>
-        <p:style>
-          <a:lnRef idx="2">
-            <a:schemeClr val="dk1">
-              <a:shade val="50000"/>
-            </a:schemeClr>
-          </a:lnRef>
-          <a:fillRef idx="1">
-            <a:schemeClr val="dk1"/>
-          </a:fillRef>
-          <a:effectRef idx="0">
-            <a:schemeClr val="dk1"/>
-          </a:effectRef>
-          <a:fontRef idx="minor">
-            <a:schemeClr val="lt1"/>
-          </a:fontRef>
-        </p:style>
-        <p:txBody>
-          <a:bodyPr rtlCol="0" anchor="ctr"/>
-          <a:lstStyle/>
-          <a:p>
-            <a:pPr algn="ctr"/>
-            <a:endParaRPr lang="en-CA">
-              <a:solidFill>
-                <a:schemeClr val="tx1"/>
-              </a:solidFill>
-            </a:endParaRPr>
-          </a:p>
-        </p:txBody>
-      </p:sp>
-      <p:sp>
-        <p:nvSpPr>
-          <p:cNvPr id="37" name="Flowchart: Process 36">
-            <a:extLst>
-              <a:ext uri="{FF2B5EF4-FFF2-40B4-BE49-F238E27FC236}">
-                <a16:creationId xmlns:a16="http://schemas.microsoft.com/office/drawing/2014/main" id="{4D979955-B3C5-4C1A-A182-B10E1EA6D2EE}"/>
-              </a:ext>
-            </a:extLst>
-          </p:cNvPr>
-          <p:cNvSpPr/>
-          <p:nvPr/>
-        </p:nvSpPr>
-        <p:spPr>
-          <a:xfrm>
-            <a:off x="3151573" y="1971086"/>
-            <a:ext cx="1794771" cy="484321"/>
-          </a:xfrm>
-          <a:prstGeom prst="flowChartProcess">
-            <a:avLst/>
-          </a:prstGeom>
-          <a:noFill/>
-          <a:ln>
-            <a:noFill/>
-          </a:ln>
-        </p:spPr>
-        <p:style>
-          <a:lnRef idx="2">
-            <a:schemeClr val="accent3">
-              <a:shade val="50000"/>
-            </a:schemeClr>
-          </a:lnRef>
-          <a:fillRef idx="1">
-            <a:schemeClr val="accent3"/>
-          </a:fillRef>
-          <a:effectRef idx="0">
-            <a:schemeClr val="accent3"/>
-          </a:effectRef>
-          <a:fontRef idx="minor">
-            <a:schemeClr val="lt1"/>
-          </a:fontRef>
-        </p:style>
-        <p:txBody>
-          <a:bodyPr rtlCol="0" anchor="ctr"/>
-          <a:lstStyle/>
-          <a:p>
-            <a:pPr algn="ctr"/>
-            <a:r>
-              <a:rPr lang="en-US" b="1" dirty="0">
-                <a:solidFill>
-                  <a:schemeClr val="tx1"/>
-                </a:solidFill>
-              </a:rPr>
-              <a:t>Choose card</a:t>
-            </a:r>
-            <a:endParaRPr lang="en-CA" b="1" dirty="0">
-              <a:solidFill>
-                <a:schemeClr val="tx1"/>
-              </a:solidFill>
-            </a:endParaRPr>
-          </a:p>
-        </p:txBody>
-      </p:sp>
-      <p:sp>
-        <p:nvSpPr>
-          <p:cNvPr id="38" name="Flowchart: Process 37">
-            <a:extLst>
-              <a:ext uri="{FF2B5EF4-FFF2-40B4-BE49-F238E27FC236}">
-                <a16:creationId xmlns:a16="http://schemas.microsoft.com/office/drawing/2014/main" id="{27048AA9-85F1-48FA-B808-03F6BBBF0DD1}"/>
-              </a:ext>
-            </a:extLst>
-          </p:cNvPr>
-          <p:cNvSpPr/>
-          <p:nvPr/>
-        </p:nvSpPr>
-        <p:spPr>
-          <a:xfrm>
-            <a:off x="5283693" y="2039344"/>
-            <a:ext cx="1826582" cy="416063"/>
-          </a:xfrm>
-          <a:prstGeom prst="flowChartProcess">
-            <a:avLst/>
-          </a:prstGeom>
-          <a:ln>
-            <a:noFill/>
-          </a:ln>
-        </p:spPr>
-        <p:style>
-          <a:lnRef idx="2">
-            <a:schemeClr val="dk1"/>
-          </a:lnRef>
-          <a:fillRef idx="1">
-            <a:schemeClr val="lt1"/>
-          </a:fillRef>
-          <a:effectRef idx="0">
-            <a:schemeClr val="dk1"/>
-          </a:effectRef>
-          <a:fontRef idx="minor">
-            <a:schemeClr val="dk1"/>
-          </a:fontRef>
-        </p:style>
-        <p:txBody>
-          <a:bodyPr rtlCol="0" anchor="ctr"/>
-          <a:lstStyle/>
-          <a:p>
-            <a:pPr algn="ctr"/>
-            <a:r>
-              <a:rPr lang="en-US" dirty="0"/>
-              <a:t>Additional information</a:t>
-            </a:r>
-            <a:endParaRPr lang="en-CA" dirty="0"/>
-          </a:p>
-        </p:txBody>
-      </p:sp>
-      <p:sp>
-        <p:nvSpPr>
-          <p:cNvPr id="39" name="Flowchart: Process 38">
-            <a:extLst>
-              <a:ext uri="{FF2B5EF4-FFF2-40B4-BE49-F238E27FC236}">
-                <a16:creationId xmlns:a16="http://schemas.microsoft.com/office/drawing/2014/main" id="{ED421EDF-85FF-4B20-A98E-EA6F3AD2BB27}"/>
-              </a:ext>
-            </a:extLst>
-          </p:cNvPr>
-          <p:cNvSpPr/>
-          <p:nvPr/>
-        </p:nvSpPr>
-        <p:spPr>
-          <a:xfrm>
-            <a:off x="7494231" y="1998673"/>
-            <a:ext cx="1472957" cy="456734"/>
-          </a:xfrm>
-          <a:prstGeom prst="flowChartProcess">
-            <a:avLst/>
-          </a:prstGeom>
-          <a:ln>
-            <a:noFill/>
-          </a:ln>
-        </p:spPr>
-        <p:style>
-          <a:lnRef idx="2">
-            <a:schemeClr val="dk1"/>
-          </a:lnRef>
-          <a:fillRef idx="1">
-            <a:schemeClr val="lt1"/>
-          </a:fillRef>
-          <a:effectRef idx="0">
-            <a:schemeClr val="dk1"/>
-          </a:effectRef>
-          <a:fontRef idx="minor">
-            <a:schemeClr val="dk1"/>
-          </a:fontRef>
-        </p:style>
-        <p:txBody>
-          <a:bodyPr rtlCol="0" anchor="ctr"/>
-          <a:lstStyle/>
-          <a:p>
-            <a:pPr algn="ctr"/>
-            <a:r>
-              <a:rPr lang="en-US" dirty="0"/>
-              <a:t>Review</a:t>
-            </a:r>
-            <a:endParaRPr lang="en-CA" dirty="0"/>
-          </a:p>
-        </p:txBody>
-      </p:sp>
-      <p:sp>
-        <p:nvSpPr>
-          <p:cNvPr id="40" name="Arrow: Chevron 39">
-            <a:extLst>
-              <a:ext uri="{FF2B5EF4-FFF2-40B4-BE49-F238E27FC236}">
-                <a16:creationId xmlns:a16="http://schemas.microsoft.com/office/drawing/2014/main" id="{0206B121-0ECB-485C-945A-1DC2993B208F}"/>
-              </a:ext>
-            </a:extLst>
-          </p:cNvPr>
-          <p:cNvSpPr/>
-          <p:nvPr/>
-        </p:nvSpPr>
-        <p:spPr>
-          <a:xfrm>
-            <a:off x="7278949" y="1989531"/>
-            <a:ext cx="337350" cy="493463"/>
-          </a:xfrm>
-          <a:prstGeom prst="chevron">
-            <a:avLst/>
-          </a:prstGeom>
-        </p:spPr>
-        <p:style>
-          <a:lnRef idx="2">
-            <a:schemeClr val="dk1">
-              <a:shade val="50000"/>
-            </a:schemeClr>
-          </a:lnRef>
-          <a:fillRef idx="1">
-            <a:schemeClr val="dk1"/>
-          </a:fillRef>
-          <a:effectRef idx="0">
-            <a:schemeClr val="dk1"/>
-          </a:effectRef>
-          <a:fontRef idx="minor">
-            <a:schemeClr val="lt1"/>
-          </a:fontRef>
-        </p:style>
-        <p:txBody>
-          <a:bodyPr rtlCol="0" anchor="ctr"/>
-          <a:lstStyle/>
-          <a:p>
-            <a:pPr algn="ctr"/>
-            <a:endParaRPr lang="en-CA">
-              <a:solidFill>
-                <a:schemeClr val="tx1"/>
-              </a:solidFill>
-            </a:endParaRPr>
-          </a:p>
-        </p:txBody>
-      </p:sp>
-    </p:spTree>
-    <p:extLst>
-      <p:ext uri="{BB962C8B-B14F-4D97-AF65-F5344CB8AC3E}">
-        <p14:creationId xmlns:p14="http://schemas.microsoft.com/office/powerpoint/2010/main" val="1586462052"/>
-      </p:ext>
-    </p:extLst>
-  </p:cSld>
-  <p:clrMapOvr>
-    <a:masterClrMapping/>
-  </p:clrMapOvr>
-</p:sld>
-</file>
-
 <file path=ppt/slides/slide2.xml><?xml version="1.0" encoding="utf-8"?>
 <p:sld xmlns:a="http://schemas.openxmlformats.org/drawingml/2006/main" xmlns:r="http://schemas.openxmlformats.org/officeDocument/2006/relationships" xmlns:p="http://schemas.openxmlformats.org/presentationml/2006/main">
   <p:cSld>
@@ -6992,11 +5422,113 @@
         </p:blipFill>
         <p:spPr>
           <a:xfrm>
-            <a:off x="1214406" y="443883"/>
+            <a:off x="806033" y="90497"/>
             <a:ext cx="9763188" cy="6213885"/>
           </a:xfrm>
         </p:spPr>
       </p:pic>
+      <p:sp>
+        <p:nvSpPr>
+          <p:cNvPr id="2" name="Rectangle 1">
+            <a:extLst>
+              <a:ext uri="{FF2B5EF4-FFF2-40B4-BE49-F238E27FC236}">
+                <a16:creationId xmlns:a16="http://schemas.microsoft.com/office/drawing/2014/main" id="{1E69F480-5B92-4321-97F7-BAEEC4C1B4C9}"/>
+              </a:ext>
+            </a:extLst>
+          </p:cNvPr>
+          <p:cNvSpPr/>
+          <p:nvPr/>
+        </p:nvSpPr>
+        <p:spPr>
+          <a:xfrm>
+            <a:off x="9860132" y="920439"/>
+            <a:ext cx="1711141" cy="1518082"/>
+          </a:xfrm>
+          <a:prstGeom prst="rect">
+            <a:avLst/>
+          </a:prstGeom>
+        </p:spPr>
+        <p:style>
+          <a:lnRef idx="2">
+            <a:schemeClr val="dk1"/>
+          </a:lnRef>
+          <a:fillRef idx="1">
+            <a:schemeClr val="lt1"/>
+          </a:fillRef>
+          <a:effectRef idx="0">
+            <a:schemeClr val="dk1"/>
+          </a:effectRef>
+          <a:fontRef idx="minor">
+            <a:schemeClr val="dk1"/>
+          </a:fontRef>
+        </p:style>
+        <p:txBody>
+          <a:bodyPr rtlCol="0" anchor="ctr"/>
+          <a:lstStyle/>
+          <a:p>
+            <a:pPr algn="ctr"/>
+            <a:r>
+              <a:rPr lang="en-US" dirty="0"/>
+              <a:t>Admin &amp; editor can see all the cards</a:t>
+            </a:r>
+          </a:p>
+          <a:p>
+            <a:pPr algn="ctr"/>
+            <a:endParaRPr lang="en-CA" dirty="0"/>
+          </a:p>
+        </p:txBody>
+      </p:sp>
+      <p:sp>
+        <p:nvSpPr>
+          <p:cNvPr id="4" name="Rectangle 3">
+            <a:extLst>
+              <a:ext uri="{FF2B5EF4-FFF2-40B4-BE49-F238E27FC236}">
+                <a16:creationId xmlns:a16="http://schemas.microsoft.com/office/drawing/2014/main" id="{7E865753-7976-466B-B760-D763250AE42D}"/>
+              </a:ext>
+            </a:extLst>
+          </p:cNvPr>
+          <p:cNvSpPr/>
+          <p:nvPr/>
+        </p:nvSpPr>
+        <p:spPr>
+          <a:xfrm>
+            <a:off x="9860132" y="3216675"/>
+            <a:ext cx="1711141" cy="1518082"/>
+          </a:xfrm>
+          <a:prstGeom prst="rect">
+            <a:avLst/>
+          </a:prstGeom>
+        </p:spPr>
+        <p:style>
+          <a:lnRef idx="2">
+            <a:schemeClr val="dk1"/>
+          </a:lnRef>
+          <a:fillRef idx="1">
+            <a:schemeClr val="lt1"/>
+          </a:fillRef>
+          <a:effectRef idx="0">
+            <a:schemeClr val="dk1"/>
+          </a:effectRef>
+          <a:fontRef idx="minor">
+            <a:schemeClr val="dk1"/>
+          </a:fontRef>
+        </p:style>
+        <p:txBody>
+          <a:bodyPr rtlCol="0" anchor="ctr"/>
+          <a:lstStyle/>
+          <a:p>
+            <a:pPr algn="ctr"/>
+            <a:r>
+              <a:rPr lang="en-US" dirty="0"/>
+              <a:t>The registered user can only see their cards</a:t>
+            </a:r>
+          </a:p>
+          <a:p>
+            <a:pPr algn="ctr"/>
+            <a:endParaRPr lang="en-CA" dirty="0"/>
+          </a:p>
+        </p:txBody>
+      </p:sp>
     </p:spTree>
     <p:extLst>
       <p:ext uri="{BB962C8B-B14F-4D97-AF65-F5344CB8AC3E}">
@@ -7041,7 +5573,7 @@
         </p:nvSpPr>
         <p:spPr>
           <a:xfrm>
-            <a:off x="1305017" y="536018"/>
+            <a:off x="1291700" y="107664"/>
             <a:ext cx="9747682" cy="6217920"/>
           </a:xfrm>
           <a:prstGeom prst="rect">
@@ -7072,379 +5604,6 @@
           </a:p>
         </p:txBody>
       </p:sp>
-      <p:sp>
-        <p:nvSpPr>
-          <p:cNvPr id="35" name="TextBox 34">
-            <a:extLst>
-              <a:ext uri="{FF2B5EF4-FFF2-40B4-BE49-F238E27FC236}">
-                <a16:creationId xmlns:a16="http://schemas.microsoft.com/office/drawing/2014/main" id="{7B5E2ABC-081C-424D-B429-DDEAB34FE0BC}"/>
-              </a:ext>
-            </a:extLst>
-          </p:cNvPr>
-          <p:cNvSpPr txBox="1"/>
-          <p:nvPr/>
-        </p:nvSpPr>
-        <p:spPr>
-          <a:xfrm>
-            <a:off x="1305017" y="541387"/>
-            <a:ext cx="9747682" cy="1331650"/>
-          </a:xfrm>
-          <a:prstGeom prst="rect">
-            <a:avLst/>
-          </a:prstGeom>
-        </p:spPr>
-        <p:style>
-          <a:lnRef idx="2">
-            <a:schemeClr val="dk1"/>
-          </a:lnRef>
-          <a:fillRef idx="1">
-            <a:schemeClr val="lt1"/>
-          </a:fillRef>
-          <a:effectRef idx="0">
-            <a:schemeClr val="dk1"/>
-          </a:effectRef>
-          <a:fontRef idx="minor">
-            <a:schemeClr val="dk1"/>
-          </a:fontRef>
-        </p:style>
-        <p:txBody>
-          <a:bodyPr wrap="square" rtlCol="0">
-            <a:spAutoFit/>
-          </a:bodyPr>
-          <a:lstStyle/>
-          <a:p>
-            <a:endParaRPr lang="en-CA" dirty="0"/>
-          </a:p>
-        </p:txBody>
-      </p:sp>
-      <p:sp>
-        <p:nvSpPr>
-          <p:cNvPr id="36" name="TextBox 35">
-            <a:extLst>
-              <a:ext uri="{FF2B5EF4-FFF2-40B4-BE49-F238E27FC236}">
-                <a16:creationId xmlns:a16="http://schemas.microsoft.com/office/drawing/2014/main" id="{970136AD-B837-4173-A082-00D81B47F8DE}"/>
-              </a:ext>
-            </a:extLst>
-          </p:cNvPr>
-          <p:cNvSpPr txBox="1"/>
-          <p:nvPr/>
-        </p:nvSpPr>
-        <p:spPr>
-          <a:xfrm>
-            <a:off x="1305017" y="6160215"/>
-            <a:ext cx="9747682" cy="692458"/>
-          </a:xfrm>
-          <a:prstGeom prst="rect">
-            <a:avLst/>
-          </a:prstGeom>
-        </p:spPr>
-        <p:style>
-          <a:lnRef idx="2">
-            <a:schemeClr val="dk1"/>
-          </a:lnRef>
-          <a:fillRef idx="1">
-            <a:schemeClr val="lt1"/>
-          </a:fillRef>
-          <a:effectRef idx="0">
-            <a:schemeClr val="dk1"/>
-          </a:effectRef>
-          <a:fontRef idx="minor">
-            <a:schemeClr val="dk1"/>
-          </a:fontRef>
-        </p:style>
-        <p:txBody>
-          <a:bodyPr wrap="square" rtlCol="0">
-            <a:spAutoFit/>
-          </a:bodyPr>
-          <a:lstStyle/>
-          <a:p>
-            <a:endParaRPr lang="en-CA" dirty="0"/>
-          </a:p>
-        </p:txBody>
-      </p:sp>
-      <p:sp>
-        <p:nvSpPr>
-          <p:cNvPr id="37" name="TextBox 36">
-            <a:extLst>
-              <a:ext uri="{FF2B5EF4-FFF2-40B4-BE49-F238E27FC236}">
-                <a16:creationId xmlns:a16="http://schemas.microsoft.com/office/drawing/2014/main" id="{4C8D542E-95E1-4DD7-BA4E-434F8716D095}"/>
-              </a:ext>
-            </a:extLst>
-          </p:cNvPr>
-          <p:cNvSpPr txBox="1"/>
-          <p:nvPr/>
-        </p:nvSpPr>
-        <p:spPr>
-          <a:xfrm>
-            <a:off x="62144" y="1115913"/>
-            <a:ext cx="861134" cy="369332"/>
-          </a:xfrm>
-          <a:prstGeom prst="rect">
-            <a:avLst/>
-          </a:prstGeom>
-        </p:spPr>
-        <p:style>
-          <a:lnRef idx="2">
-            <a:schemeClr val="dk1"/>
-          </a:lnRef>
-          <a:fillRef idx="1">
-            <a:schemeClr val="lt1"/>
-          </a:fillRef>
-          <a:effectRef idx="0">
-            <a:schemeClr val="dk1"/>
-          </a:effectRef>
-          <a:fontRef idx="minor">
-            <a:schemeClr val="dk1"/>
-          </a:fontRef>
-        </p:style>
-        <p:txBody>
-          <a:bodyPr wrap="square" rtlCol="0">
-            <a:spAutoFit/>
-          </a:bodyPr>
-          <a:lstStyle/>
-          <a:p>
-            <a:pPr algn="ctr"/>
-            <a:r>
-              <a:rPr lang="en-US" dirty="0"/>
-              <a:t>Logo</a:t>
-            </a:r>
-            <a:endParaRPr lang="en-CA" dirty="0"/>
-          </a:p>
-        </p:txBody>
-      </p:sp>
-      <p:sp>
-        <p:nvSpPr>
-          <p:cNvPr id="38" name="TextBox 37">
-            <a:extLst>
-              <a:ext uri="{FF2B5EF4-FFF2-40B4-BE49-F238E27FC236}">
-                <a16:creationId xmlns:a16="http://schemas.microsoft.com/office/drawing/2014/main" id="{F14D873C-722E-4270-AF2C-B6C26062B5F2}"/>
-              </a:ext>
-            </a:extLst>
-          </p:cNvPr>
-          <p:cNvSpPr txBox="1"/>
-          <p:nvPr/>
-        </p:nvSpPr>
-        <p:spPr>
-          <a:xfrm>
-            <a:off x="0" y="6254319"/>
-            <a:ext cx="861134" cy="369332"/>
-          </a:xfrm>
-          <a:prstGeom prst="rect">
-            <a:avLst/>
-          </a:prstGeom>
-        </p:spPr>
-        <p:style>
-          <a:lnRef idx="2">
-            <a:schemeClr val="dk1"/>
-          </a:lnRef>
-          <a:fillRef idx="1">
-            <a:schemeClr val="lt1"/>
-          </a:fillRef>
-          <a:effectRef idx="0">
-            <a:schemeClr val="dk1"/>
-          </a:effectRef>
-          <a:fontRef idx="minor">
-            <a:schemeClr val="dk1"/>
-          </a:fontRef>
-        </p:style>
-        <p:txBody>
-          <a:bodyPr wrap="square" rtlCol="0">
-            <a:spAutoFit/>
-          </a:bodyPr>
-          <a:lstStyle/>
-          <a:p>
-            <a:pPr algn="ctr"/>
-            <a:r>
-              <a:rPr lang="en-US" dirty="0"/>
-              <a:t>Footer</a:t>
-            </a:r>
-            <a:endParaRPr lang="en-CA" dirty="0"/>
-          </a:p>
-        </p:txBody>
-      </p:sp>
-      <p:sp>
-        <p:nvSpPr>
-          <p:cNvPr id="39" name="Rectangle 38">
-            <a:extLst>
-              <a:ext uri="{FF2B5EF4-FFF2-40B4-BE49-F238E27FC236}">
-                <a16:creationId xmlns:a16="http://schemas.microsoft.com/office/drawing/2014/main" id="{63B232A1-157B-4AF0-B857-DDEF6F3A0987}"/>
-              </a:ext>
-            </a:extLst>
-          </p:cNvPr>
-          <p:cNvSpPr/>
-          <p:nvPr/>
-        </p:nvSpPr>
-        <p:spPr>
-          <a:xfrm>
-            <a:off x="4116280" y="1376915"/>
-            <a:ext cx="6936419" cy="491657"/>
-          </a:xfrm>
-          <a:prstGeom prst="rect">
-            <a:avLst/>
-          </a:prstGeom>
-        </p:spPr>
-        <p:style>
-          <a:lnRef idx="2">
-            <a:schemeClr val="dk1"/>
-          </a:lnRef>
-          <a:fillRef idx="1">
-            <a:schemeClr val="lt1"/>
-          </a:fillRef>
-          <a:effectRef idx="0">
-            <a:schemeClr val="dk1"/>
-          </a:effectRef>
-          <a:fontRef idx="minor">
-            <a:schemeClr val="dk1"/>
-          </a:fontRef>
-        </p:style>
-        <p:txBody>
-          <a:bodyPr rtlCol="0" anchor="ctr"/>
-          <a:lstStyle/>
-          <a:p>
-            <a:pPr algn="ctr"/>
-            <a:endParaRPr lang="en-CA"/>
-          </a:p>
-        </p:txBody>
-      </p:sp>
-      <p:sp>
-        <p:nvSpPr>
-          <p:cNvPr id="40" name="TextBox 39">
-            <a:extLst>
-              <a:ext uri="{FF2B5EF4-FFF2-40B4-BE49-F238E27FC236}">
-                <a16:creationId xmlns:a16="http://schemas.microsoft.com/office/drawing/2014/main" id="{8378FB44-0248-4E96-873B-14AD86226D59}"/>
-              </a:ext>
-            </a:extLst>
-          </p:cNvPr>
-          <p:cNvSpPr txBox="1"/>
-          <p:nvPr/>
-        </p:nvSpPr>
-        <p:spPr>
-          <a:xfrm>
-            <a:off x="11372296" y="1607570"/>
-            <a:ext cx="1819922" cy="369332"/>
-          </a:xfrm>
-          <a:prstGeom prst="rect">
-            <a:avLst/>
-          </a:prstGeom>
-        </p:spPr>
-        <p:style>
-          <a:lnRef idx="2">
-            <a:schemeClr val="dk1"/>
-          </a:lnRef>
-          <a:fillRef idx="1">
-            <a:schemeClr val="lt1"/>
-          </a:fillRef>
-          <a:effectRef idx="0">
-            <a:schemeClr val="dk1"/>
-          </a:effectRef>
-          <a:fontRef idx="minor">
-            <a:schemeClr val="dk1"/>
-          </a:fontRef>
-        </p:style>
-        <p:txBody>
-          <a:bodyPr wrap="square" rtlCol="0">
-            <a:spAutoFit/>
-          </a:bodyPr>
-          <a:lstStyle/>
-          <a:p>
-            <a:pPr algn="ctr"/>
-            <a:r>
-              <a:rPr lang="en-US" dirty="0"/>
-              <a:t>Navigation</a:t>
-            </a:r>
-            <a:endParaRPr lang="en-CA" dirty="0"/>
-          </a:p>
-        </p:txBody>
-      </p:sp>
-      <p:sp>
-        <p:nvSpPr>
-          <p:cNvPr id="41" name="TextBox 40">
-            <a:extLst>
-              <a:ext uri="{FF2B5EF4-FFF2-40B4-BE49-F238E27FC236}">
-                <a16:creationId xmlns:a16="http://schemas.microsoft.com/office/drawing/2014/main" id="{16FE73E3-CABD-4705-9DDA-CE9679E4F132}"/>
-              </a:ext>
-            </a:extLst>
-          </p:cNvPr>
-          <p:cNvSpPr txBox="1"/>
-          <p:nvPr/>
-        </p:nvSpPr>
-        <p:spPr>
-          <a:xfrm>
-            <a:off x="4116280" y="92477"/>
-            <a:ext cx="1384916" cy="369332"/>
-          </a:xfrm>
-          <a:prstGeom prst="rect">
-            <a:avLst/>
-          </a:prstGeom>
-        </p:spPr>
-        <p:style>
-          <a:lnRef idx="2">
-            <a:schemeClr val="dk1"/>
-          </a:lnRef>
-          <a:fillRef idx="1">
-            <a:schemeClr val="lt1"/>
-          </a:fillRef>
-          <a:effectRef idx="0">
-            <a:schemeClr val="dk1"/>
-          </a:effectRef>
-          <a:fontRef idx="minor">
-            <a:schemeClr val="dk1"/>
-          </a:fontRef>
-        </p:style>
-        <p:txBody>
-          <a:bodyPr wrap="square" rtlCol="0">
-            <a:spAutoFit/>
-          </a:bodyPr>
-          <a:lstStyle/>
-          <a:p>
-            <a:pPr algn="ctr"/>
-            <a:r>
-              <a:rPr lang="en-US" dirty="0"/>
-              <a:t>Header</a:t>
-            </a:r>
-            <a:endParaRPr lang="en-CA" dirty="0"/>
-          </a:p>
-        </p:txBody>
-      </p:sp>
-      <p:cxnSp>
-        <p:nvCxnSpPr>
-          <p:cNvPr id="42" name="Straight Arrow Connector 41">
-            <a:extLst>
-              <a:ext uri="{FF2B5EF4-FFF2-40B4-BE49-F238E27FC236}">
-                <a16:creationId xmlns:a16="http://schemas.microsoft.com/office/drawing/2014/main" id="{9B12786D-D857-4BEE-826A-659C8E5CCD9F}"/>
-              </a:ext>
-            </a:extLst>
-          </p:cNvPr>
-          <p:cNvCxnSpPr/>
-          <p:nvPr/>
-        </p:nvCxnSpPr>
-        <p:spPr>
-          <a:xfrm>
-            <a:off x="923278" y="1313895"/>
-            <a:ext cx="701336" cy="0"/>
-          </a:xfrm>
-          <a:prstGeom prst="straightConnector1">
-            <a:avLst/>
-          </a:prstGeom>
-          <a:ln w="28575">
-            <a:tailEnd type="triangle"/>
-          </a:ln>
-        </p:spPr>
-        <p:style>
-          <a:lnRef idx="1">
-            <a:schemeClr val="accent1"/>
-          </a:lnRef>
-          <a:fillRef idx="0">
-            <a:schemeClr val="accent1"/>
-          </a:fillRef>
-          <a:effectRef idx="0">
-            <a:schemeClr val="accent1"/>
-          </a:effectRef>
-          <a:fontRef idx="minor">
-            <a:schemeClr val="tx1"/>
-          </a:fontRef>
-        </p:style>
-      </p:cxnSp>
       <p:cxnSp>
         <p:nvCxnSpPr>
           <p:cNvPr id="43" name="Straight Arrow Connector 42">
@@ -7461,84 +5620,6 @@
           <a:xfrm>
             <a:off x="861134" y="6452301"/>
             <a:ext cx="701336" cy="0"/>
-          </a:xfrm>
-          <a:prstGeom prst="straightConnector1">
-            <a:avLst/>
-          </a:prstGeom>
-          <a:ln w="28575">
-            <a:tailEnd type="triangle"/>
-          </a:ln>
-        </p:spPr>
-        <p:style>
-          <a:lnRef idx="1">
-            <a:schemeClr val="accent1"/>
-          </a:lnRef>
-          <a:fillRef idx="0">
-            <a:schemeClr val="accent1"/>
-          </a:fillRef>
-          <a:effectRef idx="0">
-            <a:schemeClr val="accent1"/>
-          </a:effectRef>
-          <a:fontRef idx="minor">
-            <a:schemeClr val="tx1"/>
-          </a:fontRef>
-        </p:style>
-      </p:cxnSp>
-      <p:cxnSp>
-        <p:nvCxnSpPr>
-          <p:cNvPr id="44" name="Straight Arrow Connector 43">
-            <a:extLst>
-              <a:ext uri="{FF2B5EF4-FFF2-40B4-BE49-F238E27FC236}">
-                <a16:creationId xmlns:a16="http://schemas.microsoft.com/office/drawing/2014/main" id="{AAA3D58A-BFAF-4250-8828-1E23E971E8D9}"/>
-              </a:ext>
-            </a:extLst>
-          </p:cNvPr>
-          <p:cNvCxnSpPr/>
-          <p:nvPr/>
-        </p:nvCxnSpPr>
-        <p:spPr>
-          <a:xfrm flipH="1">
-            <a:off x="10348405" y="1792236"/>
-            <a:ext cx="1023891" cy="1"/>
-          </a:xfrm>
-          <a:prstGeom prst="straightConnector1">
-            <a:avLst/>
-          </a:prstGeom>
-          <a:ln w="28575">
-            <a:tailEnd type="triangle"/>
-          </a:ln>
-        </p:spPr>
-        <p:style>
-          <a:lnRef idx="1">
-            <a:schemeClr val="accent1"/>
-          </a:lnRef>
-          <a:fillRef idx="0">
-            <a:schemeClr val="accent1"/>
-          </a:fillRef>
-          <a:effectRef idx="0">
-            <a:schemeClr val="accent1"/>
-          </a:effectRef>
-          <a:fontRef idx="minor">
-            <a:schemeClr val="tx1"/>
-          </a:fontRef>
-        </p:style>
-      </p:cxnSp>
-      <p:cxnSp>
-        <p:nvCxnSpPr>
-          <p:cNvPr id="45" name="Straight Arrow Connector 44">
-            <a:extLst>
-              <a:ext uri="{FF2B5EF4-FFF2-40B4-BE49-F238E27FC236}">
-                <a16:creationId xmlns:a16="http://schemas.microsoft.com/office/drawing/2014/main" id="{43E23E89-5FB1-4AC7-82B7-EBB6FC516D9F}"/>
-              </a:ext>
-            </a:extLst>
-          </p:cNvPr>
-          <p:cNvCxnSpPr/>
-          <p:nvPr/>
-        </p:nvCxnSpPr>
-        <p:spPr>
-          <a:xfrm>
-            <a:off x="4808738" y="461809"/>
-            <a:ext cx="0" cy="701336"/>
           </a:xfrm>
           <a:prstGeom prst="straightConnector1">
             <a:avLst/>
@@ -8057,7 +6138,19 @@
           <a:p>
             <a:r>
               <a:rPr lang="en-US" dirty="0"/>
-              <a:t>Send your good thought:</a:t>
+              <a:t>Send your good thought</a:t>
+            </a:r>
+            <a:r>
+              <a:rPr lang="en-US" dirty="0">
+                <a:solidFill>
+                  <a:srgbClr val="FF0000"/>
+                </a:solidFill>
+              </a:rPr>
+              <a:t>*</a:t>
+            </a:r>
+            <a:r>
+              <a:rPr lang="en-US" dirty="0"/>
+              <a:t>:</a:t>
             </a:r>
             <a:endParaRPr lang="en-CA" dirty="0"/>
           </a:p>
@@ -8110,429 +6203,6 @@
               <a:t>Submit</a:t>
             </a:r>
             <a:endParaRPr lang="en-CA" dirty="0"/>
-          </a:p>
-        </p:txBody>
-      </p:sp>
-      <p:sp>
-        <p:nvSpPr>
-          <p:cNvPr id="63" name="Rectangle 62">
-            <a:extLst>
-              <a:ext uri="{FF2B5EF4-FFF2-40B4-BE49-F238E27FC236}">
-                <a16:creationId xmlns:a16="http://schemas.microsoft.com/office/drawing/2014/main" id="{2E0B174F-2E07-479C-B535-7E1E7D501D03}"/>
-              </a:ext>
-            </a:extLst>
-          </p:cNvPr>
-          <p:cNvSpPr/>
-          <p:nvPr/>
-        </p:nvSpPr>
-        <p:spPr>
-          <a:xfrm>
-            <a:off x="1624614" y="949911"/>
-            <a:ext cx="1455937" cy="701336"/>
-          </a:xfrm>
-          <a:prstGeom prst="rect">
-            <a:avLst/>
-          </a:prstGeom>
-        </p:spPr>
-        <p:style>
-          <a:lnRef idx="2">
-            <a:schemeClr val="dk1"/>
-          </a:lnRef>
-          <a:fillRef idx="1">
-            <a:schemeClr val="lt1"/>
-          </a:fillRef>
-          <a:effectRef idx="0">
-            <a:schemeClr val="dk1"/>
-          </a:effectRef>
-          <a:fontRef idx="minor">
-            <a:schemeClr val="dk1"/>
-          </a:fontRef>
-        </p:style>
-        <p:txBody>
-          <a:bodyPr rtlCol="0" anchor="ctr"/>
-          <a:lstStyle/>
-          <a:p>
-            <a:pPr algn="ctr"/>
-            <a:endParaRPr lang="en-CA"/>
-          </a:p>
-        </p:txBody>
-      </p:sp>
-      <p:sp>
-        <p:nvSpPr>
-          <p:cNvPr id="69" name="Arrow: Chevron 68">
-            <a:extLst>
-              <a:ext uri="{FF2B5EF4-FFF2-40B4-BE49-F238E27FC236}">
-                <a16:creationId xmlns:a16="http://schemas.microsoft.com/office/drawing/2014/main" id="{B7287515-997C-4692-AFE1-64AA4626E58E}"/>
-              </a:ext>
-            </a:extLst>
-          </p:cNvPr>
-          <p:cNvSpPr/>
-          <p:nvPr/>
-        </p:nvSpPr>
-        <p:spPr>
-          <a:xfrm>
-            <a:off x="7140606" y="1991339"/>
-            <a:ext cx="346229" cy="484321"/>
-          </a:xfrm>
-          <a:prstGeom prst="chevron">
-            <a:avLst/>
-          </a:prstGeom>
-        </p:spPr>
-        <p:style>
-          <a:lnRef idx="2">
-            <a:schemeClr val="dk1">
-              <a:shade val="50000"/>
-            </a:schemeClr>
-          </a:lnRef>
-          <a:fillRef idx="1">
-            <a:schemeClr val="dk1"/>
-          </a:fillRef>
-          <a:effectRef idx="0">
-            <a:schemeClr val="dk1"/>
-          </a:effectRef>
-          <a:fontRef idx="minor">
-            <a:schemeClr val="lt1"/>
-          </a:fontRef>
-        </p:style>
-        <p:txBody>
-          <a:bodyPr rtlCol="0" anchor="ctr"/>
-          <a:lstStyle/>
-          <a:p>
-            <a:pPr algn="ctr"/>
-            <a:endParaRPr lang="en-CA">
-              <a:solidFill>
-                <a:schemeClr val="tx1"/>
-              </a:solidFill>
-            </a:endParaRPr>
-          </a:p>
-        </p:txBody>
-      </p:sp>
-      <p:grpSp>
-        <p:nvGrpSpPr>
-          <p:cNvPr id="8" name="Group 7">
-            <a:extLst>
-              <a:ext uri="{FF2B5EF4-FFF2-40B4-BE49-F238E27FC236}">
-                <a16:creationId xmlns:a16="http://schemas.microsoft.com/office/drawing/2014/main" id="{5E683AD6-1C82-4BF2-96ED-19B003DCBACE}"/>
-              </a:ext>
-            </a:extLst>
-          </p:cNvPr>
-          <p:cNvGrpSpPr/>
-          <p:nvPr/>
-        </p:nvGrpSpPr>
-        <p:grpSpPr>
-          <a:xfrm>
-            <a:off x="3151573" y="1971086"/>
-            <a:ext cx="5885895" cy="511908"/>
-            <a:chOff x="3151573" y="1971086"/>
-            <a:chExt cx="5885895" cy="511908"/>
-          </a:xfrm>
-        </p:grpSpPr>
-        <p:sp>
-          <p:nvSpPr>
-            <p:cNvPr id="5" name="Flowchart: Process 4">
-              <a:extLst>
-                <a:ext uri="{FF2B5EF4-FFF2-40B4-BE49-F238E27FC236}">
-                  <a16:creationId xmlns:a16="http://schemas.microsoft.com/office/drawing/2014/main" id="{020AA270-14AA-4657-9DE7-4C436C4D71C3}"/>
-                </a:ext>
-              </a:extLst>
-            </p:cNvPr>
-            <p:cNvSpPr/>
-            <p:nvPr/>
-          </p:nvSpPr>
-          <p:spPr>
-            <a:xfrm>
-              <a:off x="3151573" y="1976902"/>
-              <a:ext cx="5885895" cy="506092"/>
-            </a:xfrm>
-            <a:prstGeom prst="flowChartProcess">
-              <a:avLst/>
-            </a:prstGeom>
-          </p:spPr>
-          <p:style>
-            <a:lnRef idx="2">
-              <a:schemeClr val="dk1"/>
-            </a:lnRef>
-            <a:fillRef idx="1">
-              <a:schemeClr val="lt1"/>
-            </a:fillRef>
-            <a:effectRef idx="0">
-              <a:schemeClr val="dk1"/>
-            </a:effectRef>
-            <a:fontRef idx="minor">
-              <a:schemeClr val="dk1"/>
-            </a:fontRef>
-          </p:style>
-          <p:txBody>
-            <a:bodyPr rtlCol="0" anchor="ctr"/>
-            <a:lstStyle/>
-            <a:p>
-              <a:pPr algn="ctr"/>
-              <a:endParaRPr lang="en-CA"/>
-            </a:p>
-          </p:txBody>
-        </p:sp>
-        <p:sp>
-          <p:nvSpPr>
-            <p:cNvPr id="6" name="Arrow: Chevron 5">
-              <a:extLst>
-                <a:ext uri="{FF2B5EF4-FFF2-40B4-BE49-F238E27FC236}">
-                  <a16:creationId xmlns:a16="http://schemas.microsoft.com/office/drawing/2014/main" id="{1B3237B1-2864-4DD5-B86D-B32D05C4F5E9}"/>
-                </a:ext>
-              </a:extLst>
-            </p:cNvPr>
-            <p:cNvSpPr/>
-            <p:nvPr/>
-          </p:nvSpPr>
-          <p:spPr>
-            <a:xfrm>
-              <a:off x="4946343" y="1989531"/>
-              <a:ext cx="337350" cy="493463"/>
-            </a:xfrm>
-            <a:prstGeom prst="chevron">
-              <a:avLst/>
-            </a:prstGeom>
-          </p:spPr>
-          <p:style>
-            <a:lnRef idx="2">
-              <a:schemeClr val="dk1">
-                <a:shade val="50000"/>
-              </a:schemeClr>
-            </a:lnRef>
-            <a:fillRef idx="1">
-              <a:schemeClr val="dk1"/>
-            </a:fillRef>
-            <a:effectRef idx="0">
-              <a:schemeClr val="dk1"/>
-            </a:effectRef>
-            <a:fontRef idx="minor">
-              <a:schemeClr val="lt1"/>
-            </a:fontRef>
-          </p:style>
-          <p:txBody>
-            <a:bodyPr rtlCol="0" anchor="ctr"/>
-            <a:lstStyle/>
-            <a:p>
-              <a:pPr algn="ctr"/>
-              <a:endParaRPr lang="en-CA">
-                <a:solidFill>
-                  <a:schemeClr val="tx1"/>
-                </a:solidFill>
-              </a:endParaRPr>
-            </a:p>
-          </p:txBody>
-        </p:sp>
-        <p:sp>
-          <p:nvSpPr>
-            <p:cNvPr id="7" name="Flowchart: Process 6">
-              <a:extLst>
-                <a:ext uri="{FF2B5EF4-FFF2-40B4-BE49-F238E27FC236}">
-                  <a16:creationId xmlns:a16="http://schemas.microsoft.com/office/drawing/2014/main" id="{3375ED3D-D6CA-4BAD-99B1-6882A238DE2E}"/>
-                </a:ext>
-              </a:extLst>
-            </p:cNvPr>
-            <p:cNvSpPr/>
-            <p:nvPr/>
-          </p:nvSpPr>
-          <p:spPr>
-            <a:xfrm>
-              <a:off x="3151573" y="1971086"/>
-              <a:ext cx="1794771" cy="484321"/>
-            </a:xfrm>
-            <a:prstGeom prst="flowChartProcess">
-              <a:avLst/>
-            </a:prstGeom>
-            <a:noFill/>
-            <a:ln>
-              <a:noFill/>
-            </a:ln>
-          </p:spPr>
-          <p:style>
-            <a:lnRef idx="2">
-              <a:schemeClr val="accent3">
-                <a:shade val="50000"/>
-              </a:schemeClr>
-            </a:lnRef>
-            <a:fillRef idx="1">
-              <a:schemeClr val="accent3"/>
-            </a:fillRef>
-            <a:effectRef idx="0">
-              <a:schemeClr val="accent3"/>
-            </a:effectRef>
-            <a:fontRef idx="minor">
-              <a:schemeClr val="lt1"/>
-            </a:fontRef>
-          </p:style>
-          <p:txBody>
-            <a:bodyPr rtlCol="0" anchor="ctr"/>
-            <a:lstStyle/>
-            <a:p>
-              <a:pPr algn="ctr"/>
-              <a:r>
-                <a:rPr lang="en-US" b="1" dirty="0">
-                  <a:solidFill>
-                    <a:schemeClr val="tx1"/>
-                  </a:solidFill>
-                </a:rPr>
-                <a:t>Choose card</a:t>
-              </a:r>
-              <a:endParaRPr lang="en-CA" b="1" dirty="0">
-                <a:solidFill>
-                  <a:schemeClr val="tx1"/>
-                </a:solidFill>
-              </a:endParaRPr>
-            </a:p>
-          </p:txBody>
-        </p:sp>
-        <p:sp>
-          <p:nvSpPr>
-            <p:cNvPr id="70" name="Flowchart: Process 69">
-              <a:extLst>
-                <a:ext uri="{FF2B5EF4-FFF2-40B4-BE49-F238E27FC236}">
-                  <a16:creationId xmlns:a16="http://schemas.microsoft.com/office/drawing/2014/main" id="{D6257384-9CB3-4F97-B0D0-58F43952F8C5}"/>
-                </a:ext>
-              </a:extLst>
-            </p:cNvPr>
-            <p:cNvSpPr/>
-            <p:nvPr/>
-          </p:nvSpPr>
-          <p:spPr>
-            <a:xfrm>
-              <a:off x="5283693" y="2039344"/>
-              <a:ext cx="1826582" cy="416063"/>
-            </a:xfrm>
-            <a:prstGeom prst="flowChartProcess">
-              <a:avLst/>
-            </a:prstGeom>
-            <a:ln>
-              <a:noFill/>
-            </a:ln>
-          </p:spPr>
-          <p:style>
-            <a:lnRef idx="2">
-              <a:schemeClr val="dk1"/>
-            </a:lnRef>
-            <a:fillRef idx="1">
-              <a:schemeClr val="lt1"/>
-            </a:fillRef>
-            <a:effectRef idx="0">
-              <a:schemeClr val="dk1"/>
-            </a:effectRef>
-            <a:fontRef idx="minor">
-              <a:schemeClr val="dk1"/>
-            </a:fontRef>
-          </p:style>
-          <p:txBody>
-            <a:bodyPr rtlCol="0" anchor="ctr"/>
-            <a:lstStyle/>
-            <a:p>
-              <a:pPr algn="ctr"/>
-              <a:r>
-                <a:rPr lang="en-US" dirty="0"/>
-                <a:t>Additional information</a:t>
-              </a:r>
-              <a:endParaRPr lang="en-CA" dirty="0"/>
-            </a:p>
-          </p:txBody>
-        </p:sp>
-        <p:sp>
-          <p:nvSpPr>
-            <p:cNvPr id="71" name="Flowchart: Process 70">
-              <a:extLst>
-                <a:ext uri="{FF2B5EF4-FFF2-40B4-BE49-F238E27FC236}">
-                  <a16:creationId xmlns:a16="http://schemas.microsoft.com/office/drawing/2014/main" id="{CED809BC-5E1D-4318-B366-2EB837FB1F2F}"/>
-                </a:ext>
-              </a:extLst>
-            </p:cNvPr>
-            <p:cNvSpPr/>
-            <p:nvPr/>
-          </p:nvSpPr>
-          <p:spPr>
-            <a:xfrm>
-              <a:off x="7494231" y="1998673"/>
-              <a:ext cx="1472957" cy="456734"/>
-            </a:xfrm>
-            <a:prstGeom prst="flowChartProcess">
-              <a:avLst/>
-            </a:prstGeom>
-            <a:ln>
-              <a:noFill/>
-            </a:ln>
-          </p:spPr>
-          <p:style>
-            <a:lnRef idx="2">
-              <a:schemeClr val="dk1"/>
-            </a:lnRef>
-            <a:fillRef idx="1">
-              <a:schemeClr val="lt1"/>
-            </a:fillRef>
-            <a:effectRef idx="0">
-              <a:schemeClr val="dk1"/>
-            </a:effectRef>
-            <a:fontRef idx="minor">
-              <a:schemeClr val="dk1"/>
-            </a:fontRef>
-          </p:style>
-          <p:txBody>
-            <a:bodyPr rtlCol="0" anchor="ctr"/>
-            <a:lstStyle/>
-            <a:p>
-              <a:pPr algn="ctr"/>
-              <a:r>
-                <a:rPr lang="en-US" dirty="0"/>
-                <a:t>Review</a:t>
-              </a:r>
-              <a:endParaRPr lang="en-CA" dirty="0"/>
-            </a:p>
-          </p:txBody>
-        </p:sp>
-      </p:grpSp>
-      <p:sp>
-        <p:nvSpPr>
-          <p:cNvPr id="72" name="Arrow: Chevron 71">
-            <a:extLst>
-              <a:ext uri="{FF2B5EF4-FFF2-40B4-BE49-F238E27FC236}">
-                <a16:creationId xmlns:a16="http://schemas.microsoft.com/office/drawing/2014/main" id="{9B839492-5A55-47CD-A353-CF26BD8DAF60}"/>
-              </a:ext>
-            </a:extLst>
-          </p:cNvPr>
-          <p:cNvSpPr/>
-          <p:nvPr/>
-        </p:nvSpPr>
-        <p:spPr>
-          <a:xfrm>
-            <a:off x="7278949" y="1989531"/>
-            <a:ext cx="337350" cy="493463"/>
-          </a:xfrm>
-          <a:prstGeom prst="chevron">
-            <a:avLst/>
-          </a:prstGeom>
-        </p:spPr>
-        <p:style>
-          <a:lnRef idx="2">
-            <a:schemeClr val="dk1">
-              <a:shade val="50000"/>
-            </a:schemeClr>
-          </a:lnRef>
-          <a:fillRef idx="1">
-            <a:schemeClr val="dk1"/>
-          </a:fillRef>
-          <a:effectRef idx="0">
-            <a:schemeClr val="dk1"/>
-          </a:effectRef>
-          <a:fontRef idx="minor">
-            <a:schemeClr val="lt1"/>
-          </a:fontRef>
-        </p:style>
-        <p:txBody>
-          <a:bodyPr rtlCol="0" anchor="ctr"/>
-          <a:lstStyle/>
-          <a:p>
-            <a:pPr algn="ctr"/>
-            <a:endParaRPr lang="en-CA">
-              <a:solidFill>
-                <a:schemeClr val="tx1"/>
-              </a:solidFill>
-            </a:endParaRPr>
           </a:p>
         </p:txBody>
       </p:sp>
@@ -8577,6 +6247,600 @@
               <a:t>Field required</a:t>
             </a:r>
             <a:endParaRPr lang="en-CA" sz="1400" dirty="0"/>
+          </a:p>
+        </p:txBody>
+      </p:sp>
+      <p:sp>
+        <p:nvSpPr>
+          <p:cNvPr id="57" name="TextBox 56">
+            <a:extLst>
+              <a:ext uri="{FF2B5EF4-FFF2-40B4-BE49-F238E27FC236}">
+                <a16:creationId xmlns:a16="http://schemas.microsoft.com/office/drawing/2014/main" id="{119A2D90-92E2-4BF3-86FB-C047D592A607}"/>
+              </a:ext>
+            </a:extLst>
+          </p:cNvPr>
+          <p:cNvSpPr txBox="1"/>
+          <p:nvPr/>
+        </p:nvSpPr>
+        <p:spPr>
+          <a:xfrm>
+            <a:off x="1358837" y="1254703"/>
+            <a:ext cx="2831976" cy="369332"/>
+          </a:xfrm>
+          <a:prstGeom prst="rect">
+            <a:avLst/>
+          </a:prstGeom>
+        </p:spPr>
+        <p:style>
+          <a:lnRef idx="2">
+            <a:schemeClr val="dk1"/>
+          </a:lnRef>
+          <a:fillRef idx="1">
+            <a:schemeClr val="lt1"/>
+          </a:fillRef>
+          <a:effectRef idx="0">
+            <a:schemeClr val="dk1"/>
+          </a:effectRef>
+          <a:fontRef idx="minor">
+            <a:schemeClr val="dk1"/>
+          </a:fontRef>
+        </p:style>
+        <p:txBody>
+          <a:bodyPr wrap="square" rtlCol="0">
+            <a:spAutoFit/>
+          </a:bodyPr>
+          <a:lstStyle/>
+          <a:p>
+            <a:endParaRPr lang="en-CA" dirty="0">
+              <a:solidFill>
+                <a:schemeClr val="bg1">
+                  <a:lumMod val="65000"/>
+                </a:schemeClr>
+              </a:solidFill>
+            </a:endParaRPr>
+          </a:p>
+        </p:txBody>
+      </p:sp>
+      <p:sp>
+        <p:nvSpPr>
+          <p:cNvPr id="60" name="TextBox 59">
+            <a:extLst>
+              <a:ext uri="{FF2B5EF4-FFF2-40B4-BE49-F238E27FC236}">
+                <a16:creationId xmlns:a16="http://schemas.microsoft.com/office/drawing/2014/main" id="{FB113EC6-757D-4456-92A6-5777D8823E9A}"/>
+              </a:ext>
+            </a:extLst>
+          </p:cNvPr>
+          <p:cNvSpPr txBox="1"/>
+          <p:nvPr/>
+        </p:nvSpPr>
+        <p:spPr>
+          <a:xfrm>
+            <a:off x="7555177" y="1234835"/>
+            <a:ext cx="3187081" cy="369332"/>
+          </a:xfrm>
+          <a:prstGeom prst="rect">
+            <a:avLst/>
+          </a:prstGeom>
+        </p:spPr>
+        <p:style>
+          <a:lnRef idx="2">
+            <a:schemeClr val="dk1"/>
+          </a:lnRef>
+          <a:fillRef idx="1">
+            <a:schemeClr val="lt1"/>
+          </a:fillRef>
+          <a:effectRef idx="0">
+            <a:schemeClr val="dk1"/>
+          </a:effectRef>
+          <a:fontRef idx="minor">
+            <a:schemeClr val="dk1"/>
+          </a:fontRef>
+        </p:style>
+        <p:txBody>
+          <a:bodyPr wrap="square" rtlCol="0">
+            <a:spAutoFit/>
+          </a:bodyPr>
+          <a:lstStyle/>
+          <a:p>
+            <a:endParaRPr lang="en-CA" dirty="0">
+              <a:solidFill>
+                <a:schemeClr val="bg1">
+                  <a:lumMod val="65000"/>
+                </a:schemeClr>
+              </a:solidFill>
+            </a:endParaRPr>
+          </a:p>
+        </p:txBody>
+      </p:sp>
+      <p:sp>
+        <p:nvSpPr>
+          <p:cNvPr id="61" name="TextBox 60">
+            <a:extLst>
+              <a:ext uri="{FF2B5EF4-FFF2-40B4-BE49-F238E27FC236}">
+                <a16:creationId xmlns:a16="http://schemas.microsoft.com/office/drawing/2014/main" id="{1E04CD6E-FB73-48D3-9708-A8BDA02DDDA2}"/>
+              </a:ext>
+            </a:extLst>
+          </p:cNvPr>
+          <p:cNvSpPr txBox="1"/>
+          <p:nvPr/>
+        </p:nvSpPr>
+        <p:spPr>
+          <a:xfrm>
+            <a:off x="7555177" y="2082662"/>
+            <a:ext cx="3187082" cy="369332"/>
+          </a:xfrm>
+          <a:prstGeom prst="rect">
+            <a:avLst/>
+          </a:prstGeom>
+        </p:spPr>
+        <p:style>
+          <a:lnRef idx="2">
+            <a:schemeClr val="dk1"/>
+          </a:lnRef>
+          <a:fillRef idx="1">
+            <a:schemeClr val="lt1"/>
+          </a:fillRef>
+          <a:effectRef idx="0">
+            <a:schemeClr val="dk1"/>
+          </a:effectRef>
+          <a:fontRef idx="minor">
+            <a:schemeClr val="dk1"/>
+          </a:fontRef>
+        </p:style>
+        <p:txBody>
+          <a:bodyPr wrap="square" rtlCol="0">
+            <a:spAutoFit/>
+          </a:bodyPr>
+          <a:lstStyle/>
+          <a:p>
+            <a:endParaRPr lang="en-CA" dirty="0">
+              <a:solidFill>
+                <a:schemeClr val="bg1">
+                  <a:lumMod val="65000"/>
+                </a:schemeClr>
+              </a:solidFill>
+            </a:endParaRPr>
+          </a:p>
+        </p:txBody>
+      </p:sp>
+      <p:sp>
+        <p:nvSpPr>
+          <p:cNvPr id="62" name="TextBox 61">
+            <a:extLst>
+              <a:ext uri="{FF2B5EF4-FFF2-40B4-BE49-F238E27FC236}">
+                <a16:creationId xmlns:a16="http://schemas.microsoft.com/office/drawing/2014/main" id="{31EA1B1D-F61B-44D6-B858-C4F265304057}"/>
+              </a:ext>
+            </a:extLst>
+          </p:cNvPr>
+          <p:cNvSpPr txBox="1"/>
+          <p:nvPr/>
+        </p:nvSpPr>
+        <p:spPr>
+          <a:xfrm>
+            <a:off x="4422751" y="779251"/>
+            <a:ext cx="2325950" cy="369332"/>
+          </a:xfrm>
+          <a:prstGeom prst="rect">
+            <a:avLst/>
+          </a:prstGeom>
+          <a:noFill/>
+        </p:spPr>
+        <p:txBody>
+          <a:bodyPr wrap="square" rtlCol="0">
+            <a:spAutoFit/>
+          </a:bodyPr>
+          <a:lstStyle/>
+          <a:p>
+            <a:r>
+              <a:rPr lang="en-US" dirty="0"/>
+              <a:t>Room Number</a:t>
+            </a:r>
+            <a:r>
+              <a:rPr lang="en-US" dirty="0">
+                <a:solidFill>
+                  <a:srgbClr val="FF0000"/>
+                </a:solidFill>
+              </a:rPr>
+              <a:t>*</a:t>
+            </a:r>
+            <a:r>
+              <a:rPr lang="en-US" dirty="0"/>
+              <a:t>:</a:t>
+            </a:r>
+            <a:endParaRPr lang="en-CA" dirty="0"/>
+          </a:p>
+        </p:txBody>
+      </p:sp>
+      <p:sp>
+        <p:nvSpPr>
+          <p:cNvPr id="64" name="TextBox 63">
+            <a:extLst>
+              <a:ext uri="{FF2B5EF4-FFF2-40B4-BE49-F238E27FC236}">
+                <a16:creationId xmlns:a16="http://schemas.microsoft.com/office/drawing/2014/main" id="{92FA44C2-4D36-49A2-BBB6-1E0098F8520F}"/>
+              </a:ext>
+            </a:extLst>
+          </p:cNvPr>
+          <p:cNvSpPr txBox="1"/>
+          <p:nvPr/>
+        </p:nvSpPr>
+        <p:spPr>
+          <a:xfrm>
+            <a:off x="1274870" y="806095"/>
+            <a:ext cx="2638146" cy="369332"/>
+          </a:xfrm>
+          <a:prstGeom prst="rect">
+            <a:avLst/>
+          </a:prstGeom>
+          <a:noFill/>
+        </p:spPr>
+        <p:txBody>
+          <a:bodyPr wrap="square" rtlCol="0">
+            <a:spAutoFit/>
+          </a:bodyPr>
+          <a:lstStyle/>
+          <a:p>
+            <a:r>
+              <a:rPr lang="en-US" dirty="0"/>
+              <a:t>Patient’s name</a:t>
+            </a:r>
+            <a:r>
+              <a:rPr lang="en-US" dirty="0">
+                <a:solidFill>
+                  <a:srgbClr val="FF0000"/>
+                </a:solidFill>
+              </a:rPr>
+              <a:t>*</a:t>
+            </a:r>
+            <a:r>
+              <a:rPr lang="en-US" dirty="0"/>
+              <a:t>:</a:t>
+            </a:r>
+            <a:endParaRPr lang="en-CA" dirty="0"/>
+          </a:p>
+        </p:txBody>
+      </p:sp>
+      <p:sp>
+        <p:nvSpPr>
+          <p:cNvPr id="65" name="TextBox 64">
+            <a:extLst>
+              <a:ext uri="{FF2B5EF4-FFF2-40B4-BE49-F238E27FC236}">
+                <a16:creationId xmlns:a16="http://schemas.microsoft.com/office/drawing/2014/main" id="{64BF0836-4E2F-413E-84E2-1B9671E469B2}"/>
+              </a:ext>
+            </a:extLst>
+          </p:cNvPr>
+          <p:cNvSpPr txBox="1"/>
+          <p:nvPr/>
+        </p:nvSpPr>
+        <p:spPr>
+          <a:xfrm>
+            <a:off x="7586249" y="793094"/>
+            <a:ext cx="2025590" cy="369332"/>
+          </a:xfrm>
+          <a:prstGeom prst="rect">
+            <a:avLst/>
+          </a:prstGeom>
+          <a:noFill/>
+        </p:spPr>
+        <p:txBody>
+          <a:bodyPr wrap="square" rtlCol="0">
+            <a:spAutoFit/>
+          </a:bodyPr>
+          <a:lstStyle/>
+          <a:p>
+            <a:r>
+              <a:rPr lang="en-US" dirty="0"/>
+              <a:t>Patient’s email</a:t>
+            </a:r>
+            <a:r>
+              <a:rPr lang="en-US" dirty="0">
+                <a:solidFill>
+                  <a:srgbClr val="FF0000"/>
+                </a:solidFill>
+              </a:rPr>
+              <a:t>*</a:t>
+            </a:r>
+            <a:r>
+              <a:rPr lang="en-US" dirty="0"/>
+              <a:t>:</a:t>
+            </a:r>
+            <a:endParaRPr lang="en-CA" dirty="0"/>
+          </a:p>
+        </p:txBody>
+      </p:sp>
+      <p:sp>
+        <p:nvSpPr>
+          <p:cNvPr id="66" name="TextBox 65">
+            <a:extLst>
+              <a:ext uri="{FF2B5EF4-FFF2-40B4-BE49-F238E27FC236}">
+                <a16:creationId xmlns:a16="http://schemas.microsoft.com/office/drawing/2014/main" id="{80393885-0407-4F2E-B7F1-1C7FBA313261}"/>
+              </a:ext>
+            </a:extLst>
+          </p:cNvPr>
+          <p:cNvSpPr txBox="1"/>
+          <p:nvPr/>
+        </p:nvSpPr>
+        <p:spPr>
+          <a:xfrm>
+            <a:off x="1271169" y="1727708"/>
+            <a:ext cx="2290439" cy="369332"/>
+          </a:xfrm>
+          <a:prstGeom prst="rect">
+            <a:avLst/>
+          </a:prstGeom>
+          <a:noFill/>
+        </p:spPr>
+        <p:txBody>
+          <a:bodyPr wrap="square" rtlCol="0">
+            <a:spAutoFit/>
+          </a:bodyPr>
+          <a:lstStyle/>
+          <a:p>
+            <a:r>
+              <a:rPr lang="en-US" dirty="0"/>
+              <a:t>Your name</a:t>
+            </a:r>
+            <a:r>
+              <a:rPr lang="en-US" dirty="0">
+                <a:solidFill>
+                  <a:srgbClr val="FF0000"/>
+                </a:solidFill>
+              </a:rPr>
+              <a:t>*</a:t>
+            </a:r>
+            <a:r>
+              <a:rPr lang="en-US" dirty="0"/>
+              <a:t>:</a:t>
+            </a:r>
+            <a:endParaRPr lang="en-CA" dirty="0"/>
+          </a:p>
+        </p:txBody>
+      </p:sp>
+      <p:sp>
+        <p:nvSpPr>
+          <p:cNvPr id="67" name="TextBox 66">
+            <a:extLst>
+              <a:ext uri="{FF2B5EF4-FFF2-40B4-BE49-F238E27FC236}">
+                <a16:creationId xmlns:a16="http://schemas.microsoft.com/office/drawing/2014/main" id="{B57852AB-0806-489E-979D-ADBB33FC1672}"/>
+              </a:ext>
+            </a:extLst>
+          </p:cNvPr>
+          <p:cNvSpPr txBox="1"/>
+          <p:nvPr/>
+        </p:nvSpPr>
+        <p:spPr>
+          <a:xfrm>
+            <a:off x="7680941" y="1707475"/>
+            <a:ext cx="1376039" cy="369332"/>
+          </a:xfrm>
+          <a:prstGeom prst="rect">
+            <a:avLst/>
+          </a:prstGeom>
+          <a:noFill/>
+        </p:spPr>
+        <p:txBody>
+          <a:bodyPr wrap="square" rtlCol="0">
+            <a:spAutoFit/>
+          </a:bodyPr>
+          <a:lstStyle/>
+          <a:p>
+            <a:r>
+              <a:rPr lang="en-US" dirty="0"/>
+              <a:t>Your Email</a:t>
+            </a:r>
+            <a:r>
+              <a:rPr lang="en-US" dirty="0">
+                <a:solidFill>
+                  <a:srgbClr val="FF0000"/>
+                </a:solidFill>
+              </a:rPr>
+              <a:t>*</a:t>
+            </a:r>
+            <a:r>
+              <a:rPr lang="en-US" dirty="0"/>
+              <a:t>:</a:t>
+            </a:r>
+            <a:endParaRPr lang="en-CA" dirty="0"/>
+          </a:p>
+        </p:txBody>
+      </p:sp>
+      <p:sp>
+        <p:nvSpPr>
+          <p:cNvPr id="68" name="TextBox 67">
+            <a:extLst>
+              <a:ext uri="{FF2B5EF4-FFF2-40B4-BE49-F238E27FC236}">
+                <a16:creationId xmlns:a16="http://schemas.microsoft.com/office/drawing/2014/main" id="{E43AE61F-BEA8-41DA-AE72-BE0198FCBB91}"/>
+              </a:ext>
+            </a:extLst>
+          </p:cNvPr>
+          <p:cNvSpPr txBox="1"/>
+          <p:nvPr/>
+        </p:nvSpPr>
+        <p:spPr>
+          <a:xfrm>
+            <a:off x="4460104" y="2062112"/>
+            <a:ext cx="2831976" cy="369332"/>
+          </a:xfrm>
+          <a:prstGeom prst="rect">
+            <a:avLst/>
+          </a:prstGeom>
+        </p:spPr>
+        <p:style>
+          <a:lnRef idx="2">
+            <a:schemeClr val="dk1"/>
+          </a:lnRef>
+          <a:fillRef idx="1">
+            <a:schemeClr val="lt1"/>
+          </a:fillRef>
+          <a:effectRef idx="0">
+            <a:schemeClr val="dk1"/>
+          </a:effectRef>
+          <a:fontRef idx="minor">
+            <a:schemeClr val="dk1"/>
+          </a:fontRef>
+        </p:style>
+        <p:txBody>
+          <a:bodyPr wrap="square" rtlCol="0">
+            <a:spAutoFit/>
+          </a:bodyPr>
+          <a:lstStyle/>
+          <a:p>
+            <a:endParaRPr lang="en-CA" dirty="0">
+              <a:solidFill>
+                <a:schemeClr val="bg1">
+                  <a:lumMod val="65000"/>
+                </a:schemeClr>
+              </a:solidFill>
+            </a:endParaRPr>
+          </a:p>
+        </p:txBody>
+      </p:sp>
+      <p:sp>
+        <p:nvSpPr>
+          <p:cNvPr id="73" name="TextBox 72">
+            <a:extLst>
+              <a:ext uri="{FF2B5EF4-FFF2-40B4-BE49-F238E27FC236}">
+                <a16:creationId xmlns:a16="http://schemas.microsoft.com/office/drawing/2014/main" id="{6FEAA253-871D-4643-A18E-6046DD662AE8}"/>
+              </a:ext>
+            </a:extLst>
+          </p:cNvPr>
+          <p:cNvSpPr txBox="1"/>
+          <p:nvPr/>
+        </p:nvSpPr>
+        <p:spPr>
+          <a:xfrm>
+            <a:off x="4434950" y="1622359"/>
+            <a:ext cx="2325950" cy="369332"/>
+          </a:xfrm>
+          <a:prstGeom prst="rect">
+            <a:avLst/>
+          </a:prstGeom>
+          <a:noFill/>
+        </p:spPr>
+        <p:txBody>
+          <a:bodyPr wrap="square" rtlCol="0">
+            <a:spAutoFit/>
+          </a:bodyPr>
+          <a:lstStyle/>
+          <a:p>
+            <a:r>
+              <a:rPr lang="en-US" dirty="0"/>
+              <a:t>Your phone</a:t>
+            </a:r>
+            <a:r>
+              <a:rPr lang="en-US" dirty="0">
+                <a:solidFill>
+                  <a:srgbClr val="FF0000"/>
+                </a:solidFill>
+              </a:rPr>
+              <a:t>*</a:t>
+            </a:r>
+            <a:r>
+              <a:rPr lang="en-US" dirty="0"/>
+              <a:t>:</a:t>
+            </a:r>
+            <a:endParaRPr lang="en-CA" dirty="0"/>
+          </a:p>
+        </p:txBody>
+      </p:sp>
+      <p:sp>
+        <p:nvSpPr>
+          <p:cNvPr id="74" name="TextBox 73">
+            <a:extLst>
+              <a:ext uri="{FF2B5EF4-FFF2-40B4-BE49-F238E27FC236}">
+                <a16:creationId xmlns:a16="http://schemas.microsoft.com/office/drawing/2014/main" id="{372E0B7E-7429-4567-A7E2-8883075AE0AF}"/>
+              </a:ext>
+            </a:extLst>
+          </p:cNvPr>
+          <p:cNvSpPr txBox="1"/>
+          <p:nvPr/>
+        </p:nvSpPr>
+        <p:spPr>
+          <a:xfrm>
+            <a:off x="1358837" y="2080590"/>
+            <a:ext cx="2831976" cy="369332"/>
+          </a:xfrm>
+          <a:prstGeom prst="rect">
+            <a:avLst/>
+          </a:prstGeom>
+        </p:spPr>
+        <p:style>
+          <a:lnRef idx="2">
+            <a:schemeClr val="dk1"/>
+          </a:lnRef>
+          <a:fillRef idx="1">
+            <a:schemeClr val="lt1"/>
+          </a:fillRef>
+          <a:effectRef idx="0">
+            <a:schemeClr val="dk1"/>
+          </a:effectRef>
+          <a:fontRef idx="minor">
+            <a:schemeClr val="dk1"/>
+          </a:fontRef>
+        </p:style>
+        <p:txBody>
+          <a:bodyPr wrap="square" rtlCol="0">
+            <a:spAutoFit/>
+          </a:bodyPr>
+          <a:lstStyle/>
+          <a:p>
+            <a:endParaRPr lang="en-CA" dirty="0">
+              <a:solidFill>
+                <a:schemeClr val="bg1">
+                  <a:lumMod val="65000"/>
+                </a:schemeClr>
+              </a:solidFill>
+            </a:endParaRPr>
+          </a:p>
+        </p:txBody>
+      </p:sp>
+      <p:sp>
+        <p:nvSpPr>
+          <p:cNvPr id="75" name="TextBox 74">
+            <a:extLst>
+              <a:ext uri="{FF2B5EF4-FFF2-40B4-BE49-F238E27FC236}">
+                <a16:creationId xmlns:a16="http://schemas.microsoft.com/office/drawing/2014/main" id="{36BE0DAB-11A9-45E9-BA30-DBD6A067B84F}"/>
+              </a:ext>
+            </a:extLst>
+          </p:cNvPr>
+          <p:cNvSpPr txBox="1"/>
+          <p:nvPr/>
+        </p:nvSpPr>
+        <p:spPr>
+          <a:xfrm>
+            <a:off x="4494130" y="1228107"/>
+            <a:ext cx="2831976" cy="369332"/>
+          </a:xfrm>
+          <a:prstGeom prst="rect">
+            <a:avLst/>
+          </a:prstGeom>
+        </p:spPr>
+        <p:style>
+          <a:lnRef idx="2">
+            <a:schemeClr val="dk1"/>
+          </a:lnRef>
+          <a:fillRef idx="1">
+            <a:schemeClr val="lt1"/>
+          </a:fillRef>
+          <a:effectRef idx="0">
+            <a:schemeClr val="dk1"/>
+          </a:effectRef>
+          <a:fontRef idx="minor">
+            <a:schemeClr val="dk1"/>
+          </a:fontRef>
+        </p:style>
+        <p:txBody>
+          <a:bodyPr wrap="square" rtlCol="0">
+            <a:spAutoFit/>
+          </a:bodyPr>
+          <a:lstStyle/>
+          <a:p>
+            <a:endParaRPr lang="en-CA" dirty="0">
+              <a:solidFill>
+                <a:schemeClr val="bg1">
+                  <a:lumMod val="65000"/>
+                </a:schemeClr>
+              </a:solidFill>
+            </a:endParaRPr>
           </a:p>
         </p:txBody>
       </p:sp>
@@ -8607,10 +6871,10 @@
       </p:grpSpPr>
       <p:sp>
         <p:nvSpPr>
-          <p:cNvPr id="4" name="TextBox 3">
-            <a:extLst>
-              <a:ext uri="{FF2B5EF4-FFF2-40B4-BE49-F238E27FC236}">
-                <a16:creationId xmlns:a16="http://schemas.microsoft.com/office/drawing/2014/main" id="{4435FE8C-4077-4367-B81B-C2A6C5E332F3}"/>
+          <p:cNvPr id="12" name="TextBox 11">
+            <a:extLst>
+              <a:ext uri="{FF2B5EF4-FFF2-40B4-BE49-F238E27FC236}">
+                <a16:creationId xmlns:a16="http://schemas.microsoft.com/office/drawing/2014/main" id="{2F976422-3FAB-44E6-AD9A-1C2A9AEAFBC9}"/>
               </a:ext>
             </a:extLst>
           </p:cNvPr>
@@ -8619,7 +6883,7 @@
         </p:nvSpPr>
         <p:spPr>
           <a:xfrm>
-            <a:off x="1305017" y="567257"/>
+            <a:off x="1305017" y="536018"/>
             <a:ext cx="9747682" cy="6217920"/>
           </a:xfrm>
           <a:prstGeom prst="rect">
@@ -8652,10 +6916,10 @@
       </p:sp>
       <p:sp>
         <p:nvSpPr>
-          <p:cNvPr id="5" name="TextBox 4">
-            <a:extLst>
-              <a:ext uri="{FF2B5EF4-FFF2-40B4-BE49-F238E27FC236}">
-                <a16:creationId xmlns:a16="http://schemas.microsoft.com/office/drawing/2014/main" id="{22D62EEF-B72A-49BF-8809-A691C4DFE3CC}"/>
+          <p:cNvPr id="13" name="TextBox 12">
+            <a:extLst>
+              <a:ext uri="{FF2B5EF4-FFF2-40B4-BE49-F238E27FC236}">
+                <a16:creationId xmlns:a16="http://schemas.microsoft.com/office/drawing/2014/main" id="{144838C3-F27C-415D-82E2-A566C4636897}"/>
               </a:ext>
             </a:extLst>
           </p:cNvPr>
@@ -8697,10 +6961,10 @@
       </p:sp>
       <p:sp>
         <p:nvSpPr>
-          <p:cNvPr id="6" name="TextBox 5">
-            <a:extLst>
-              <a:ext uri="{FF2B5EF4-FFF2-40B4-BE49-F238E27FC236}">
-                <a16:creationId xmlns:a16="http://schemas.microsoft.com/office/drawing/2014/main" id="{70CBE479-292D-4623-8B7D-724D9FB85D8E}"/>
+          <p:cNvPr id="14" name="TextBox 13">
+            <a:extLst>
+              <a:ext uri="{FF2B5EF4-FFF2-40B4-BE49-F238E27FC236}">
+                <a16:creationId xmlns:a16="http://schemas.microsoft.com/office/drawing/2014/main" id="{7E4693EE-956E-4B18-969C-ED601227C4E4}"/>
               </a:ext>
             </a:extLst>
           </p:cNvPr>
@@ -8742,20 +7006,20 @@
       </p:sp>
       <p:sp>
         <p:nvSpPr>
-          <p:cNvPr id="7" name="Rectangle 6">
-            <a:extLst>
-              <a:ext uri="{FF2B5EF4-FFF2-40B4-BE49-F238E27FC236}">
-                <a16:creationId xmlns:a16="http://schemas.microsoft.com/office/drawing/2014/main" id="{B5A1182E-17F0-4E2A-AB71-C50066E3CA98}"/>
-              </a:ext>
-            </a:extLst>
-          </p:cNvPr>
-          <p:cNvSpPr/>
-          <p:nvPr/>
-        </p:nvSpPr>
-        <p:spPr>
-          <a:xfrm>
-            <a:off x="1624614" y="949911"/>
-            <a:ext cx="1455937" cy="701336"/>
+          <p:cNvPr id="15" name="TextBox 14">
+            <a:extLst>
+              <a:ext uri="{FF2B5EF4-FFF2-40B4-BE49-F238E27FC236}">
+                <a16:creationId xmlns:a16="http://schemas.microsoft.com/office/drawing/2014/main" id="{52166B88-26A0-43EA-AE69-AB7AC1910F6D}"/>
+              </a:ext>
+            </a:extLst>
+          </p:cNvPr>
+          <p:cNvSpPr txBox="1"/>
+          <p:nvPr/>
+        </p:nvSpPr>
+        <p:spPr>
+          <a:xfrm>
+            <a:off x="62144" y="1115913"/>
+            <a:ext cx="861134" cy="369332"/>
           </a:xfrm>
           <a:prstGeom prst="rect">
             <a:avLst/>
@@ -8776,6 +7040,106 @@
           </a:fontRef>
         </p:style>
         <p:txBody>
+          <a:bodyPr wrap="square" rtlCol="0">
+            <a:spAutoFit/>
+          </a:bodyPr>
+          <a:lstStyle/>
+          <a:p>
+            <a:pPr algn="ctr"/>
+            <a:r>
+              <a:rPr lang="en-US" dirty="0"/>
+              <a:t>Logo</a:t>
+            </a:r>
+            <a:endParaRPr lang="en-CA" dirty="0"/>
+          </a:p>
+        </p:txBody>
+      </p:sp>
+      <p:sp>
+        <p:nvSpPr>
+          <p:cNvPr id="16" name="TextBox 15">
+            <a:extLst>
+              <a:ext uri="{FF2B5EF4-FFF2-40B4-BE49-F238E27FC236}">
+                <a16:creationId xmlns:a16="http://schemas.microsoft.com/office/drawing/2014/main" id="{3C7BC2FF-BD46-456D-9227-1BCB4CCC8377}"/>
+              </a:ext>
+            </a:extLst>
+          </p:cNvPr>
+          <p:cNvSpPr txBox="1"/>
+          <p:nvPr/>
+        </p:nvSpPr>
+        <p:spPr>
+          <a:xfrm>
+            <a:off x="0" y="6254319"/>
+            <a:ext cx="861134" cy="369332"/>
+          </a:xfrm>
+          <a:prstGeom prst="rect">
+            <a:avLst/>
+          </a:prstGeom>
+        </p:spPr>
+        <p:style>
+          <a:lnRef idx="2">
+            <a:schemeClr val="dk1"/>
+          </a:lnRef>
+          <a:fillRef idx="1">
+            <a:schemeClr val="lt1"/>
+          </a:fillRef>
+          <a:effectRef idx="0">
+            <a:schemeClr val="dk1"/>
+          </a:effectRef>
+          <a:fontRef idx="minor">
+            <a:schemeClr val="dk1"/>
+          </a:fontRef>
+        </p:style>
+        <p:txBody>
+          <a:bodyPr wrap="square" rtlCol="0">
+            <a:spAutoFit/>
+          </a:bodyPr>
+          <a:lstStyle/>
+          <a:p>
+            <a:pPr algn="ctr"/>
+            <a:r>
+              <a:rPr lang="en-US" dirty="0"/>
+              <a:t>Footer</a:t>
+            </a:r>
+            <a:endParaRPr lang="en-CA" dirty="0"/>
+          </a:p>
+        </p:txBody>
+      </p:sp>
+      <p:sp>
+        <p:nvSpPr>
+          <p:cNvPr id="17" name="Rectangle 16">
+            <a:extLst>
+              <a:ext uri="{FF2B5EF4-FFF2-40B4-BE49-F238E27FC236}">
+                <a16:creationId xmlns:a16="http://schemas.microsoft.com/office/drawing/2014/main" id="{F39EF0E3-290C-4B68-9612-4618CC0E72EE}"/>
+              </a:ext>
+            </a:extLst>
+          </p:cNvPr>
+          <p:cNvSpPr/>
+          <p:nvPr/>
+        </p:nvSpPr>
+        <p:spPr>
+          <a:xfrm>
+            <a:off x="4116280" y="1376915"/>
+            <a:ext cx="6936419" cy="491657"/>
+          </a:xfrm>
+          <a:prstGeom prst="rect">
+            <a:avLst/>
+          </a:prstGeom>
+        </p:spPr>
+        <p:style>
+          <a:lnRef idx="2">
+            <a:schemeClr val="dk1"/>
+          </a:lnRef>
+          <a:fillRef idx="1">
+            <a:schemeClr val="lt1"/>
+          </a:fillRef>
+          <a:effectRef idx="0">
+            <a:schemeClr val="dk1"/>
+          </a:effectRef>
+          <a:fontRef idx="minor">
+            <a:schemeClr val="dk1"/>
+          </a:fontRef>
+        </p:style>
+        <p:txBody>
           <a:bodyPr rtlCol="0" anchor="ctr"/>
           <a:lstStyle/>
           <a:p>
@@ -8784,12 +7148,112 @@
           </a:p>
         </p:txBody>
       </p:sp>
+      <p:sp>
+        <p:nvSpPr>
+          <p:cNvPr id="18" name="TextBox 17">
+            <a:extLst>
+              <a:ext uri="{FF2B5EF4-FFF2-40B4-BE49-F238E27FC236}">
+                <a16:creationId xmlns:a16="http://schemas.microsoft.com/office/drawing/2014/main" id="{5A171FCF-EE5D-4742-92FA-8A3E629E0D77}"/>
+              </a:ext>
+            </a:extLst>
+          </p:cNvPr>
+          <p:cNvSpPr txBox="1"/>
+          <p:nvPr/>
+        </p:nvSpPr>
+        <p:spPr>
+          <a:xfrm>
+            <a:off x="11372296" y="1607570"/>
+            <a:ext cx="1819922" cy="369332"/>
+          </a:xfrm>
+          <a:prstGeom prst="rect">
+            <a:avLst/>
+          </a:prstGeom>
+        </p:spPr>
+        <p:style>
+          <a:lnRef idx="2">
+            <a:schemeClr val="dk1"/>
+          </a:lnRef>
+          <a:fillRef idx="1">
+            <a:schemeClr val="lt1"/>
+          </a:fillRef>
+          <a:effectRef idx="0">
+            <a:schemeClr val="dk1"/>
+          </a:effectRef>
+          <a:fontRef idx="minor">
+            <a:schemeClr val="dk1"/>
+          </a:fontRef>
+        </p:style>
+        <p:txBody>
+          <a:bodyPr wrap="square" rtlCol="0">
+            <a:spAutoFit/>
+          </a:bodyPr>
+          <a:lstStyle/>
+          <a:p>
+            <a:pPr algn="ctr"/>
+            <a:r>
+              <a:rPr lang="en-US" dirty="0"/>
+              <a:t>Navigation</a:t>
+            </a:r>
+            <a:endParaRPr lang="en-CA" dirty="0"/>
+          </a:p>
+        </p:txBody>
+      </p:sp>
+      <p:sp>
+        <p:nvSpPr>
+          <p:cNvPr id="19" name="TextBox 18">
+            <a:extLst>
+              <a:ext uri="{FF2B5EF4-FFF2-40B4-BE49-F238E27FC236}">
+                <a16:creationId xmlns:a16="http://schemas.microsoft.com/office/drawing/2014/main" id="{6CC20745-403E-4B69-BFF3-C73A40D58505}"/>
+              </a:ext>
+            </a:extLst>
+          </p:cNvPr>
+          <p:cNvSpPr txBox="1"/>
+          <p:nvPr/>
+        </p:nvSpPr>
+        <p:spPr>
+          <a:xfrm>
+            <a:off x="4116280" y="92477"/>
+            <a:ext cx="1384916" cy="369332"/>
+          </a:xfrm>
+          <a:prstGeom prst="rect">
+            <a:avLst/>
+          </a:prstGeom>
+        </p:spPr>
+        <p:style>
+          <a:lnRef idx="2">
+            <a:schemeClr val="dk1"/>
+          </a:lnRef>
+          <a:fillRef idx="1">
+            <a:schemeClr val="lt1"/>
+          </a:fillRef>
+          <a:effectRef idx="0">
+            <a:schemeClr val="dk1"/>
+          </a:effectRef>
+          <a:fontRef idx="minor">
+            <a:schemeClr val="dk1"/>
+          </a:fontRef>
+        </p:style>
+        <p:txBody>
+          <a:bodyPr wrap="square" rtlCol="0">
+            <a:spAutoFit/>
+          </a:bodyPr>
+          <a:lstStyle/>
+          <a:p>
+            <a:pPr algn="ctr"/>
+            <a:r>
+              <a:rPr lang="en-US" dirty="0"/>
+              <a:t>Header</a:t>
+            </a:r>
+            <a:endParaRPr lang="en-CA" dirty="0"/>
+          </a:p>
+        </p:txBody>
+      </p:sp>
       <p:cxnSp>
         <p:nvCxnSpPr>
-          <p:cNvPr id="8" name="Straight Arrow Connector 7">
-            <a:extLst>
-              <a:ext uri="{FF2B5EF4-FFF2-40B4-BE49-F238E27FC236}">
-                <a16:creationId xmlns:a16="http://schemas.microsoft.com/office/drawing/2014/main" id="{F7B44F35-CE01-44FB-82A6-77E2828408B8}"/>
+          <p:cNvPr id="20" name="Straight Arrow Connector 19">
+            <a:extLst>
+              <a:ext uri="{FF2B5EF4-FFF2-40B4-BE49-F238E27FC236}">
+                <a16:creationId xmlns:a16="http://schemas.microsoft.com/office/drawing/2014/main" id="{AD41A316-D339-4199-AE85-50D5F4C6812D}"/>
               </a:ext>
             </a:extLst>
           </p:cNvPr>
@@ -8823,62 +7287,12 @@
           </a:fontRef>
         </p:style>
       </p:cxnSp>
-      <p:sp>
-        <p:nvSpPr>
-          <p:cNvPr id="9" name="TextBox 8">
-            <a:extLst>
-              <a:ext uri="{FF2B5EF4-FFF2-40B4-BE49-F238E27FC236}">
-                <a16:creationId xmlns:a16="http://schemas.microsoft.com/office/drawing/2014/main" id="{79E02BD5-383E-4BD5-951F-041FD1075E60}"/>
-              </a:ext>
-            </a:extLst>
-          </p:cNvPr>
-          <p:cNvSpPr txBox="1"/>
-          <p:nvPr/>
-        </p:nvSpPr>
-        <p:spPr>
-          <a:xfrm>
-            <a:off x="62144" y="1115913"/>
-            <a:ext cx="861134" cy="369332"/>
-          </a:xfrm>
-          <a:prstGeom prst="rect">
-            <a:avLst/>
-          </a:prstGeom>
-        </p:spPr>
-        <p:style>
-          <a:lnRef idx="2">
-            <a:schemeClr val="dk1"/>
-          </a:lnRef>
-          <a:fillRef idx="1">
-            <a:schemeClr val="lt1"/>
-          </a:fillRef>
-          <a:effectRef idx="0">
-            <a:schemeClr val="dk1"/>
-          </a:effectRef>
-          <a:fontRef idx="minor">
-            <a:schemeClr val="dk1"/>
-          </a:fontRef>
-        </p:style>
-        <p:txBody>
-          <a:bodyPr wrap="square" rtlCol="0">
-            <a:spAutoFit/>
-          </a:bodyPr>
-          <a:lstStyle/>
-          <a:p>
-            <a:pPr algn="ctr"/>
-            <a:r>
-              <a:rPr lang="en-US" dirty="0"/>
-              <a:t>Logo</a:t>
-            </a:r>
-            <a:endParaRPr lang="en-CA" dirty="0"/>
-          </a:p>
-        </p:txBody>
-      </p:sp>
       <p:cxnSp>
         <p:nvCxnSpPr>
-          <p:cNvPr id="10" name="Straight Arrow Connector 9">
-            <a:extLst>
-              <a:ext uri="{FF2B5EF4-FFF2-40B4-BE49-F238E27FC236}">
-                <a16:creationId xmlns:a16="http://schemas.microsoft.com/office/drawing/2014/main" id="{3E5476B0-7132-4941-9658-3B08F564B413}"/>
+          <p:cNvPr id="21" name="Straight Arrow Connector 20">
+            <a:extLst>
+              <a:ext uri="{FF2B5EF4-FFF2-40B4-BE49-F238E27FC236}">
+                <a16:creationId xmlns:a16="http://schemas.microsoft.com/office/drawing/2014/main" id="{7B6B184E-F9AA-4BF3-B860-C66438E63688}"/>
               </a:ext>
             </a:extLst>
           </p:cNvPr>
@@ -8912,112 +7326,16 @@
           </a:fontRef>
         </p:style>
       </p:cxnSp>
-      <p:sp>
-        <p:nvSpPr>
-          <p:cNvPr id="11" name="TextBox 10">
-            <a:extLst>
-              <a:ext uri="{FF2B5EF4-FFF2-40B4-BE49-F238E27FC236}">
-                <a16:creationId xmlns:a16="http://schemas.microsoft.com/office/drawing/2014/main" id="{F40DCEC3-2C65-4ADE-B9FA-D3E637CA9199}"/>
-              </a:ext>
-            </a:extLst>
-          </p:cNvPr>
-          <p:cNvSpPr txBox="1"/>
-          <p:nvPr/>
-        </p:nvSpPr>
-        <p:spPr>
-          <a:xfrm>
-            <a:off x="0" y="6254319"/>
-            <a:ext cx="861134" cy="369332"/>
-          </a:xfrm>
-          <a:prstGeom prst="rect">
-            <a:avLst/>
-          </a:prstGeom>
-        </p:spPr>
-        <p:style>
-          <a:lnRef idx="2">
-            <a:schemeClr val="dk1"/>
-          </a:lnRef>
-          <a:fillRef idx="1">
-            <a:schemeClr val="lt1"/>
-          </a:fillRef>
-          <a:effectRef idx="0">
-            <a:schemeClr val="dk1"/>
-          </a:effectRef>
-          <a:fontRef idx="minor">
-            <a:schemeClr val="dk1"/>
-          </a:fontRef>
-        </p:style>
-        <p:txBody>
-          <a:bodyPr wrap="square" rtlCol="0">
-            <a:spAutoFit/>
-          </a:bodyPr>
-          <a:lstStyle/>
-          <a:p>
-            <a:pPr algn="ctr"/>
-            <a:r>
-              <a:rPr lang="en-US" dirty="0"/>
-              <a:t>Footer</a:t>
-            </a:r>
-            <a:endParaRPr lang="en-CA" dirty="0"/>
-          </a:p>
-        </p:txBody>
-      </p:sp>
-      <p:sp>
-        <p:nvSpPr>
-          <p:cNvPr id="12" name="Rectangle 11">
-            <a:extLst>
-              <a:ext uri="{FF2B5EF4-FFF2-40B4-BE49-F238E27FC236}">
-                <a16:creationId xmlns:a16="http://schemas.microsoft.com/office/drawing/2014/main" id="{0EA0B4B2-6CDA-4C7B-8F86-2586C6F80C59}"/>
-              </a:ext>
-            </a:extLst>
-          </p:cNvPr>
-          <p:cNvSpPr/>
-          <p:nvPr/>
-        </p:nvSpPr>
-        <p:spPr>
-          <a:xfrm>
-            <a:off x="4116280" y="1376915"/>
-            <a:ext cx="6936419" cy="491657"/>
-          </a:xfrm>
-          <a:prstGeom prst="rect">
-            <a:avLst/>
-          </a:prstGeom>
-        </p:spPr>
-        <p:style>
-          <a:lnRef idx="2">
-            <a:schemeClr val="dk1"/>
-          </a:lnRef>
-          <a:fillRef idx="1">
-            <a:schemeClr val="lt1"/>
-          </a:fillRef>
-          <a:effectRef idx="0">
-            <a:schemeClr val="dk1"/>
-          </a:effectRef>
-          <a:fontRef idx="minor">
-            <a:schemeClr val="dk1"/>
-          </a:fontRef>
-        </p:style>
-        <p:txBody>
-          <a:bodyPr rtlCol="0" anchor="ctr"/>
-          <a:lstStyle/>
-          <a:p>
-            <a:pPr algn="ctr"/>
-            <a:endParaRPr lang="en-CA"/>
-          </a:p>
-        </p:txBody>
-      </p:sp>
       <p:cxnSp>
         <p:nvCxnSpPr>
-          <p:cNvPr id="13" name="Straight Arrow Connector 12">
-            <a:extLst>
-              <a:ext uri="{FF2B5EF4-FFF2-40B4-BE49-F238E27FC236}">
-                <a16:creationId xmlns:a16="http://schemas.microsoft.com/office/drawing/2014/main" id="{4B3F788A-7917-4023-9871-8290C605BD8F}"/>
-              </a:ext>
-            </a:extLst>
-          </p:cNvPr>
-          <p:cNvCxnSpPr>
-            <a:stCxn id="14" idx="1"/>
-          </p:cNvCxnSpPr>
+          <p:cNvPr id="22" name="Straight Arrow Connector 21">
+            <a:extLst>
+              <a:ext uri="{FF2B5EF4-FFF2-40B4-BE49-F238E27FC236}">
+                <a16:creationId xmlns:a16="http://schemas.microsoft.com/office/drawing/2014/main" id="{CC6C8F75-DDEE-41BE-A79D-3D8743D3EFE4}"/>
+              </a:ext>
+            </a:extLst>
+          </p:cNvPr>
+          <p:cNvCxnSpPr/>
           <p:nvPr/>
         </p:nvCxnSpPr>
         <p:spPr>
@@ -9047,62 +7365,12 @@
           </a:fontRef>
         </p:style>
       </p:cxnSp>
-      <p:sp>
-        <p:nvSpPr>
-          <p:cNvPr id="14" name="TextBox 13">
-            <a:extLst>
-              <a:ext uri="{FF2B5EF4-FFF2-40B4-BE49-F238E27FC236}">
-                <a16:creationId xmlns:a16="http://schemas.microsoft.com/office/drawing/2014/main" id="{A6981D14-7CFE-4C49-BBAF-849A3B2DB4B0}"/>
-              </a:ext>
-            </a:extLst>
-          </p:cNvPr>
-          <p:cNvSpPr txBox="1"/>
-          <p:nvPr/>
-        </p:nvSpPr>
-        <p:spPr>
-          <a:xfrm>
-            <a:off x="11372296" y="1607570"/>
-            <a:ext cx="1819922" cy="369332"/>
-          </a:xfrm>
-          <a:prstGeom prst="rect">
-            <a:avLst/>
-          </a:prstGeom>
-        </p:spPr>
-        <p:style>
-          <a:lnRef idx="2">
-            <a:schemeClr val="dk1"/>
-          </a:lnRef>
-          <a:fillRef idx="1">
-            <a:schemeClr val="lt1"/>
-          </a:fillRef>
-          <a:effectRef idx="0">
-            <a:schemeClr val="dk1"/>
-          </a:effectRef>
-          <a:fontRef idx="minor">
-            <a:schemeClr val="dk1"/>
-          </a:fontRef>
-        </p:style>
-        <p:txBody>
-          <a:bodyPr wrap="square" rtlCol="0">
-            <a:spAutoFit/>
-          </a:bodyPr>
-          <a:lstStyle/>
-          <a:p>
-            <a:pPr algn="ctr"/>
-            <a:r>
-              <a:rPr lang="en-US" dirty="0"/>
-              <a:t>Navigation</a:t>
-            </a:r>
-            <a:endParaRPr lang="en-CA" dirty="0"/>
-          </a:p>
-        </p:txBody>
-      </p:sp>
       <p:cxnSp>
         <p:nvCxnSpPr>
-          <p:cNvPr id="15" name="Straight Arrow Connector 14">
-            <a:extLst>
-              <a:ext uri="{FF2B5EF4-FFF2-40B4-BE49-F238E27FC236}">
-                <a16:creationId xmlns:a16="http://schemas.microsoft.com/office/drawing/2014/main" id="{00789B41-1D26-4EF9-83C8-F8A10FB19EDF}"/>
+          <p:cNvPr id="23" name="Straight Arrow Connector 22">
+            <a:extLst>
+              <a:ext uri="{FF2B5EF4-FFF2-40B4-BE49-F238E27FC236}">
+                <a16:creationId xmlns:a16="http://schemas.microsoft.com/office/drawing/2014/main" id="{B3587834-A958-43A4-83D2-FAB1CC020A9C}"/>
               </a:ext>
             </a:extLst>
           </p:cNvPr>
@@ -9138,20 +7406,20 @@
       </p:cxnSp>
       <p:sp>
         <p:nvSpPr>
-          <p:cNvPr id="16" name="TextBox 15">
-            <a:extLst>
-              <a:ext uri="{FF2B5EF4-FFF2-40B4-BE49-F238E27FC236}">
-                <a16:creationId xmlns:a16="http://schemas.microsoft.com/office/drawing/2014/main" id="{25E29E69-B812-4FCB-9D6E-C9FCE972723C}"/>
-              </a:ext>
-            </a:extLst>
-          </p:cNvPr>
-          <p:cNvSpPr txBox="1"/>
-          <p:nvPr/>
-        </p:nvSpPr>
-        <p:spPr>
-          <a:xfrm>
-            <a:off x="4116280" y="92477"/>
-            <a:ext cx="1384916" cy="369332"/>
+          <p:cNvPr id="24" name="Rectangle 23">
+            <a:extLst>
+              <a:ext uri="{FF2B5EF4-FFF2-40B4-BE49-F238E27FC236}">
+                <a16:creationId xmlns:a16="http://schemas.microsoft.com/office/drawing/2014/main" id="{68F16743-D770-47B3-A1A8-81E1A1BBA18D}"/>
+              </a:ext>
+            </a:extLst>
+          </p:cNvPr>
+          <p:cNvSpPr/>
+          <p:nvPr/>
+        </p:nvSpPr>
+        <p:spPr>
+          <a:xfrm>
+            <a:off x="3794289" y="2538854"/>
+            <a:ext cx="1189738" cy="1083235"/>
           </a:xfrm>
           <a:prstGeom prst="rect">
             <a:avLst/>
@@ -9172,36 +7440,30 @@
           </a:fontRef>
         </p:style>
         <p:txBody>
-          <a:bodyPr wrap="square" rtlCol="0">
-            <a:spAutoFit/>
-          </a:bodyPr>
+          <a:bodyPr rtlCol="0" anchor="ctr"/>
           <a:lstStyle/>
           <a:p>
             <a:pPr algn="ctr"/>
-            <a:r>
-              <a:rPr lang="en-US" dirty="0"/>
-              <a:t>Header</a:t>
-            </a:r>
-            <a:endParaRPr lang="en-CA" dirty="0"/>
-          </a:p>
-        </p:txBody>
-      </p:sp>
-      <p:sp>
-        <p:nvSpPr>
-          <p:cNvPr id="17" name="TextBox 16">
-            <a:extLst>
-              <a:ext uri="{FF2B5EF4-FFF2-40B4-BE49-F238E27FC236}">
-                <a16:creationId xmlns:a16="http://schemas.microsoft.com/office/drawing/2014/main" id="{2355BE14-945F-495B-BF54-C941BDE0D258}"/>
-              </a:ext>
-            </a:extLst>
-          </p:cNvPr>
-          <p:cNvSpPr txBox="1"/>
-          <p:nvPr/>
-        </p:nvSpPr>
-        <p:spPr>
-          <a:xfrm>
-            <a:off x="1441518" y="3828633"/>
-            <a:ext cx="2831976" cy="369332"/>
+            <a:endParaRPr lang="en-CA"/>
+          </a:p>
+        </p:txBody>
+      </p:sp>
+      <p:sp>
+        <p:nvSpPr>
+          <p:cNvPr id="25" name="Rectangle 24">
+            <a:extLst>
+              <a:ext uri="{FF2B5EF4-FFF2-40B4-BE49-F238E27FC236}">
+                <a16:creationId xmlns:a16="http://schemas.microsoft.com/office/drawing/2014/main" id="{1CDF292F-A6ED-4CE9-AEA0-A42DEA2F6E05}"/>
+              </a:ext>
+            </a:extLst>
+          </p:cNvPr>
+          <p:cNvSpPr/>
+          <p:nvPr/>
+        </p:nvSpPr>
+        <p:spPr>
+          <a:xfrm>
+            <a:off x="4984027" y="2538854"/>
+            <a:ext cx="1189738" cy="1083235"/>
           </a:xfrm>
           <a:prstGeom prst="rect">
             <a:avLst/>
@@ -9222,37 +7484,30 @@
           </a:fontRef>
         </p:style>
         <p:txBody>
-          <a:bodyPr wrap="square" rtlCol="0">
-            <a:spAutoFit/>
-          </a:bodyPr>
-          <a:lstStyle/>
-          <a:p>
-            <a:endParaRPr lang="en-CA" dirty="0">
-              <a:solidFill>
-                <a:schemeClr val="bg1">
-                  <a:lumMod val="65000"/>
-                </a:schemeClr>
-              </a:solidFill>
-            </a:endParaRPr>
-          </a:p>
-        </p:txBody>
-      </p:sp>
-      <p:sp>
-        <p:nvSpPr>
-          <p:cNvPr id="18" name="TextBox 17">
-            <a:extLst>
-              <a:ext uri="{FF2B5EF4-FFF2-40B4-BE49-F238E27FC236}">
-                <a16:creationId xmlns:a16="http://schemas.microsoft.com/office/drawing/2014/main" id="{86BB83DA-BA66-496D-9927-BE01B35E8CA6}"/>
-              </a:ext>
-            </a:extLst>
-          </p:cNvPr>
-          <p:cNvSpPr txBox="1"/>
-          <p:nvPr/>
-        </p:nvSpPr>
-        <p:spPr>
-          <a:xfrm>
-            <a:off x="7699901" y="3828633"/>
-            <a:ext cx="3187081" cy="369332"/>
+          <a:bodyPr rtlCol="0" anchor="ctr"/>
+          <a:lstStyle/>
+          <a:p>
+            <a:pPr algn="ctr"/>
+            <a:endParaRPr lang="en-CA"/>
+          </a:p>
+        </p:txBody>
+      </p:sp>
+      <p:sp>
+        <p:nvSpPr>
+          <p:cNvPr id="26" name="Rectangle 25">
+            <a:extLst>
+              <a:ext uri="{FF2B5EF4-FFF2-40B4-BE49-F238E27FC236}">
+                <a16:creationId xmlns:a16="http://schemas.microsoft.com/office/drawing/2014/main" id="{B1D185CA-A989-4B1A-8F8F-7AFA3B023CDB}"/>
+              </a:ext>
+            </a:extLst>
+          </p:cNvPr>
+          <p:cNvSpPr/>
+          <p:nvPr/>
+        </p:nvSpPr>
+        <p:spPr>
+          <a:xfrm>
+            <a:off x="6354345" y="2548862"/>
+            <a:ext cx="1189738" cy="1083235"/>
           </a:xfrm>
           <a:prstGeom prst="rect">
             <a:avLst/>
@@ -9273,37 +7528,30 @@
           </a:fontRef>
         </p:style>
         <p:txBody>
-          <a:bodyPr wrap="square" rtlCol="0">
-            <a:spAutoFit/>
-          </a:bodyPr>
-          <a:lstStyle/>
-          <a:p>
-            <a:endParaRPr lang="en-CA" dirty="0">
-              <a:solidFill>
-                <a:schemeClr val="bg1">
-                  <a:lumMod val="65000"/>
-                </a:schemeClr>
-              </a:solidFill>
-            </a:endParaRPr>
-          </a:p>
-        </p:txBody>
-      </p:sp>
-      <p:sp>
-        <p:nvSpPr>
-          <p:cNvPr id="19" name="TextBox 18">
-            <a:extLst>
-              <a:ext uri="{FF2B5EF4-FFF2-40B4-BE49-F238E27FC236}">
-                <a16:creationId xmlns:a16="http://schemas.microsoft.com/office/drawing/2014/main" id="{AD6581E6-8FC3-40B0-B793-75821BAE78FE}"/>
-              </a:ext>
-            </a:extLst>
-          </p:cNvPr>
-          <p:cNvSpPr txBox="1"/>
-          <p:nvPr/>
-        </p:nvSpPr>
-        <p:spPr>
-          <a:xfrm>
-            <a:off x="1462970" y="4679840"/>
-            <a:ext cx="2831976" cy="369332"/>
+          <a:bodyPr rtlCol="0" anchor="ctr"/>
+          <a:lstStyle/>
+          <a:p>
+            <a:pPr algn="ctr"/>
+            <a:endParaRPr lang="en-CA"/>
+          </a:p>
+        </p:txBody>
+      </p:sp>
+      <p:sp>
+        <p:nvSpPr>
+          <p:cNvPr id="27" name="Rectangle 26">
+            <a:extLst>
+              <a:ext uri="{FF2B5EF4-FFF2-40B4-BE49-F238E27FC236}">
+                <a16:creationId xmlns:a16="http://schemas.microsoft.com/office/drawing/2014/main" id="{41832250-83C4-4C0F-AB80-14F524D5A565}"/>
+              </a:ext>
+            </a:extLst>
+          </p:cNvPr>
+          <p:cNvSpPr/>
+          <p:nvPr/>
+        </p:nvSpPr>
+        <p:spPr>
+          <a:xfrm>
+            <a:off x="7544018" y="2548862"/>
+            <a:ext cx="1189738" cy="1083235"/>
           </a:xfrm>
           <a:prstGeom prst="rect">
             <a:avLst/>
@@ -9324,27 +7572,57 @@
           </a:fontRef>
         </p:style>
         <p:txBody>
+          <a:bodyPr rtlCol="0" anchor="ctr"/>
+          <a:lstStyle/>
+          <a:p>
+            <a:pPr algn="ctr"/>
+            <a:endParaRPr lang="en-CA"/>
+          </a:p>
+        </p:txBody>
+      </p:sp>
+      <p:sp>
+        <p:nvSpPr>
+          <p:cNvPr id="28" name="TextBox 27">
+            <a:extLst>
+              <a:ext uri="{FF2B5EF4-FFF2-40B4-BE49-F238E27FC236}">
+                <a16:creationId xmlns:a16="http://schemas.microsoft.com/office/drawing/2014/main" id="{D1C2EFC3-5C46-43D0-836C-F35C4AF35867}"/>
+              </a:ext>
+            </a:extLst>
+          </p:cNvPr>
+          <p:cNvSpPr txBox="1"/>
+          <p:nvPr/>
+        </p:nvSpPr>
+        <p:spPr>
+          <a:xfrm>
+            <a:off x="4472213" y="2024541"/>
+            <a:ext cx="3746377" cy="369332"/>
+          </a:xfrm>
+          <a:prstGeom prst="rect">
+            <a:avLst/>
+          </a:prstGeom>
+          <a:noFill/>
+        </p:spPr>
+        <p:txBody>
           <a:bodyPr wrap="square" rtlCol="0">
             <a:spAutoFit/>
           </a:bodyPr>
           <a:lstStyle/>
           <a:p>
-            <a:endParaRPr lang="en-CA" dirty="0">
-              <a:solidFill>
-                <a:schemeClr val="bg1">
-                  <a:lumMod val="65000"/>
-                </a:schemeClr>
-              </a:solidFill>
-            </a:endParaRPr>
-          </a:p>
-        </p:txBody>
-      </p:sp>
-      <p:sp>
-        <p:nvSpPr>
-          <p:cNvPr id="20" name="TextBox 19">
-            <a:extLst>
-              <a:ext uri="{FF2B5EF4-FFF2-40B4-BE49-F238E27FC236}">
-                <a16:creationId xmlns:a16="http://schemas.microsoft.com/office/drawing/2014/main" id="{C10A807A-9FAE-424A-9F0A-88AE14818260}"/>
+            <a:pPr algn="ctr"/>
+            <a:r>
+              <a:rPr lang="en-US" dirty="0"/>
+              <a:t>Please review your card:</a:t>
+            </a:r>
+            <a:endParaRPr lang="en-CA" dirty="0"/>
+          </a:p>
+        </p:txBody>
+      </p:sp>
+      <p:sp>
+        <p:nvSpPr>
+          <p:cNvPr id="29" name="TextBox 28">
+            <a:extLst>
+              <a:ext uri="{FF2B5EF4-FFF2-40B4-BE49-F238E27FC236}">
+                <a16:creationId xmlns:a16="http://schemas.microsoft.com/office/drawing/2014/main" id="{4FD2B8BF-5013-45C8-A1E9-4278A6FD428C}"/>
               </a:ext>
             </a:extLst>
           </p:cNvPr>
@@ -9353,8 +7631,8 @@
         </p:nvSpPr>
         <p:spPr>
           <a:xfrm>
-            <a:off x="7699901" y="4676460"/>
-            <a:ext cx="3187082" cy="369332"/>
+            <a:off x="4845205" y="5017822"/>
+            <a:ext cx="1189608" cy="369332"/>
           </a:xfrm>
           <a:prstGeom prst="rect">
             <a:avLst/>
@@ -9380,22 +7658,21 @@
           </a:bodyPr>
           <a:lstStyle/>
           <a:p>
-            <a:endParaRPr lang="en-CA" dirty="0">
-              <a:solidFill>
-                <a:schemeClr val="bg1">
-                  <a:lumMod val="65000"/>
-                </a:schemeClr>
-              </a:solidFill>
-            </a:endParaRPr>
-          </a:p>
-        </p:txBody>
-      </p:sp>
-      <p:sp>
-        <p:nvSpPr>
-          <p:cNvPr id="21" name="TextBox 20">
-            <a:extLst>
-              <a:ext uri="{FF2B5EF4-FFF2-40B4-BE49-F238E27FC236}">
-                <a16:creationId xmlns:a16="http://schemas.microsoft.com/office/drawing/2014/main" id="{9AC14D90-3287-431E-89A8-AC7D07423D75}"/>
+            <a:pPr algn="ctr"/>
+            <a:r>
+              <a:rPr lang="en-US" dirty="0"/>
+              <a:t>Edit</a:t>
+            </a:r>
+            <a:endParaRPr lang="en-CA" dirty="0"/>
+          </a:p>
+        </p:txBody>
+      </p:sp>
+      <p:sp>
+        <p:nvSpPr>
+          <p:cNvPr id="30" name="TextBox 29">
+            <a:extLst>
+              <a:ext uri="{FF2B5EF4-FFF2-40B4-BE49-F238E27FC236}">
+                <a16:creationId xmlns:a16="http://schemas.microsoft.com/office/drawing/2014/main" id="{82261E78-616E-4680-B21B-387988C6D854}"/>
               </a:ext>
             </a:extLst>
           </p:cNvPr>
@@ -9404,7 +7681,7 @@
         </p:nvSpPr>
         <p:spPr>
           <a:xfrm>
-            <a:off x="5501196" y="5403390"/>
+            <a:off x="6354410" y="4995000"/>
             <a:ext cx="1189608" cy="369332"/>
           </a:xfrm>
           <a:prstGeom prst="rect">
@@ -9434,7 +7711,7 @@
             <a:pPr algn="ctr"/>
             <a:r>
               <a:rPr lang="en-US" dirty="0"/>
-              <a:t>Submit</a:t>
+              <a:t>Delete</a:t>
             </a:r>
             <a:endParaRPr lang="en-CA" dirty="0"/>
           </a:p>
@@ -9442,10 +7719,10 @@
       </p:sp>
       <p:sp>
         <p:nvSpPr>
-          <p:cNvPr id="22" name="TextBox 21">
-            <a:extLst>
-              <a:ext uri="{FF2B5EF4-FFF2-40B4-BE49-F238E27FC236}">
-                <a16:creationId xmlns:a16="http://schemas.microsoft.com/office/drawing/2014/main" id="{4813108A-166B-418D-88DA-3E9900275608}"/>
+          <p:cNvPr id="31" name="TextBox 30">
+            <a:extLst>
+              <a:ext uri="{FF2B5EF4-FFF2-40B4-BE49-F238E27FC236}">
+                <a16:creationId xmlns:a16="http://schemas.microsoft.com/office/drawing/2014/main" id="{0E01A9AD-D5E4-4085-8EC8-8C39ED8B8D3C}"/>
               </a:ext>
             </a:extLst>
           </p:cNvPr>
@@ -9454,52 +7731,8 @@
         </p:nvSpPr>
         <p:spPr>
           <a:xfrm>
-            <a:off x="1624613" y="5815333"/>
-            <a:ext cx="1899822" cy="307777"/>
-          </a:xfrm>
-          <a:prstGeom prst="rect">
-            <a:avLst/>
-          </a:prstGeom>
-          <a:noFill/>
-        </p:spPr>
-        <p:txBody>
-          <a:bodyPr wrap="square" rtlCol="0">
-            <a:spAutoFit/>
-          </a:bodyPr>
-          <a:lstStyle/>
-          <a:p>
-            <a:r>
-              <a:rPr lang="en-US" sz="1400" dirty="0">
-                <a:solidFill>
-                  <a:srgbClr val="FF0000"/>
-                </a:solidFill>
-              </a:rPr>
-              <a:t>*</a:t>
-            </a:r>
-            <a:r>
-              <a:rPr lang="en-US" sz="1400" dirty="0"/>
-              <a:t>Field required</a:t>
-            </a:r>
-            <a:endParaRPr lang="en-CA" sz="1400" dirty="0"/>
-          </a:p>
-        </p:txBody>
-      </p:sp>
-      <p:sp>
-        <p:nvSpPr>
-          <p:cNvPr id="23" name="TextBox 22">
-            <a:extLst>
-              <a:ext uri="{FF2B5EF4-FFF2-40B4-BE49-F238E27FC236}">
-                <a16:creationId xmlns:a16="http://schemas.microsoft.com/office/drawing/2014/main" id="{71F0B1A1-8D6E-4EF0-BA48-A1C438021BAE}"/>
-              </a:ext>
-            </a:extLst>
-          </p:cNvPr>
-          <p:cNvSpPr txBox="1"/>
-          <p:nvPr/>
-        </p:nvSpPr>
-        <p:spPr>
-          <a:xfrm>
-            <a:off x="4515416" y="3828633"/>
-            <a:ext cx="2831976" cy="369332"/>
+            <a:off x="5738889" y="5576374"/>
+            <a:ext cx="1189608" cy="369332"/>
           </a:xfrm>
           <a:prstGeom prst="rect">
             <a:avLst/>
@@ -9525,59 +7758,10 @@
           </a:bodyPr>
           <a:lstStyle/>
           <a:p>
-            <a:endParaRPr lang="en-CA" dirty="0">
-              <a:solidFill>
-                <a:schemeClr val="bg1">
-                  <a:lumMod val="65000"/>
-                </a:schemeClr>
-              </a:solidFill>
-            </a:endParaRPr>
-          </a:p>
-        </p:txBody>
-      </p:sp>
-      <p:sp>
-        <p:nvSpPr>
-          <p:cNvPr id="24" name="TextBox 23">
-            <a:extLst>
-              <a:ext uri="{FF2B5EF4-FFF2-40B4-BE49-F238E27FC236}">
-                <a16:creationId xmlns:a16="http://schemas.microsoft.com/office/drawing/2014/main" id="{8B252916-2888-454A-A5B0-B11EB33178C9}"/>
-              </a:ext>
-            </a:extLst>
-          </p:cNvPr>
-          <p:cNvSpPr txBox="1"/>
-          <p:nvPr/>
-        </p:nvSpPr>
-        <p:spPr>
-          <a:xfrm>
-            <a:off x="4490262" y="3388880"/>
-            <a:ext cx="2325950" cy="369332"/>
-          </a:xfrm>
-          <a:prstGeom prst="rect">
-            <a:avLst/>
-          </a:prstGeom>
-          <a:noFill/>
-        </p:spPr>
-        <p:txBody>
-          <a:bodyPr wrap="square" rtlCol="0">
-            <a:spAutoFit/>
-          </a:bodyPr>
-          <a:lstStyle/>
-          <a:p>
+            <a:pPr algn="ctr"/>
             <a:r>
               <a:rPr lang="en-US" dirty="0"/>
-              <a:t>Patient’s phone</a:t>
-            </a:r>
-            <a:r>
-              <a:rPr lang="en-US" dirty="0">
-                <a:solidFill>
-                  <a:srgbClr val="FF0000"/>
-                </a:solidFill>
-              </a:rPr>
-              <a:t>*</a:t>
-            </a:r>
-            <a:r>
-              <a:rPr lang="en-US" dirty="0"/>
-              <a:t>:</a:t>
+              <a:t>Send</a:t>
             </a:r>
             <a:endParaRPr lang="en-CA" dirty="0"/>
           </a:p>
@@ -9585,249 +7769,20 @@
       </p:sp>
       <p:sp>
         <p:nvSpPr>
-          <p:cNvPr id="27" name="TextBox 26">
-            <a:extLst>
-              <a:ext uri="{FF2B5EF4-FFF2-40B4-BE49-F238E27FC236}">
-                <a16:creationId xmlns:a16="http://schemas.microsoft.com/office/drawing/2014/main" id="{0480BFD5-E1D5-4E65-BB6C-15FBB9EFCF60}"/>
-              </a:ext>
-            </a:extLst>
-          </p:cNvPr>
-          <p:cNvSpPr txBox="1"/>
-          <p:nvPr/>
-        </p:nvSpPr>
-        <p:spPr>
-          <a:xfrm>
-            <a:off x="3830714" y="2839909"/>
-            <a:ext cx="3994951" cy="369332"/>
-          </a:xfrm>
-          <a:prstGeom prst="rect">
-            <a:avLst/>
-          </a:prstGeom>
-          <a:noFill/>
-        </p:spPr>
-        <p:txBody>
-          <a:bodyPr wrap="square" rtlCol="0">
-            <a:spAutoFit/>
-          </a:bodyPr>
-          <a:lstStyle/>
-          <a:p>
-            <a:pPr algn="ctr"/>
-            <a:r>
-              <a:rPr lang="en-US" dirty="0"/>
-              <a:t>Please enter additional information:</a:t>
-            </a:r>
-            <a:endParaRPr lang="en-CA" dirty="0"/>
-          </a:p>
-        </p:txBody>
-      </p:sp>
-      <p:sp>
-        <p:nvSpPr>
-          <p:cNvPr id="28" name="TextBox 27">
-            <a:extLst>
-              <a:ext uri="{FF2B5EF4-FFF2-40B4-BE49-F238E27FC236}">
-                <a16:creationId xmlns:a16="http://schemas.microsoft.com/office/drawing/2014/main" id="{71D4FD4B-8297-4B46-974E-B1DFE21D0357}"/>
-              </a:ext>
-            </a:extLst>
-          </p:cNvPr>
-          <p:cNvSpPr txBox="1"/>
-          <p:nvPr/>
-        </p:nvSpPr>
-        <p:spPr>
-          <a:xfrm>
-            <a:off x="1441517" y="3389128"/>
-            <a:ext cx="2638146" cy="369332"/>
-          </a:xfrm>
-          <a:prstGeom prst="rect">
-            <a:avLst/>
-          </a:prstGeom>
-          <a:noFill/>
-        </p:spPr>
-        <p:txBody>
-          <a:bodyPr wrap="square" rtlCol="0">
-            <a:spAutoFit/>
-          </a:bodyPr>
-          <a:lstStyle/>
-          <a:p>
-            <a:r>
-              <a:rPr lang="en-US" dirty="0"/>
-              <a:t>Patient’s name</a:t>
-            </a:r>
-            <a:r>
-              <a:rPr lang="en-US" dirty="0">
-                <a:solidFill>
-                  <a:srgbClr val="FF0000"/>
-                </a:solidFill>
-              </a:rPr>
-              <a:t>*</a:t>
-            </a:r>
-            <a:r>
-              <a:rPr lang="en-US" dirty="0"/>
-              <a:t>:</a:t>
-            </a:r>
-            <a:endParaRPr lang="en-CA" dirty="0"/>
-          </a:p>
-        </p:txBody>
-      </p:sp>
-      <p:sp>
-        <p:nvSpPr>
-          <p:cNvPr id="29" name="TextBox 28">
-            <a:extLst>
-              <a:ext uri="{FF2B5EF4-FFF2-40B4-BE49-F238E27FC236}">
-                <a16:creationId xmlns:a16="http://schemas.microsoft.com/office/drawing/2014/main" id="{A2FD4B24-30F3-4F99-A66F-958E32EB8080}"/>
-              </a:ext>
-            </a:extLst>
-          </p:cNvPr>
-          <p:cNvSpPr txBox="1"/>
-          <p:nvPr/>
-        </p:nvSpPr>
-        <p:spPr>
-          <a:xfrm>
-            <a:off x="7730973" y="3386892"/>
-            <a:ext cx="2025590" cy="369332"/>
-          </a:xfrm>
-          <a:prstGeom prst="rect">
-            <a:avLst/>
-          </a:prstGeom>
-          <a:noFill/>
-        </p:spPr>
-        <p:txBody>
-          <a:bodyPr wrap="square" rtlCol="0">
-            <a:spAutoFit/>
-          </a:bodyPr>
-          <a:lstStyle/>
-          <a:p>
-            <a:r>
-              <a:rPr lang="en-US" dirty="0"/>
-              <a:t>Patient’s email</a:t>
-            </a:r>
-            <a:r>
-              <a:rPr lang="en-US" dirty="0">
-                <a:solidFill>
-                  <a:srgbClr val="FF0000"/>
-                </a:solidFill>
-              </a:rPr>
-              <a:t>*</a:t>
-            </a:r>
-            <a:r>
-              <a:rPr lang="en-US" dirty="0"/>
-              <a:t>:</a:t>
-            </a:r>
-            <a:endParaRPr lang="en-CA" dirty="0"/>
-          </a:p>
-        </p:txBody>
-      </p:sp>
-      <p:sp>
-        <p:nvSpPr>
-          <p:cNvPr id="30" name="TextBox 29">
-            <a:extLst>
-              <a:ext uri="{FF2B5EF4-FFF2-40B4-BE49-F238E27FC236}">
-                <a16:creationId xmlns:a16="http://schemas.microsoft.com/office/drawing/2014/main" id="{8B507C23-0FB0-4884-B2F7-B56226376ED0}"/>
-              </a:ext>
-            </a:extLst>
-          </p:cNvPr>
-          <p:cNvSpPr txBox="1"/>
-          <p:nvPr/>
-        </p:nvSpPr>
-        <p:spPr>
-          <a:xfrm>
-            <a:off x="1437816" y="4310741"/>
-            <a:ext cx="2290439" cy="369332"/>
-          </a:xfrm>
-          <a:prstGeom prst="rect">
-            <a:avLst/>
-          </a:prstGeom>
-          <a:noFill/>
-        </p:spPr>
-        <p:txBody>
-          <a:bodyPr wrap="square" rtlCol="0">
-            <a:spAutoFit/>
-          </a:bodyPr>
-          <a:lstStyle/>
-          <a:p>
-            <a:r>
-              <a:rPr lang="en-US" dirty="0"/>
-              <a:t>Your name</a:t>
-            </a:r>
-            <a:r>
-              <a:rPr lang="en-US" dirty="0">
-                <a:solidFill>
-                  <a:srgbClr val="FF0000"/>
-                </a:solidFill>
-              </a:rPr>
-              <a:t>*</a:t>
-            </a:r>
-            <a:r>
-              <a:rPr lang="en-US" dirty="0"/>
-              <a:t>:</a:t>
-            </a:r>
-            <a:endParaRPr lang="en-CA" dirty="0"/>
-          </a:p>
-        </p:txBody>
-      </p:sp>
-      <p:sp>
-        <p:nvSpPr>
-          <p:cNvPr id="31" name="TextBox 30">
-            <a:extLst>
-              <a:ext uri="{FF2B5EF4-FFF2-40B4-BE49-F238E27FC236}">
-                <a16:creationId xmlns:a16="http://schemas.microsoft.com/office/drawing/2014/main" id="{97EEF7D6-63B2-452E-BD1D-42198892D9DE}"/>
-              </a:ext>
-            </a:extLst>
-          </p:cNvPr>
-          <p:cNvSpPr txBox="1"/>
-          <p:nvPr/>
-        </p:nvSpPr>
-        <p:spPr>
-          <a:xfrm>
-            <a:off x="7825665" y="4301273"/>
-            <a:ext cx="1376039" cy="369332"/>
-          </a:xfrm>
-          <a:prstGeom prst="rect">
-            <a:avLst/>
-          </a:prstGeom>
-          <a:noFill/>
-        </p:spPr>
-        <p:txBody>
-          <a:bodyPr wrap="square" rtlCol="0">
-            <a:spAutoFit/>
-          </a:bodyPr>
-          <a:lstStyle/>
-          <a:p>
-            <a:r>
-              <a:rPr lang="en-US" dirty="0"/>
-              <a:t>Your Email</a:t>
-            </a:r>
-            <a:r>
-              <a:rPr lang="en-US" dirty="0">
-                <a:solidFill>
-                  <a:srgbClr val="FF0000"/>
-                </a:solidFill>
-              </a:rPr>
-              <a:t>*</a:t>
-            </a:r>
-            <a:r>
-              <a:rPr lang="en-US" dirty="0"/>
-              <a:t>:</a:t>
-            </a:r>
-            <a:endParaRPr lang="en-CA" dirty="0"/>
-          </a:p>
-        </p:txBody>
-      </p:sp>
-      <p:sp>
-        <p:nvSpPr>
-          <p:cNvPr id="32" name="TextBox 31">
-            <a:extLst>
-              <a:ext uri="{FF2B5EF4-FFF2-40B4-BE49-F238E27FC236}">
-                <a16:creationId xmlns:a16="http://schemas.microsoft.com/office/drawing/2014/main" id="{2063F731-3E0E-4905-955F-D15BE56D12B5}"/>
-              </a:ext>
-            </a:extLst>
-          </p:cNvPr>
-          <p:cNvSpPr txBox="1"/>
-          <p:nvPr/>
-        </p:nvSpPr>
-        <p:spPr>
-          <a:xfrm>
-            <a:off x="4527615" y="4671741"/>
-            <a:ext cx="2831976" cy="369332"/>
+          <p:cNvPr id="32" name="Rectangle 31">
+            <a:extLst>
+              <a:ext uri="{FF2B5EF4-FFF2-40B4-BE49-F238E27FC236}">
+                <a16:creationId xmlns:a16="http://schemas.microsoft.com/office/drawing/2014/main" id="{0C6AE2E1-4714-4CAA-BB82-D50FA8477F63}"/>
+              </a:ext>
+            </a:extLst>
+          </p:cNvPr>
+          <p:cNvSpPr/>
+          <p:nvPr/>
+        </p:nvSpPr>
+        <p:spPr>
+          <a:xfrm>
+            <a:off x="1624614" y="949911"/>
+            <a:ext cx="1455937" cy="701336"/>
           </a:xfrm>
           <a:prstGeom prst="rect">
             <a:avLst/>
@@ -9848,18 +7803,11 @@
           </a:fontRef>
         </p:style>
         <p:txBody>
-          <a:bodyPr wrap="square" rtlCol="0">
-            <a:spAutoFit/>
-          </a:bodyPr>
-          <a:lstStyle/>
-          <a:p>
-            <a:endParaRPr lang="en-CA" dirty="0">
-              <a:solidFill>
-                <a:schemeClr val="bg1">
-                  <a:lumMod val="65000"/>
-                </a:schemeClr>
-              </a:solidFill>
-            </a:endParaRPr>
+          <a:bodyPr rtlCol="0" anchor="ctr"/>
+          <a:lstStyle/>
+          <a:p>
+            <a:pPr algn="ctr"/>
+            <a:endParaRPr lang="en-CA"/>
           </a:p>
         </p:txBody>
       </p:sp>
@@ -9868,7 +7816,7 @@
           <p:cNvPr id="33" name="TextBox 32">
             <a:extLst>
               <a:ext uri="{FF2B5EF4-FFF2-40B4-BE49-F238E27FC236}">
-                <a16:creationId xmlns:a16="http://schemas.microsoft.com/office/drawing/2014/main" id="{801DD6FC-D4DA-47D1-9743-3FE6E3F5EF0D}"/>
+                <a16:creationId xmlns:a16="http://schemas.microsoft.com/office/drawing/2014/main" id="{6C6C9EF6-2E0D-4189-89FB-EB076BC2FB28}"/>
               </a:ext>
             </a:extLst>
           </p:cNvPr>
@@ -9877,58 +7825,10 @@
         </p:nvSpPr>
         <p:spPr>
           <a:xfrm>
-            <a:off x="4502461" y="4231988"/>
-            <a:ext cx="2325950" cy="369332"/>
-          </a:xfrm>
-          <a:prstGeom prst="rect">
-            <a:avLst/>
-          </a:prstGeom>
-          <a:noFill/>
-        </p:spPr>
-        <p:txBody>
-          <a:bodyPr wrap="square" rtlCol="0">
-            <a:spAutoFit/>
-          </a:bodyPr>
-          <a:lstStyle/>
-          <a:p>
-            <a:r>
-              <a:rPr lang="en-US" dirty="0"/>
-              <a:t>Your phone</a:t>
-            </a:r>
-            <a:r>
-              <a:rPr lang="en-US" dirty="0">
-                <a:solidFill>
-                  <a:srgbClr val="FF0000"/>
-                </a:solidFill>
-              </a:rPr>
-              <a:t>*</a:t>
-            </a:r>
-            <a:r>
-              <a:rPr lang="en-US" dirty="0"/>
-              <a:t>:</a:t>
-            </a:r>
-            <a:endParaRPr lang="en-CA" dirty="0"/>
-          </a:p>
-        </p:txBody>
-      </p:sp>
-      <p:sp>
-        <p:nvSpPr>
-          <p:cNvPr id="34" name="Flowchart: Process 33">
-            <a:extLst>
-              <a:ext uri="{FF2B5EF4-FFF2-40B4-BE49-F238E27FC236}">
-                <a16:creationId xmlns:a16="http://schemas.microsoft.com/office/drawing/2014/main" id="{505FDC8C-974A-4A0B-B1F8-222220F6EE5C}"/>
-              </a:ext>
-            </a:extLst>
-          </p:cNvPr>
-          <p:cNvSpPr/>
-          <p:nvPr/>
-        </p:nvSpPr>
-        <p:spPr>
-          <a:xfrm>
-            <a:off x="3151573" y="1976902"/>
-            <a:ext cx="5885895" cy="506092"/>
-          </a:xfrm>
-          <a:prstGeom prst="flowChartProcess">
+            <a:off x="3803796" y="3816292"/>
+            <a:ext cx="4739938" cy="917866"/>
+          </a:xfrm>
+          <a:prstGeom prst="rect">
             <a:avLst/>
           </a:prstGeom>
         </p:spPr>
@@ -9947,282 +7847,55 @@
           </a:fontRef>
         </p:style>
         <p:txBody>
-          <a:bodyPr rtlCol="0" anchor="ctr"/>
-          <a:lstStyle/>
-          <a:p>
-            <a:pPr algn="ctr"/>
-            <a:endParaRPr lang="en-CA"/>
-          </a:p>
-        </p:txBody>
-      </p:sp>
-      <p:sp>
-        <p:nvSpPr>
-          <p:cNvPr id="35" name="Arrow: Chevron 34">
-            <a:extLst>
-              <a:ext uri="{FF2B5EF4-FFF2-40B4-BE49-F238E27FC236}">
-                <a16:creationId xmlns:a16="http://schemas.microsoft.com/office/drawing/2014/main" id="{55A2C8B5-BEB0-452B-822D-4FA3BD629EB8}"/>
-              </a:ext>
-            </a:extLst>
-          </p:cNvPr>
-          <p:cNvSpPr/>
-          <p:nvPr/>
-        </p:nvSpPr>
-        <p:spPr>
-          <a:xfrm>
-            <a:off x="4946343" y="1989531"/>
-            <a:ext cx="337350" cy="493463"/>
-          </a:xfrm>
-          <a:prstGeom prst="chevron">
-            <a:avLst/>
-          </a:prstGeom>
-        </p:spPr>
-        <p:style>
-          <a:lnRef idx="2">
-            <a:schemeClr val="dk1">
-              <a:shade val="50000"/>
-            </a:schemeClr>
-          </a:lnRef>
-          <a:fillRef idx="1">
-            <a:schemeClr val="dk1"/>
-          </a:fillRef>
-          <a:effectRef idx="0">
-            <a:schemeClr val="dk1"/>
-          </a:effectRef>
-          <a:fontRef idx="minor">
-            <a:schemeClr val="lt1"/>
-          </a:fontRef>
-        </p:style>
-        <p:txBody>
-          <a:bodyPr rtlCol="0" anchor="ctr"/>
-          <a:lstStyle/>
-          <a:p>
-            <a:pPr algn="ctr"/>
-            <a:endParaRPr lang="en-CA">
-              <a:solidFill>
-                <a:schemeClr val="tx1"/>
-              </a:solidFill>
-            </a:endParaRPr>
-          </a:p>
-        </p:txBody>
-      </p:sp>
-      <p:sp>
-        <p:nvSpPr>
-          <p:cNvPr id="36" name="Flowchart: Process 35">
-            <a:extLst>
-              <a:ext uri="{FF2B5EF4-FFF2-40B4-BE49-F238E27FC236}">
-                <a16:creationId xmlns:a16="http://schemas.microsoft.com/office/drawing/2014/main" id="{A859895D-C738-4599-AABF-833C12D3D390}"/>
-              </a:ext>
-            </a:extLst>
-          </p:cNvPr>
-          <p:cNvSpPr/>
-          <p:nvPr/>
-        </p:nvSpPr>
-        <p:spPr>
-          <a:xfrm>
-            <a:off x="3151573" y="1971086"/>
-            <a:ext cx="1794771" cy="484321"/>
-          </a:xfrm>
-          <a:prstGeom prst="flowChartProcess">
+          <a:bodyPr wrap="square" rtlCol="0">
+            <a:spAutoFit/>
+          </a:bodyPr>
+          <a:lstStyle/>
+          <a:p>
+            <a:endParaRPr lang="en-CA" dirty="0"/>
+          </a:p>
+        </p:txBody>
+      </p:sp>
+      <p:sp>
+        <p:nvSpPr>
+          <p:cNvPr id="40" name="TextBox 39">
+            <a:extLst>
+              <a:ext uri="{FF2B5EF4-FFF2-40B4-BE49-F238E27FC236}">
+                <a16:creationId xmlns:a16="http://schemas.microsoft.com/office/drawing/2014/main" id="{ED7B4882-10FA-434F-97E8-3C55BF7063F2}"/>
+              </a:ext>
+            </a:extLst>
+          </p:cNvPr>
+          <p:cNvSpPr txBox="1"/>
+          <p:nvPr/>
+        </p:nvSpPr>
+        <p:spPr>
+          <a:xfrm>
+            <a:off x="2100207" y="3831960"/>
+            <a:ext cx="2288951" cy="369332"/>
+          </a:xfrm>
+          <a:prstGeom prst="rect">
             <a:avLst/>
           </a:prstGeom>
           <a:noFill/>
-          <a:ln>
-            <a:noFill/>
-          </a:ln>
-        </p:spPr>
-        <p:style>
-          <a:lnRef idx="2">
-            <a:schemeClr val="accent3">
-              <a:shade val="50000"/>
-            </a:schemeClr>
-          </a:lnRef>
-          <a:fillRef idx="1">
-            <a:schemeClr val="accent3"/>
-          </a:fillRef>
-          <a:effectRef idx="0">
-            <a:schemeClr val="accent3"/>
-          </a:effectRef>
-          <a:fontRef idx="minor">
-            <a:schemeClr val="lt1"/>
-          </a:fontRef>
-        </p:style>
-        <p:txBody>
-          <a:bodyPr rtlCol="0" anchor="ctr"/>
-          <a:lstStyle/>
-          <a:p>
-            <a:pPr algn="ctr"/>
-            <a:r>
-              <a:rPr lang="en-US" dirty="0">
-                <a:solidFill>
-                  <a:schemeClr val="tx1"/>
-                </a:solidFill>
-              </a:rPr>
-              <a:t>Choose card</a:t>
-            </a:r>
-            <a:endParaRPr lang="en-CA" dirty="0">
-              <a:solidFill>
-                <a:schemeClr val="tx1"/>
-              </a:solidFill>
-            </a:endParaRPr>
-          </a:p>
-        </p:txBody>
-      </p:sp>
-      <p:sp>
-        <p:nvSpPr>
-          <p:cNvPr id="37" name="Flowchart: Process 36">
-            <a:extLst>
-              <a:ext uri="{FF2B5EF4-FFF2-40B4-BE49-F238E27FC236}">
-                <a16:creationId xmlns:a16="http://schemas.microsoft.com/office/drawing/2014/main" id="{D0EEA023-6749-4F18-9AEA-632948342727}"/>
-              </a:ext>
-            </a:extLst>
-          </p:cNvPr>
-          <p:cNvSpPr/>
-          <p:nvPr/>
-        </p:nvSpPr>
-        <p:spPr>
-          <a:xfrm>
-            <a:off x="5283693" y="2039344"/>
-            <a:ext cx="1826582" cy="416063"/>
-          </a:xfrm>
-          <a:prstGeom prst="flowChartProcess">
-            <a:avLst/>
-          </a:prstGeom>
-          <a:ln>
-            <a:noFill/>
-          </a:ln>
-        </p:spPr>
-        <p:style>
-          <a:lnRef idx="2">
-            <a:schemeClr val="dk1"/>
-          </a:lnRef>
-          <a:fillRef idx="1">
-            <a:schemeClr val="lt1"/>
-          </a:fillRef>
-          <a:effectRef idx="0">
-            <a:schemeClr val="dk1"/>
-          </a:effectRef>
-          <a:fontRef idx="minor">
-            <a:schemeClr val="dk1"/>
-          </a:fontRef>
-        </p:style>
-        <p:txBody>
-          <a:bodyPr rtlCol="0" anchor="ctr"/>
-          <a:lstStyle/>
-          <a:p>
-            <a:pPr algn="ctr"/>
-            <a:r>
-              <a:rPr lang="en-US" b="1" dirty="0"/>
-              <a:t>Additional information</a:t>
-            </a:r>
-            <a:endParaRPr lang="en-CA" b="1" dirty="0"/>
-          </a:p>
-        </p:txBody>
-      </p:sp>
-      <p:sp>
-        <p:nvSpPr>
-          <p:cNvPr id="38" name="Flowchart: Process 37">
-            <a:extLst>
-              <a:ext uri="{FF2B5EF4-FFF2-40B4-BE49-F238E27FC236}">
-                <a16:creationId xmlns:a16="http://schemas.microsoft.com/office/drawing/2014/main" id="{4BB32A55-CE29-48D9-BBC4-2116EB0DA2FC}"/>
-              </a:ext>
-            </a:extLst>
-          </p:cNvPr>
-          <p:cNvSpPr/>
-          <p:nvPr/>
-        </p:nvSpPr>
-        <p:spPr>
-          <a:xfrm>
-            <a:off x="7494231" y="1998673"/>
-            <a:ext cx="1472957" cy="456734"/>
-          </a:xfrm>
-          <a:prstGeom prst="flowChartProcess">
-            <a:avLst/>
-          </a:prstGeom>
-          <a:ln>
-            <a:noFill/>
-          </a:ln>
-        </p:spPr>
-        <p:style>
-          <a:lnRef idx="2">
-            <a:schemeClr val="dk1"/>
-          </a:lnRef>
-          <a:fillRef idx="1">
-            <a:schemeClr val="lt1"/>
-          </a:fillRef>
-          <a:effectRef idx="0">
-            <a:schemeClr val="dk1"/>
-          </a:effectRef>
-          <a:fontRef idx="minor">
-            <a:schemeClr val="dk1"/>
-          </a:fontRef>
-        </p:style>
-        <p:txBody>
-          <a:bodyPr rtlCol="0" anchor="ctr"/>
-          <a:lstStyle/>
-          <a:p>
-            <a:pPr algn="ctr"/>
+        </p:spPr>
+        <p:txBody>
+          <a:bodyPr wrap="square" rtlCol="0">
+            <a:spAutoFit/>
+          </a:bodyPr>
+          <a:lstStyle/>
+          <a:p>
             <a:r>
               <a:rPr lang="en-US" dirty="0"/>
-              <a:t>Review</a:t>
+              <a:t>Your message:</a:t>
             </a:r>
             <a:endParaRPr lang="en-CA" dirty="0"/>
-          </a:p>
-        </p:txBody>
-      </p:sp>
-      <p:sp>
-        <p:nvSpPr>
-          <p:cNvPr id="39" name="Arrow: Chevron 38">
-            <a:extLst>
-              <a:ext uri="{FF2B5EF4-FFF2-40B4-BE49-F238E27FC236}">
-                <a16:creationId xmlns:a16="http://schemas.microsoft.com/office/drawing/2014/main" id="{6F47EA79-8DCF-461F-855E-939D2A3DD2E8}"/>
-              </a:ext>
-            </a:extLst>
-          </p:cNvPr>
-          <p:cNvSpPr/>
-          <p:nvPr/>
-        </p:nvSpPr>
-        <p:spPr>
-          <a:xfrm>
-            <a:off x="7278949" y="1989531"/>
-            <a:ext cx="337350" cy="493463"/>
-          </a:xfrm>
-          <a:prstGeom prst="chevron">
-            <a:avLst/>
-          </a:prstGeom>
-        </p:spPr>
-        <p:style>
-          <a:lnRef idx="2">
-            <a:schemeClr val="dk1">
-              <a:shade val="50000"/>
-            </a:schemeClr>
-          </a:lnRef>
-          <a:fillRef idx="1">
-            <a:schemeClr val="dk1"/>
-          </a:fillRef>
-          <a:effectRef idx="0">
-            <a:schemeClr val="dk1"/>
-          </a:effectRef>
-          <a:fontRef idx="minor">
-            <a:schemeClr val="lt1"/>
-          </a:fontRef>
-        </p:style>
-        <p:txBody>
-          <a:bodyPr rtlCol="0" anchor="ctr"/>
-          <a:lstStyle/>
-          <a:p>
-            <a:pPr algn="ctr"/>
-            <a:endParaRPr lang="en-CA">
-              <a:solidFill>
-                <a:schemeClr val="tx1"/>
-              </a:solidFill>
-            </a:endParaRPr>
           </a:p>
         </p:txBody>
       </p:sp>
     </p:spTree>
     <p:extLst>
       <p:ext uri="{BB962C8B-B14F-4D97-AF65-F5344CB8AC3E}">
-        <p14:creationId xmlns:p14="http://schemas.microsoft.com/office/powerpoint/2010/main" val="3721294208"/>
+        <p14:creationId xmlns:p14="http://schemas.microsoft.com/office/powerpoint/2010/main" val="2462278327"/>
       </p:ext>
     </p:extLst>
   </p:cSld>
@@ -10251,10 +7924,10 @@
       </p:grpSpPr>
       <p:sp>
         <p:nvSpPr>
-          <p:cNvPr id="12" name="TextBox 11">
-            <a:extLst>
-              <a:ext uri="{FF2B5EF4-FFF2-40B4-BE49-F238E27FC236}">
-                <a16:creationId xmlns:a16="http://schemas.microsoft.com/office/drawing/2014/main" id="{2F976422-3FAB-44E6-AD9A-1C2A9AEAFBC9}"/>
+          <p:cNvPr id="16" name="TextBox 15">
+            <a:extLst>
+              <a:ext uri="{FF2B5EF4-FFF2-40B4-BE49-F238E27FC236}">
+                <a16:creationId xmlns:a16="http://schemas.microsoft.com/office/drawing/2014/main" id="{49D7EDFE-D20F-483A-BFD3-8BF854A60380}"/>
               </a:ext>
             </a:extLst>
           </p:cNvPr>
@@ -10263,8 +7936,44 @@
         </p:nvSpPr>
         <p:spPr>
           <a:xfrm>
-            <a:off x="1305017" y="536018"/>
-            <a:ext cx="9747682" cy="6217920"/>
+            <a:off x="3303972" y="2605941"/>
+            <a:ext cx="3045041" cy="369332"/>
+          </a:xfrm>
+          <a:prstGeom prst="rect">
+            <a:avLst/>
+          </a:prstGeom>
+          <a:noFill/>
+        </p:spPr>
+        <p:txBody>
+          <a:bodyPr wrap="square" rtlCol="0">
+            <a:spAutoFit/>
+          </a:bodyPr>
+          <a:lstStyle/>
+          <a:p>
+            <a:r>
+              <a:rPr lang="en-US" dirty="0"/>
+              <a:t>Please choose the style: </a:t>
+            </a:r>
+            <a:endParaRPr lang="en-CA" dirty="0"/>
+          </a:p>
+        </p:txBody>
+      </p:sp>
+      <p:sp>
+        <p:nvSpPr>
+          <p:cNvPr id="17" name="Rectangle 16">
+            <a:extLst>
+              <a:ext uri="{FF2B5EF4-FFF2-40B4-BE49-F238E27FC236}">
+                <a16:creationId xmlns:a16="http://schemas.microsoft.com/office/drawing/2014/main" id="{2E004ABE-4783-42EE-968C-2B5863B5C38B}"/>
+              </a:ext>
+            </a:extLst>
+          </p:cNvPr>
+          <p:cNvSpPr/>
+          <p:nvPr/>
+        </p:nvSpPr>
+        <p:spPr>
+          <a:xfrm>
+            <a:off x="3497802" y="3058882"/>
+            <a:ext cx="683581" cy="864295"/>
           </a:xfrm>
           <a:prstGeom prst="rect">
             <a:avLst/>
@@ -10285,31 +7994,30 @@
           </a:fontRef>
         </p:style>
         <p:txBody>
-          <a:bodyPr wrap="square" rtlCol="0">
-            <a:spAutoFit/>
-          </a:bodyPr>
-          <a:lstStyle/>
-          <a:p>
-            <a:endParaRPr lang="en-CA" dirty="0"/>
-          </a:p>
-        </p:txBody>
-      </p:sp>
-      <p:sp>
-        <p:nvSpPr>
-          <p:cNvPr id="13" name="TextBox 12">
-            <a:extLst>
-              <a:ext uri="{FF2B5EF4-FFF2-40B4-BE49-F238E27FC236}">
-                <a16:creationId xmlns:a16="http://schemas.microsoft.com/office/drawing/2014/main" id="{144838C3-F27C-415D-82E2-A566C4636897}"/>
-              </a:ext>
-            </a:extLst>
-          </p:cNvPr>
-          <p:cNvSpPr txBox="1"/>
-          <p:nvPr/>
-        </p:nvSpPr>
-        <p:spPr>
-          <a:xfrm>
-            <a:off x="1305017" y="541387"/>
-            <a:ext cx="9747682" cy="1331650"/>
+          <a:bodyPr rtlCol="0" anchor="ctr"/>
+          <a:lstStyle/>
+          <a:p>
+            <a:pPr algn="ctr"/>
+            <a:endParaRPr lang="en-CA"/>
+          </a:p>
+        </p:txBody>
+      </p:sp>
+      <p:sp>
+        <p:nvSpPr>
+          <p:cNvPr id="18" name="Rectangle 17">
+            <a:extLst>
+              <a:ext uri="{FF2B5EF4-FFF2-40B4-BE49-F238E27FC236}">
+                <a16:creationId xmlns:a16="http://schemas.microsoft.com/office/drawing/2014/main" id="{82ED7DD4-F384-417B-B300-752D11792A3D}"/>
+              </a:ext>
+            </a:extLst>
+          </p:cNvPr>
+          <p:cNvSpPr/>
+          <p:nvPr/>
+        </p:nvSpPr>
+        <p:spPr>
+          <a:xfrm>
+            <a:off x="4626746" y="3058881"/>
+            <a:ext cx="683581" cy="864295"/>
           </a:xfrm>
           <a:prstGeom prst="rect">
             <a:avLst/>
@@ -10330,31 +8038,30 @@
           </a:fontRef>
         </p:style>
         <p:txBody>
-          <a:bodyPr wrap="square" rtlCol="0">
-            <a:spAutoFit/>
-          </a:bodyPr>
-          <a:lstStyle/>
-          <a:p>
-            <a:endParaRPr lang="en-CA" dirty="0"/>
-          </a:p>
-        </p:txBody>
-      </p:sp>
-      <p:sp>
-        <p:nvSpPr>
-          <p:cNvPr id="14" name="TextBox 13">
-            <a:extLst>
-              <a:ext uri="{FF2B5EF4-FFF2-40B4-BE49-F238E27FC236}">
-                <a16:creationId xmlns:a16="http://schemas.microsoft.com/office/drawing/2014/main" id="{7E4693EE-956E-4B18-969C-ED601227C4E4}"/>
-              </a:ext>
-            </a:extLst>
-          </p:cNvPr>
-          <p:cNvSpPr txBox="1"/>
-          <p:nvPr/>
-        </p:nvSpPr>
-        <p:spPr>
-          <a:xfrm>
-            <a:off x="1305017" y="6160215"/>
-            <a:ext cx="9747682" cy="692458"/>
+          <a:bodyPr rtlCol="0" anchor="ctr"/>
+          <a:lstStyle/>
+          <a:p>
+            <a:pPr algn="ctr"/>
+            <a:endParaRPr lang="en-CA"/>
+          </a:p>
+        </p:txBody>
+      </p:sp>
+      <p:sp>
+        <p:nvSpPr>
+          <p:cNvPr id="19" name="Rectangle 18">
+            <a:extLst>
+              <a:ext uri="{FF2B5EF4-FFF2-40B4-BE49-F238E27FC236}">
+                <a16:creationId xmlns:a16="http://schemas.microsoft.com/office/drawing/2014/main" id="{5B9A91D1-8A5D-4E55-9B62-FEFEF776B025}"/>
+              </a:ext>
+            </a:extLst>
+          </p:cNvPr>
+          <p:cNvSpPr/>
+          <p:nvPr/>
+        </p:nvSpPr>
+        <p:spPr>
+          <a:xfrm>
+            <a:off x="5754209" y="3058881"/>
+            <a:ext cx="683581" cy="864295"/>
           </a:xfrm>
           <a:prstGeom prst="rect">
             <a:avLst/>
@@ -10375,31 +8082,30 @@
           </a:fontRef>
         </p:style>
         <p:txBody>
-          <a:bodyPr wrap="square" rtlCol="0">
-            <a:spAutoFit/>
-          </a:bodyPr>
-          <a:lstStyle/>
-          <a:p>
-            <a:endParaRPr lang="en-CA" dirty="0"/>
-          </a:p>
-        </p:txBody>
-      </p:sp>
-      <p:sp>
-        <p:nvSpPr>
-          <p:cNvPr id="15" name="TextBox 14">
-            <a:extLst>
-              <a:ext uri="{FF2B5EF4-FFF2-40B4-BE49-F238E27FC236}">
-                <a16:creationId xmlns:a16="http://schemas.microsoft.com/office/drawing/2014/main" id="{52166B88-26A0-43EA-AE69-AB7AC1910F6D}"/>
-              </a:ext>
-            </a:extLst>
-          </p:cNvPr>
-          <p:cNvSpPr txBox="1"/>
-          <p:nvPr/>
-        </p:nvSpPr>
-        <p:spPr>
-          <a:xfrm>
-            <a:off x="62144" y="1115913"/>
-            <a:ext cx="861134" cy="369332"/>
+          <a:bodyPr rtlCol="0" anchor="ctr"/>
+          <a:lstStyle/>
+          <a:p>
+            <a:pPr algn="ctr"/>
+            <a:endParaRPr lang="en-CA"/>
+          </a:p>
+        </p:txBody>
+      </p:sp>
+      <p:sp>
+        <p:nvSpPr>
+          <p:cNvPr id="20" name="Rectangle 19">
+            <a:extLst>
+              <a:ext uri="{FF2B5EF4-FFF2-40B4-BE49-F238E27FC236}">
+                <a16:creationId xmlns:a16="http://schemas.microsoft.com/office/drawing/2014/main" id="{D02EE3FA-E49A-4CAC-A844-30361949FB39}"/>
+              </a:ext>
+            </a:extLst>
+          </p:cNvPr>
+          <p:cNvSpPr/>
+          <p:nvPr/>
+        </p:nvSpPr>
+        <p:spPr>
+          <a:xfrm>
+            <a:off x="6884631" y="3058880"/>
+            <a:ext cx="683581" cy="864295"/>
           </a:xfrm>
           <a:prstGeom prst="rect">
             <a:avLst/>
@@ -10420,386 +8126,226 @@
           </a:fontRef>
         </p:style>
         <p:txBody>
-          <a:bodyPr wrap="square" rtlCol="0">
-            <a:spAutoFit/>
-          </a:bodyPr>
+          <a:bodyPr rtlCol="0" anchor="ctr"/>
           <a:lstStyle/>
           <a:p>
             <a:pPr algn="ctr"/>
-            <a:r>
-              <a:rPr lang="en-US" dirty="0"/>
-              <a:t>Logo</a:t>
-            </a:r>
-            <a:endParaRPr lang="en-CA" dirty="0"/>
-          </a:p>
-        </p:txBody>
-      </p:sp>
-      <p:sp>
-        <p:nvSpPr>
-          <p:cNvPr id="16" name="TextBox 15">
-            <a:extLst>
-              <a:ext uri="{FF2B5EF4-FFF2-40B4-BE49-F238E27FC236}">
-                <a16:creationId xmlns:a16="http://schemas.microsoft.com/office/drawing/2014/main" id="{3C7BC2FF-BD46-456D-9227-1BCB4CCC8377}"/>
-              </a:ext>
-            </a:extLst>
-          </p:cNvPr>
-          <p:cNvSpPr txBox="1"/>
-          <p:nvPr/>
-        </p:nvSpPr>
-        <p:spPr>
-          <a:xfrm>
-            <a:off x="0" y="6254319"/>
-            <a:ext cx="861134" cy="369332"/>
-          </a:xfrm>
-          <a:prstGeom prst="rect">
-            <a:avLst/>
-          </a:prstGeom>
+            <a:endParaRPr lang="en-CA"/>
+          </a:p>
+        </p:txBody>
+      </p:sp>
+      <p:sp>
+        <p:nvSpPr>
+          <p:cNvPr id="21" name="Oval 20">
+            <a:extLst>
+              <a:ext uri="{FF2B5EF4-FFF2-40B4-BE49-F238E27FC236}">
+                <a16:creationId xmlns:a16="http://schemas.microsoft.com/office/drawing/2014/main" id="{8F05F444-82E3-4E35-AD15-A2B9DC892D22}"/>
+              </a:ext>
+            </a:extLst>
+          </p:cNvPr>
+          <p:cNvSpPr/>
+          <p:nvPr/>
+        </p:nvSpPr>
+        <p:spPr>
+          <a:xfrm>
+            <a:off x="3767460" y="4054893"/>
+            <a:ext cx="144263" cy="144263"/>
+          </a:xfrm>
+          <a:prstGeom prst="ellipse">
+            <a:avLst/>
+          </a:prstGeom>
+          <a:solidFill>
+            <a:schemeClr val="bg1"/>
+          </a:solidFill>
         </p:spPr>
         <p:style>
           <a:lnRef idx="2">
-            <a:schemeClr val="dk1"/>
+            <a:schemeClr val="accent1">
+              <a:shade val="50000"/>
+            </a:schemeClr>
           </a:lnRef>
           <a:fillRef idx="1">
-            <a:schemeClr val="lt1"/>
-          </a:fillRef>
-          <a:effectRef idx="0">
-            <a:schemeClr val="dk1"/>
-          </a:effectRef>
-          <a:fontRef idx="minor">
-            <a:schemeClr val="dk1"/>
-          </a:fontRef>
-        </p:style>
-        <p:txBody>
-          <a:bodyPr wrap="square" rtlCol="0">
-            <a:spAutoFit/>
-          </a:bodyPr>
-          <a:lstStyle/>
-          <a:p>
-            <a:pPr algn="ctr"/>
-            <a:r>
-              <a:rPr lang="en-US" dirty="0"/>
-              <a:t>Footer</a:t>
-            </a:r>
-            <a:endParaRPr lang="en-CA" dirty="0"/>
-          </a:p>
-        </p:txBody>
-      </p:sp>
-      <p:sp>
-        <p:nvSpPr>
-          <p:cNvPr id="17" name="Rectangle 16">
-            <a:extLst>
-              <a:ext uri="{FF2B5EF4-FFF2-40B4-BE49-F238E27FC236}">
-                <a16:creationId xmlns:a16="http://schemas.microsoft.com/office/drawing/2014/main" id="{F39EF0E3-290C-4B68-9612-4618CC0E72EE}"/>
-              </a:ext>
-            </a:extLst>
-          </p:cNvPr>
-          <p:cNvSpPr/>
-          <p:nvPr/>
-        </p:nvSpPr>
-        <p:spPr>
-          <a:xfrm>
-            <a:off x="4116280" y="1376915"/>
-            <a:ext cx="6936419" cy="491657"/>
-          </a:xfrm>
-          <a:prstGeom prst="rect">
-            <a:avLst/>
-          </a:prstGeom>
-        </p:spPr>
-        <p:style>
-          <a:lnRef idx="2">
-            <a:schemeClr val="dk1"/>
-          </a:lnRef>
-          <a:fillRef idx="1">
-            <a:schemeClr val="lt1"/>
-          </a:fillRef>
-          <a:effectRef idx="0">
-            <a:schemeClr val="dk1"/>
-          </a:effectRef>
-          <a:fontRef idx="minor">
-            <a:schemeClr val="dk1"/>
-          </a:fontRef>
-        </p:style>
-        <p:txBody>
-          <a:bodyPr rtlCol="0" anchor="ctr"/>
-          <a:lstStyle/>
-          <a:p>
-            <a:pPr algn="ctr"/>
-            <a:endParaRPr lang="en-CA"/>
-          </a:p>
-        </p:txBody>
-      </p:sp>
-      <p:sp>
-        <p:nvSpPr>
-          <p:cNvPr id="18" name="TextBox 17">
-            <a:extLst>
-              <a:ext uri="{FF2B5EF4-FFF2-40B4-BE49-F238E27FC236}">
-                <a16:creationId xmlns:a16="http://schemas.microsoft.com/office/drawing/2014/main" id="{5A171FCF-EE5D-4742-92FA-8A3E629E0D77}"/>
-              </a:ext>
-            </a:extLst>
-          </p:cNvPr>
-          <p:cNvSpPr txBox="1"/>
-          <p:nvPr/>
-        </p:nvSpPr>
-        <p:spPr>
-          <a:xfrm>
-            <a:off x="11372296" y="1607570"/>
-            <a:ext cx="1819922" cy="369332"/>
-          </a:xfrm>
-          <a:prstGeom prst="rect">
-            <a:avLst/>
-          </a:prstGeom>
-        </p:spPr>
-        <p:style>
-          <a:lnRef idx="2">
-            <a:schemeClr val="dk1"/>
-          </a:lnRef>
-          <a:fillRef idx="1">
-            <a:schemeClr val="lt1"/>
-          </a:fillRef>
-          <a:effectRef idx="0">
-            <a:schemeClr val="dk1"/>
-          </a:effectRef>
-          <a:fontRef idx="minor">
-            <a:schemeClr val="dk1"/>
-          </a:fontRef>
-        </p:style>
-        <p:txBody>
-          <a:bodyPr wrap="square" rtlCol="0">
-            <a:spAutoFit/>
-          </a:bodyPr>
-          <a:lstStyle/>
-          <a:p>
-            <a:pPr algn="ctr"/>
-            <a:r>
-              <a:rPr lang="en-US" dirty="0"/>
-              <a:t>Navigation</a:t>
-            </a:r>
-            <a:endParaRPr lang="en-CA" dirty="0"/>
-          </a:p>
-        </p:txBody>
-      </p:sp>
-      <p:sp>
-        <p:nvSpPr>
-          <p:cNvPr id="19" name="TextBox 18">
-            <a:extLst>
-              <a:ext uri="{FF2B5EF4-FFF2-40B4-BE49-F238E27FC236}">
-                <a16:creationId xmlns:a16="http://schemas.microsoft.com/office/drawing/2014/main" id="{6CC20745-403E-4B69-BFF3-C73A40D58505}"/>
-              </a:ext>
-            </a:extLst>
-          </p:cNvPr>
-          <p:cNvSpPr txBox="1"/>
-          <p:nvPr/>
-        </p:nvSpPr>
-        <p:spPr>
-          <a:xfrm>
-            <a:off x="4116280" y="92477"/>
-            <a:ext cx="1384916" cy="369332"/>
-          </a:xfrm>
-          <a:prstGeom prst="rect">
-            <a:avLst/>
-          </a:prstGeom>
-        </p:spPr>
-        <p:style>
-          <a:lnRef idx="2">
-            <a:schemeClr val="dk1"/>
-          </a:lnRef>
-          <a:fillRef idx="1">
-            <a:schemeClr val="lt1"/>
-          </a:fillRef>
-          <a:effectRef idx="0">
-            <a:schemeClr val="dk1"/>
-          </a:effectRef>
-          <a:fontRef idx="minor">
-            <a:schemeClr val="dk1"/>
-          </a:fontRef>
-        </p:style>
-        <p:txBody>
-          <a:bodyPr wrap="square" rtlCol="0">
-            <a:spAutoFit/>
-          </a:bodyPr>
-          <a:lstStyle/>
-          <a:p>
-            <a:pPr algn="ctr"/>
-            <a:r>
-              <a:rPr lang="en-US" dirty="0"/>
-              <a:t>Header</a:t>
-            </a:r>
-            <a:endParaRPr lang="en-CA" dirty="0"/>
-          </a:p>
-        </p:txBody>
-      </p:sp>
-      <p:cxnSp>
-        <p:nvCxnSpPr>
-          <p:cNvPr id="20" name="Straight Arrow Connector 19">
-            <a:extLst>
-              <a:ext uri="{FF2B5EF4-FFF2-40B4-BE49-F238E27FC236}">
-                <a16:creationId xmlns:a16="http://schemas.microsoft.com/office/drawing/2014/main" id="{AD41A316-D339-4199-AE85-50D5F4C6812D}"/>
-              </a:ext>
-            </a:extLst>
-          </p:cNvPr>
-          <p:cNvCxnSpPr/>
-          <p:nvPr/>
-        </p:nvCxnSpPr>
-        <p:spPr>
-          <a:xfrm>
-            <a:off x="923278" y="1313895"/>
-            <a:ext cx="701336" cy="0"/>
-          </a:xfrm>
-          <a:prstGeom prst="straightConnector1">
-            <a:avLst/>
-          </a:prstGeom>
-          <a:ln w="28575">
-            <a:tailEnd type="triangle"/>
-          </a:ln>
-        </p:spPr>
-        <p:style>
-          <a:lnRef idx="1">
-            <a:schemeClr val="accent1"/>
-          </a:lnRef>
-          <a:fillRef idx="0">
             <a:schemeClr val="accent1"/>
           </a:fillRef>
           <a:effectRef idx="0">
             <a:schemeClr val="accent1"/>
           </a:effectRef>
           <a:fontRef idx="minor">
-            <a:schemeClr val="tx1"/>
+            <a:schemeClr val="lt1"/>
           </a:fontRef>
         </p:style>
-      </p:cxnSp>
-      <p:cxnSp>
-        <p:nvCxnSpPr>
-          <p:cNvPr id="21" name="Straight Arrow Connector 20">
-            <a:extLst>
-              <a:ext uri="{FF2B5EF4-FFF2-40B4-BE49-F238E27FC236}">
-                <a16:creationId xmlns:a16="http://schemas.microsoft.com/office/drawing/2014/main" id="{7B6B184E-F9AA-4BF3-B860-C66438E63688}"/>
-              </a:ext>
-            </a:extLst>
-          </p:cNvPr>
-          <p:cNvCxnSpPr/>
-          <p:nvPr/>
-        </p:nvCxnSpPr>
-        <p:spPr>
-          <a:xfrm>
-            <a:off x="861134" y="6452301"/>
-            <a:ext cx="701336" cy="0"/>
-          </a:xfrm>
-          <a:prstGeom prst="straightConnector1">
-            <a:avLst/>
-          </a:prstGeom>
-          <a:ln w="28575">
-            <a:tailEnd type="triangle"/>
-          </a:ln>
+        <p:txBody>
+          <a:bodyPr rtlCol="0" anchor="ctr"/>
+          <a:lstStyle/>
+          <a:p>
+            <a:pPr algn="ctr"/>
+            <a:endParaRPr lang="en-CA"/>
+          </a:p>
+        </p:txBody>
+      </p:sp>
+      <p:sp>
+        <p:nvSpPr>
+          <p:cNvPr id="22" name="Oval 21">
+            <a:extLst>
+              <a:ext uri="{FF2B5EF4-FFF2-40B4-BE49-F238E27FC236}">
+                <a16:creationId xmlns:a16="http://schemas.microsoft.com/office/drawing/2014/main" id="{56EA1EA8-5852-4542-A691-FF124355DAC4}"/>
+              </a:ext>
+            </a:extLst>
+          </p:cNvPr>
+          <p:cNvSpPr/>
+          <p:nvPr/>
+        </p:nvSpPr>
+        <p:spPr>
+          <a:xfrm>
+            <a:off x="4896404" y="4044135"/>
+            <a:ext cx="144263" cy="144263"/>
+          </a:xfrm>
+          <a:prstGeom prst="ellipse">
+            <a:avLst/>
+          </a:prstGeom>
+          <a:solidFill>
+            <a:schemeClr val="bg1"/>
+          </a:solidFill>
         </p:spPr>
         <p:style>
-          <a:lnRef idx="1">
-            <a:schemeClr val="accent1"/>
+          <a:lnRef idx="2">
+            <a:schemeClr val="accent1">
+              <a:shade val="50000"/>
+            </a:schemeClr>
           </a:lnRef>
-          <a:fillRef idx="0">
+          <a:fillRef idx="1">
             <a:schemeClr val="accent1"/>
           </a:fillRef>
           <a:effectRef idx="0">
             <a:schemeClr val="accent1"/>
           </a:effectRef>
           <a:fontRef idx="minor">
-            <a:schemeClr val="tx1"/>
+            <a:schemeClr val="lt1"/>
           </a:fontRef>
         </p:style>
-      </p:cxnSp>
-      <p:cxnSp>
-        <p:nvCxnSpPr>
-          <p:cNvPr id="22" name="Straight Arrow Connector 21">
-            <a:extLst>
-              <a:ext uri="{FF2B5EF4-FFF2-40B4-BE49-F238E27FC236}">
-                <a16:creationId xmlns:a16="http://schemas.microsoft.com/office/drawing/2014/main" id="{CC6C8F75-DDEE-41BE-A79D-3D8743D3EFE4}"/>
-              </a:ext>
-            </a:extLst>
-          </p:cNvPr>
-          <p:cNvCxnSpPr/>
-          <p:nvPr/>
-        </p:nvCxnSpPr>
-        <p:spPr>
-          <a:xfrm flipH="1">
-            <a:off x="10348405" y="1792236"/>
-            <a:ext cx="1023891" cy="1"/>
-          </a:xfrm>
-          <a:prstGeom prst="straightConnector1">
-            <a:avLst/>
-          </a:prstGeom>
-          <a:ln w="28575">
-            <a:tailEnd type="triangle"/>
-          </a:ln>
+        <p:txBody>
+          <a:bodyPr rtlCol="0" anchor="ctr"/>
+          <a:lstStyle/>
+          <a:p>
+            <a:pPr algn="ctr"/>
+            <a:endParaRPr lang="en-CA"/>
+          </a:p>
+        </p:txBody>
+      </p:sp>
+      <p:sp>
+        <p:nvSpPr>
+          <p:cNvPr id="23" name="Oval 22">
+            <a:extLst>
+              <a:ext uri="{FF2B5EF4-FFF2-40B4-BE49-F238E27FC236}">
+                <a16:creationId xmlns:a16="http://schemas.microsoft.com/office/drawing/2014/main" id="{BA3A7BA3-4771-4E5A-811F-DEAFF744D53E}"/>
+              </a:ext>
+            </a:extLst>
+          </p:cNvPr>
+          <p:cNvSpPr/>
+          <p:nvPr/>
+        </p:nvSpPr>
+        <p:spPr>
+          <a:xfrm>
+            <a:off x="6023867" y="4044135"/>
+            <a:ext cx="144263" cy="144263"/>
+          </a:xfrm>
+          <a:prstGeom prst="ellipse">
+            <a:avLst/>
+          </a:prstGeom>
+          <a:solidFill>
+            <a:schemeClr val="bg1"/>
+          </a:solidFill>
         </p:spPr>
         <p:style>
-          <a:lnRef idx="1">
-            <a:schemeClr val="accent1"/>
+          <a:lnRef idx="2">
+            <a:schemeClr val="accent1">
+              <a:shade val="50000"/>
+            </a:schemeClr>
           </a:lnRef>
-          <a:fillRef idx="0">
+          <a:fillRef idx="1">
             <a:schemeClr val="accent1"/>
           </a:fillRef>
           <a:effectRef idx="0">
             <a:schemeClr val="accent1"/>
           </a:effectRef>
           <a:fontRef idx="minor">
-            <a:schemeClr val="tx1"/>
+            <a:schemeClr val="lt1"/>
           </a:fontRef>
         </p:style>
-      </p:cxnSp>
-      <p:cxnSp>
-        <p:nvCxnSpPr>
-          <p:cNvPr id="23" name="Straight Arrow Connector 22">
-            <a:extLst>
-              <a:ext uri="{FF2B5EF4-FFF2-40B4-BE49-F238E27FC236}">
-                <a16:creationId xmlns:a16="http://schemas.microsoft.com/office/drawing/2014/main" id="{B3587834-A958-43A4-83D2-FAB1CC020A9C}"/>
-              </a:ext>
-            </a:extLst>
-          </p:cNvPr>
-          <p:cNvCxnSpPr/>
-          <p:nvPr/>
-        </p:nvCxnSpPr>
-        <p:spPr>
-          <a:xfrm>
-            <a:off x="4808738" y="461809"/>
-            <a:ext cx="0" cy="701336"/>
-          </a:xfrm>
-          <a:prstGeom prst="straightConnector1">
-            <a:avLst/>
-          </a:prstGeom>
-          <a:ln w="28575">
-            <a:tailEnd type="triangle"/>
-          </a:ln>
+        <p:txBody>
+          <a:bodyPr rtlCol="0" anchor="ctr"/>
+          <a:lstStyle/>
+          <a:p>
+            <a:pPr algn="ctr"/>
+            <a:endParaRPr lang="en-CA"/>
+          </a:p>
+        </p:txBody>
+      </p:sp>
+      <p:sp>
+        <p:nvSpPr>
+          <p:cNvPr id="24" name="Oval 23">
+            <a:extLst>
+              <a:ext uri="{FF2B5EF4-FFF2-40B4-BE49-F238E27FC236}">
+                <a16:creationId xmlns:a16="http://schemas.microsoft.com/office/drawing/2014/main" id="{0FBE21C8-28FB-412C-92E0-6676F17B3091}"/>
+              </a:ext>
+            </a:extLst>
+          </p:cNvPr>
+          <p:cNvSpPr/>
+          <p:nvPr/>
+        </p:nvSpPr>
+        <p:spPr>
+          <a:xfrm>
+            <a:off x="7154289" y="4044134"/>
+            <a:ext cx="144263" cy="144263"/>
+          </a:xfrm>
+          <a:prstGeom prst="ellipse">
+            <a:avLst/>
+          </a:prstGeom>
+          <a:solidFill>
+            <a:schemeClr val="bg1"/>
+          </a:solidFill>
         </p:spPr>
         <p:style>
-          <a:lnRef idx="1">
-            <a:schemeClr val="accent1"/>
+          <a:lnRef idx="2">
+            <a:schemeClr val="accent1">
+              <a:shade val="50000"/>
+            </a:schemeClr>
           </a:lnRef>
-          <a:fillRef idx="0">
+          <a:fillRef idx="1">
             <a:schemeClr val="accent1"/>
           </a:fillRef>
           <a:effectRef idx="0">
             <a:schemeClr val="accent1"/>
           </a:effectRef>
           <a:fontRef idx="minor">
-            <a:schemeClr val="tx1"/>
+            <a:schemeClr val="lt1"/>
           </a:fontRef>
         </p:style>
-      </p:cxnSp>
-      <p:sp>
-        <p:nvSpPr>
-          <p:cNvPr id="24" name="Rectangle 23">
-            <a:extLst>
-              <a:ext uri="{FF2B5EF4-FFF2-40B4-BE49-F238E27FC236}">
-                <a16:creationId xmlns:a16="http://schemas.microsoft.com/office/drawing/2014/main" id="{68F16743-D770-47B3-A1A8-81E1A1BBA18D}"/>
-              </a:ext>
-            </a:extLst>
-          </p:cNvPr>
-          <p:cNvSpPr/>
-          <p:nvPr/>
-        </p:nvSpPr>
-        <p:spPr>
-          <a:xfrm>
-            <a:off x="3803297" y="3143505"/>
-            <a:ext cx="1189738" cy="1492048"/>
+        <p:txBody>
+          <a:bodyPr rtlCol="0" anchor="ctr"/>
+          <a:lstStyle/>
+          <a:p>
+            <a:pPr algn="ctr"/>
+            <a:endParaRPr lang="en-CA"/>
+          </a:p>
+        </p:txBody>
+      </p:sp>
+      <p:sp>
+        <p:nvSpPr>
+          <p:cNvPr id="26" name="TextBox 25">
+            <a:extLst>
+              <a:ext uri="{FF2B5EF4-FFF2-40B4-BE49-F238E27FC236}">
+                <a16:creationId xmlns:a16="http://schemas.microsoft.com/office/drawing/2014/main" id="{5545C289-EB30-45C7-9F67-B2E4795CC091}"/>
+              </a:ext>
+            </a:extLst>
+          </p:cNvPr>
+          <p:cNvSpPr txBox="1"/>
+          <p:nvPr/>
+        </p:nvSpPr>
+        <p:spPr>
+          <a:xfrm>
+            <a:off x="4865702" y="4453336"/>
+            <a:ext cx="5994648" cy="923330"/>
           </a:xfrm>
           <a:prstGeom prst="rect">
             <a:avLst/>
@@ -10820,30 +8366,95 @@
           </a:fontRef>
         </p:style>
         <p:txBody>
-          <a:bodyPr rtlCol="0" anchor="ctr"/>
-          <a:lstStyle/>
-          <a:p>
-            <a:pPr algn="ctr"/>
-            <a:endParaRPr lang="en-CA"/>
-          </a:p>
-        </p:txBody>
-      </p:sp>
-      <p:sp>
-        <p:nvSpPr>
-          <p:cNvPr id="25" name="Rectangle 24">
-            <a:extLst>
-              <a:ext uri="{FF2B5EF4-FFF2-40B4-BE49-F238E27FC236}">
-                <a16:creationId xmlns:a16="http://schemas.microsoft.com/office/drawing/2014/main" id="{1CDF292F-A6ED-4CE9-AEA0-A42DEA2F6E05}"/>
-              </a:ext>
-            </a:extLst>
-          </p:cNvPr>
-          <p:cNvSpPr/>
-          <p:nvPr/>
-        </p:nvSpPr>
-        <p:spPr>
-          <a:xfrm>
-            <a:off x="4993035" y="3143505"/>
-            <a:ext cx="1189738" cy="1492048"/>
+          <a:bodyPr wrap="square" rtlCol="0">
+            <a:spAutoFit/>
+          </a:bodyPr>
+          <a:lstStyle/>
+          <a:p>
+            <a:r>
+              <a:rPr lang="en-US" dirty="0">
+                <a:solidFill>
+                  <a:schemeClr val="bg1">
+                    <a:lumMod val="50000"/>
+                  </a:schemeClr>
+                </a:solidFill>
+              </a:rPr>
+              <a:t>I am sure you will get back in your feet in no time. Please be strong.</a:t>
+            </a:r>
+          </a:p>
+          <a:p>
+            <a:r>
+              <a:rPr lang="en-US" dirty="0">
+                <a:solidFill>
+                  <a:schemeClr val="bg1">
+                    <a:lumMod val="50000"/>
+                  </a:schemeClr>
+                </a:solidFill>
+              </a:rPr>
+              <a:t>Your best friend, Paul.</a:t>
+            </a:r>
+            <a:endParaRPr lang="en-CA" dirty="0">
+              <a:solidFill>
+                <a:schemeClr val="bg1">
+                  <a:lumMod val="50000"/>
+                </a:schemeClr>
+              </a:solidFill>
+            </a:endParaRPr>
+          </a:p>
+        </p:txBody>
+      </p:sp>
+      <p:sp>
+        <p:nvSpPr>
+          <p:cNvPr id="28" name="TextBox 27">
+            <a:extLst>
+              <a:ext uri="{FF2B5EF4-FFF2-40B4-BE49-F238E27FC236}">
+                <a16:creationId xmlns:a16="http://schemas.microsoft.com/office/drawing/2014/main" id="{B1C27B43-9CCD-415F-A439-6EDA619E369C}"/>
+              </a:ext>
+            </a:extLst>
+          </p:cNvPr>
+          <p:cNvSpPr txBox="1"/>
+          <p:nvPr/>
+        </p:nvSpPr>
+        <p:spPr>
+          <a:xfrm>
+            <a:off x="2048521" y="4627154"/>
+            <a:ext cx="2894859" cy="369332"/>
+          </a:xfrm>
+          <a:prstGeom prst="rect">
+            <a:avLst/>
+          </a:prstGeom>
+          <a:noFill/>
+        </p:spPr>
+        <p:txBody>
+          <a:bodyPr wrap="square" rtlCol="0">
+            <a:spAutoFit/>
+          </a:bodyPr>
+          <a:lstStyle/>
+          <a:p>
+            <a:r>
+              <a:rPr lang="en-US" dirty="0"/>
+              <a:t>Send your good thought:</a:t>
+            </a:r>
+            <a:endParaRPr lang="en-CA" dirty="0"/>
+          </a:p>
+        </p:txBody>
+      </p:sp>
+      <p:sp>
+        <p:nvSpPr>
+          <p:cNvPr id="29" name="TextBox 28">
+            <a:extLst>
+              <a:ext uri="{FF2B5EF4-FFF2-40B4-BE49-F238E27FC236}">
+                <a16:creationId xmlns:a16="http://schemas.microsoft.com/office/drawing/2014/main" id="{26A6E2F5-1A7D-4607-967D-82596F73F39E}"/>
+              </a:ext>
+            </a:extLst>
+          </p:cNvPr>
+          <p:cNvSpPr txBox="1"/>
+          <p:nvPr/>
+        </p:nvSpPr>
+        <p:spPr>
+          <a:xfrm>
+            <a:off x="5159405" y="5603701"/>
+            <a:ext cx="1189608" cy="369332"/>
           </a:xfrm>
           <a:prstGeom prst="rect">
             <a:avLst/>
@@ -10864,6 +8475,102 @@
           </a:fontRef>
         </p:style>
         <p:txBody>
+          <a:bodyPr wrap="square" rtlCol="0">
+            <a:spAutoFit/>
+          </a:bodyPr>
+          <a:lstStyle/>
+          <a:p>
+            <a:pPr algn="ctr"/>
+            <a:r>
+              <a:rPr lang="en-US" dirty="0"/>
+              <a:t>Submit</a:t>
+            </a:r>
+            <a:endParaRPr lang="en-CA" dirty="0"/>
+          </a:p>
+        </p:txBody>
+      </p:sp>
+      <p:sp>
+        <p:nvSpPr>
+          <p:cNvPr id="30" name="TextBox 29">
+            <a:extLst>
+              <a:ext uri="{FF2B5EF4-FFF2-40B4-BE49-F238E27FC236}">
+                <a16:creationId xmlns:a16="http://schemas.microsoft.com/office/drawing/2014/main" id="{37CA3703-1A9C-499D-BEA0-2DC5E0AE42EB}"/>
+              </a:ext>
+            </a:extLst>
+          </p:cNvPr>
+          <p:cNvSpPr txBox="1"/>
+          <p:nvPr/>
+        </p:nvSpPr>
+        <p:spPr>
+          <a:xfrm>
+            <a:off x="2048521" y="5815333"/>
+            <a:ext cx="1899822" cy="307777"/>
+          </a:xfrm>
+          <a:prstGeom prst="rect">
+            <a:avLst/>
+          </a:prstGeom>
+          <a:noFill/>
+        </p:spPr>
+        <p:txBody>
+          <a:bodyPr wrap="square" rtlCol="0">
+            <a:spAutoFit/>
+          </a:bodyPr>
+          <a:lstStyle/>
+          <a:p>
+            <a:r>
+              <a:rPr lang="en-US" sz="1400" dirty="0">
+                <a:solidFill>
+                  <a:srgbClr val="FF0000"/>
+                </a:solidFill>
+              </a:rPr>
+              <a:t>*</a:t>
+            </a:r>
+            <a:r>
+              <a:rPr lang="en-US" sz="1400" dirty="0"/>
+              <a:t>Field required</a:t>
+            </a:r>
+            <a:endParaRPr lang="en-CA" sz="1400" dirty="0"/>
+          </a:p>
+        </p:txBody>
+      </p:sp>
+      <p:sp>
+        <p:nvSpPr>
+          <p:cNvPr id="33" name="Oval 32">
+            <a:extLst>
+              <a:ext uri="{FF2B5EF4-FFF2-40B4-BE49-F238E27FC236}">
+                <a16:creationId xmlns:a16="http://schemas.microsoft.com/office/drawing/2014/main" id="{5B9EBDBF-DA28-4539-92D4-0CA9E73414D3}"/>
+              </a:ext>
+            </a:extLst>
+          </p:cNvPr>
+          <p:cNvSpPr/>
+          <p:nvPr/>
+        </p:nvSpPr>
+        <p:spPr>
+          <a:xfrm>
+            <a:off x="3807857" y="4089697"/>
+            <a:ext cx="63472" cy="55115"/>
+          </a:xfrm>
+          <a:prstGeom prst="ellipse">
+            <a:avLst/>
+          </a:prstGeom>
+        </p:spPr>
+        <p:style>
+          <a:lnRef idx="2">
+            <a:schemeClr val="accent6">
+              <a:shade val="50000"/>
+            </a:schemeClr>
+          </a:lnRef>
+          <a:fillRef idx="1">
+            <a:schemeClr val="accent6"/>
+          </a:fillRef>
+          <a:effectRef idx="0">
+            <a:schemeClr val="accent6"/>
+          </a:effectRef>
+          <a:fontRef idx="minor">
+            <a:schemeClr val="lt1"/>
+          </a:fontRef>
+        </p:style>
+        <p:txBody>
           <a:bodyPr rtlCol="0" anchor="ctr"/>
           <a:lstStyle/>
           <a:p>
@@ -10874,20 +8581,20 @@
       </p:sp>
       <p:sp>
         <p:nvSpPr>
-          <p:cNvPr id="26" name="Rectangle 25">
-            <a:extLst>
-              <a:ext uri="{FF2B5EF4-FFF2-40B4-BE49-F238E27FC236}">
-                <a16:creationId xmlns:a16="http://schemas.microsoft.com/office/drawing/2014/main" id="{B1D185CA-A989-4B1A-8F8F-7AFA3B023CDB}"/>
-              </a:ext>
-            </a:extLst>
-          </p:cNvPr>
-          <p:cNvSpPr/>
-          <p:nvPr/>
-        </p:nvSpPr>
-        <p:spPr>
-          <a:xfrm>
-            <a:off x="6363288" y="3153513"/>
-            <a:ext cx="1189738" cy="1492048"/>
+          <p:cNvPr id="41" name="TextBox 40">
+            <a:extLst>
+              <a:ext uri="{FF2B5EF4-FFF2-40B4-BE49-F238E27FC236}">
+                <a16:creationId xmlns:a16="http://schemas.microsoft.com/office/drawing/2014/main" id="{62A325FE-4086-4240-AA82-753A0CE5D330}"/>
+              </a:ext>
+            </a:extLst>
+          </p:cNvPr>
+          <p:cNvSpPr txBox="1"/>
+          <p:nvPr/>
+        </p:nvSpPr>
+        <p:spPr>
+          <a:xfrm>
+            <a:off x="1358837" y="1254703"/>
+            <a:ext cx="2831976" cy="369332"/>
           </a:xfrm>
           <a:prstGeom prst="rect">
             <a:avLst/>
@@ -10908,30 +8615,47 @@
           </a:fontRef>
         </p:style>
         <p:txBody>
-          <a:bodyPr rtlCol="0" anchor="ctr"/>
-          <a:lstStyle/>
-          <a:p>
-            <a:pPr algn="ctr"/>
-            <a:endParaRPr lang="en-CA"/>
-          </a:p>
-        </p:txBody>
-      </p:sp>
-      <p:sp>
-        <p:nvSpPr>
-          <p:cNvPr id="27" name="Rectangle 26">
-            <a:extLst>
-              <a:ext uri="{FF2B5EF4-FFF2-40B4-BE49-F238E27FC236}">
-                <a16:creationId xmlns:a16="http://schemas.microsoft.com/office/drawing/2014/main" id="{41832250-83C4-4C0F-AB80-14F524D5A565}"/>
-              </a:ext>
-            </a:extLst>
-          </p:cNvPr>
-          <p:cNvSpPr/>
-          <p:nvPr/>
-        </p:nvSpPr>
-        <p:spPr>
-          <a:xfrm>
-            <a:off x="7553026" y="3153513"/>
-            <a:ext cx="1189738" cy="1492048"/>
+          <a:bodyPr wrap="square" rtlCol="0">
+            <a:spAutoFit/>
+          </a:bodyPr>
+          <a:lstStyle/>
+          <a:p>
+            <a:r>
+              <a:rPr lang="en-US" dirty="0">
+                <a:solidFill>
+                  <a:schemeClr val="bg1">
+                    <a:lumMod val="65000"/>
+                  </a:schemeClr>
+                </a:solidFill>
+              </a:rPr>
+              <a:t>Jack</a:t>
+            </a:r>
+            <a:endParaRPr lang="en-CA" dirty="0">
+              <a:solidFill>
+                <a:schemeClr val="bg1">
+                  <a:lumMod val="65000"/>
+                </a:schemeClr>
+              </a:solidFill>
+            </a:endParaRPr>
+          </a:p>
+        </p:txBody>
+      </p:sp>
+      <p:sp>
+        <p:nvSpPr>
+          <p:cNvPr id="42" name="TextBox 41">
+            <a:extLst>
+              <a:ext uri="{FF2B5EF4-FFF2-40B4-BE49-F238E27FC236}">
+                <a16:creationId xmlns:a16="http://schemas.microsoft.com/office/drawing/2014/main" id="{19F65268-1A7B-4AAE-8A6A-A06DFF6ED467}"/>
+              </a:ext>
+            </a:extLst>
+          </p:cNvPr>
+          <p:cNvSpPr txBox="1"/>
+          <p:nvPr/>
+        </p:nvSpPr>
+        <p:spPr>
+          <a:xfrm>
+            <a:off x="7555177" y="1234835"/>
+            <a:ext cx="3187081" cy="369332"/>
           </a:xfrm>
           <a:prstGeom prst="rect">
             <a:avLst/>
@@ -10952,46 +8676,62 @@
           </a:fontRef>
         </p:style>
         <p:txBody>
-          <a:bodyPr rtlCol="0" anchor="ctr"/>
-          <a:lstStyle/>
-          <a:p>
-            <a:pPr algn="ctr"/>
-            <a:endParaRPr lang="en-CA"/>
-          </a:p>
-        </p:txBody>
-      </p:sp>
-      <p:sp>
-        <p:nvSpPr>
-          <p:cNvPr id="28" name="TextBox 27">
-            <a:extLst>
-              <a:ext uri="{FF2B5EF4-FFF2-40B4-BE49-F238E27FC236}">
-                <a16:creationId xmlns:a16="http://schemas.microsoft.com/office/drawing/2014/main" id="{D1C2EFC3-5C46-43D0-836C-F35C4AF35867}"/>
-              </a:ext>
-            </a:extLst>
-          </p:cNvPr>
-          <p:cNvSpPr txBox="1"/>
-          <p:nvPr/>
-        </p:nvSpPr>
-        <p:spPr>
-          <a:xfrm>
-            <a:off x="4481221" y="2629192"/>
-            <a:ext cx="3746377" cy="369332"/>
-          </a:xfrm>
-          <a:prstGeom prst="rect">
-            <a:avLst/>
-          </a:prstGeom>
-          <a:noFill/>
-        </p:spPr>
-        <p:txBody>
           <a:bodyPr wrap="square" rtlCol="0">
             <a:spAutoFit/>
           </a:bodyPr>
           <a:lstStyle/>
           <a:p>
-            <a:pPr algn="ctr"/>
+            <a:r>
+              <a:rPr lang="en-US" dirty="0">
+                <a:solidFill>
+                  <a:schemeClr val="bg1">
+                    <a:lumMod val="65000"/>
+                  </a:schemeClr>
+                </a:solidFill>
+              </a:rPr>
+              <a:t>jack@example.com</a:t>
+            </a:r>
+            <a:endParaRPr lang="en-CA" dirty="0">
+              <a:solidFill>
+                <a:schemeClr val="bg1">
+                  <a:lumMod val="65000"/>
+                </a:schemeClr>
+              </a:solidFill>
+            </a:endParaRPr>
+          </a:p>
+        </p:txBody>
+      </p:sp>
+      <p:sp>
+        <p:nvSpPr>
+          <p:cNvPr id="43" name="TextBox 42">
+            <a:extLst>
+              <a:ext uri="{FF2B5EF4-FFF2-40B4-BE49-F238E27FC236}">
+                <a16:creationId xmlns:a16="http://schemas.microsoft.com/office/drawing/2014/main" id="{AC790133-1BF7-45AE-ACE4-5246FA069985}"/>
+              </a:ext>
+            </a:extLst>
+          </p:cNvPr>
+          <p:cNvSpPr txBox="1"/>
+          <p:nvPr/>
+        </p:nvSpPr>
+        <p:spPr>
+          <a:xfrm>
+            <a:off x="4422751" y="779251"/>
+            <a:ext cx="2325950" cy="369332"/>
+          </a:xfrm>
+          <a:prstGeom prst="rect">
+            <a:avLst/>
+          </a:prstGeom>
+          <a:noFill/>
+        </p:spPr>
+        <p:txBody>
+          <a:bodyPr wrap="square" rtlCol="0">
+            <a:spAutoFit/>
+          </a:bodyPr>
+          <a:lstStyle/>
+          <a:p>
             <a:r>
               <a:rPr lang="en-US" dirty="0"/>
-              <a:t>Please review your card:</a:t>
+              <a:t>Room Number:</a:t>
             </a:r>
             <a:endParaRPr lang="en-CA" dirty="0"/>
           </a:p>
@@ -10999,10 +8739,10 @@
       </p:sp>
       <p:sp>
         <p:nvSpPr>
-          <p:cNvPr id="29" name="TextBox 28">
-            <a:extLst>
-              <a:ext uri="{FF2B5EF4-FFF2-40B4-BE49-F238E27FC236}">
-                <a16:creationId xmlns:a16="http://schemas.microsoft.com/office/drawing/2014/main" id="{4FD2B8BF-5013-45C8-A1E9-4278A6FD428C}"/>
+          <p:cNvPr id="44" name="TextBox 43">
+            <a:extLst>
+              <a:ext uri="{FF2B5EF4-FFF2-40B4-BE49-F238E27FC236}">
+                <a16:creationId xmlns:a16="http://schemas.microsoft.com/office/drawing/2014/main" id="{8BAF5D9A-ECB8-4CEA-BF87-3F382684B575}"/>
               </a:ext>
             </a:extLst>
           </p:cNvPr>
@@ -11011,8 +8751,152 @@
         </p:nvSpPr>
         <p:spPr>
           <a:xfrm>
-            <a:off x="4973933" y="4995000"/>
-            <a:ext cx="1189608" cy="369332"/>
+            <a:off x="1274870" y="806095"/>
+            <a:ext cx="2638146" cy="369332"/>
+          </a:xfrm>
+          <a:prstGeom prst="rect">
+            <a:avLst/>
+          </a:prstGeom>
+          <a:noFill/>
+        </p:spPr>
+        <p:txBody>
+          <a:bodyPr wrap="square" rtlCol="0">
+            <a:spAutoFit/>
+          </a:bodyPr>
+          <a:lstStyle/>
+          <a:p>
+            <a:r>
+              <a:rPr lang="en-US" dirty="0"/>
+              <a:t>Patient’s name:</a:t>
+            </a:r>
+            <a:endParaRPr lang="en-CA" dirty="0"/>
+          </a:p>
+        </p:txBody>
+      </p:sp>
+      <p:sp>
+        <p:nvSpPr>
+          <p:cNvPr id="45" name="TextBox 44">
+            <a:extLst>
+              <a:ext uri="{FF2B5EF4-FFF2-40B4-BE49-F238E27FC236}">
+                <a16:creationId xmlns:a16="http://schemas.microsoft.com/office/drawing/2014/main" id="{DD04C44C-974F-4684-8A25-D00C7C55FC2F}"/>
+              </a:ext>
+            </a:extLst>
+          </p:cNvPr>
+          <p:cNvSpPr txBox="1"/>
+          <p:nvPr/>
+        </p:nvSpPr>
+        <p:spPr>
+          <a:xfrm>
+            <a:off x="7586249" y="793094"/>
+            <a:ext cx="2025590" cy="369332"/>
+          </a:xfrm>
+          <a:prstGeom prst="rect">
+            <a:avLst/>
+          </a:prstGeom>
+          <a:noFill/>
+        </p:spPr>
+        <p:txBody>
+          <a:bodyPr wrap="square" rtlCol="0">
+            <a:spAutoFit/>
+          </a:bodyPr>
+          <a:lstStyle/>
+          <a:p>
+            <a:r>
+              <a:rPr lang="en-US" dirty="0"/>
+              <a:t>Patient’s email:</a:t>
+            </a:r>
+            <a:endParaRPr lang="en-CA" dirty="0"/>
+          </a:p>
+        </p:txBody>
+      </p:sp>
+      <p:sp>
+        <p:nvSpPr>
+          <p:cNvPr id="46" name="TextBox 45">
+            <a:extLst>
+              <a:ext uri="{FF2B5EF4-FFF2-40B4-BE49-F238E27FC236}">
+                <a16:creationId xmlns:a16="http://schemas.microsoft.com/office/drawing/2014/main" id="{E0CE57C9-35E0-4985-B9CC-BCE0A64FA195}"/>
+              </a:ext>
+            </a:extLst>
+          </p:cNvPr>
+          <p:cNvSpPr txBox="1"/>
+          <p:nvPr/>
+        </p:nvSpPr>
+        <p:spPr>
+          <a:xfrm>
+            <a:off x="1271169" y="1727708"/>
+            <a:ext cx="2290439" cy="369332"/>
+          </a:xfrm>
+          <a:prstGeom prst="rect">
+            <a:avLst/>
+          </a:prstGeom>
+          <a:noFill/>
+        </p:spPr>
+        <p:txBody>
+          <a:bodyPr wrap="square" rtlCol="0">
+            <a:spAutoFit/>
+          </a:bodyPr>
+          <a:lstStyle/>
+          <a:p>
+            <a:r>
+              <a:rPr lang="en-US" dirty="0"/>
+              <a:t>Your name:</a:t>
+            </a:r>
+            <a:endParaRPr lang="en-CA" dirty="0"/>
+          </a:p>
+        </p:txBody>
+      </p:sp>
+      <p:sp>
+        <p:nvSpPr>
+          <p:cNvPr id="47" name="TextBox 46">
+            <a:extLst>
+              <a:ext uri="{FF2B5EF4-FFF2-40B4-BE49-F238E27FC236}">
+                <a16:creationId xmlns:a16="http://schemas.microsoft.com/office/drawing/2014/main" id="{9FA961C4-FA60-4A4E-B650-B7FDC8CCCDA8}"/>
+              </a:ext>
+            </a:extLst>
+          </p:cNvPr>
+          <p:cNvSpPr txBox="1"/>
+          <p:nvPr/>
+        </p:nvSpPr>
+        <p:spPr>
+          <a:xfrm>
+            <a:off x="7680941" y="1707475"/>
+            <a:ext cx="1376039" cy="369332"/>
+          </a:xfrm>
+          <a:prstGeom prst="rect">
+            <a:avLst/>
+          </a:prstGeom>
+          <a:noFill/>
+        </p:spPr>
+        <p:txBody>
+          <a:bodyPr wrap="square" rtlCol="0">
+            <a:spAutoFit/>
+          </a:bodyPr>
+          <a:lstStyle/>
+          <a:p>
+            <a:r>
+              <a:rPr lang="en-US" dirty="0"/>
+              <a:t>Your Email:</a:t>
+            </a:r>
+            <a:endParaRPr lang="en-CA" dirty="0"/>
+          </a:p>
+        </p:txBody>
+      </p:sp>
+      <p:sp>
+        <p:nvSpPr>
+          <p:cNvPr id="48" name="TextBox 47">
+            <a:extLst>
+              <a:ext uri="{FF2B5EF4-FFF2-40B4-BE49-F238E27FC236}">
+                <a16:creationId xmlns:a16="http://schemas.microsoft.com/office/drawing/2014/main" id="{46247F7F-908C-40F3-8DD5-4E8C5C1EB2B5}"/>
+              </a:ext>
+            </a:extLst>
+          </p:cNvPr>
+          <p:cNvSpPr txBox="1"/>
+          <p:nvPr/>
+        </p:nvSpPr>
+        <p:spPr>
+          <a:xfrm>
+            <a:off x="4460104" y="2062112"/>
+            <a:ext cx="2831976" cy="369332"/>
           </a:xfrm>
           <a:prstGeom prst="rect">
             <a:avLst/>
@@ -11038,10 +8922,57 @@
           </a:bodyPr>
           <a:lstStyle/>
           <a:p>
-            <a:pPr algn="ctr"/>
+            <a:r>
+              <a:rPr lang="en-US" dirty="0">
+                <a:solidFill>
+                  <a:schemeClr val="bg1">
+                    <a:lumMod val="65000"/>
+                  </a:schemeClr>
+                </a:solidFill>
+              </a:rPr>
+              <a:t>6471234567</a:t>
+            </a:r>
+            <a:endParaRPr lang="en-CA" dirty="0">
+              <a:solidFill>
+                <a:schemeClr val="bg1">
+                  <a:lumMod val="65000"/>
+                </a:schemeClr>
+              </a:solidFill>
+            </a:endParaRPr>
+          </a:p>
+        </p:txBody>
+      </p:sp>
+      <p:sp>
+        <p:nvSpPr>
+          <p:cNvPr id="49" name="TextBox 48">
+            <a:extLst>
+              <a:ext uri="{FF2B5EF4-FFF2-40B4-BE49-F238E27FC236}">
+                <a16:creationId xmlns:a16="http://schemas.microsoft.com/office/drawing/2014/main" id="{A87E55FF-57E0-41A6-86C8-C318424667FC}"/>
+              </a:ext>
+            </a:extLst>
+          </p:cNvPr>
+          <p:cNvSpPr txBox="1"/>
+          <p:nvPr/>
+        </p:nvSpPr>
+        <p:spPr>
+          <a:xfrm>
+            <a:off x="4434950" y="1622359"/>
+            <a:ext cx="2325950" cy="369332"/>
+          </a:xfrm>
+          <a:prstGeom prst="rect">
+            <a:avLst/>
+          </a:prstGeom>
+          <a:noFill/>
+        </p:spPr>
+        <p:txBody>
+          <a:bodyPr wrap="square" rtlCol="0">
+            <a:spAutoFit/>
+          </a:bodyPr>
+          <a:lstStyle/>
+          <a:p>
             <a:r>
               <a:rPr lang="en-US" dirty="0"/>
-              <a:t>Edit</a:t>
+              <a:t>Your phone:</a:t>
             </a:r>
             <a:endParaRPr lang="en-CA" dirty="0"/>
           </a:p>
@@ -11049,10 +8980,10 @@
       </p:sp>
       <p:sp>
         <p:nvSpPr>
-          <p:cNvPr id="30" name="TextBox 29">
-            <a:extLst>
-              <a:ext uri="{FF2B5EF4-FFF2-40B4-BE49-F238E27FC236}">
-                <a16:creationId xmlns:a16="http://schemas.microsoft.com/office/drawing/2014/main" id="{82261E78-616E-4680-B21B-387988C6D854}"/>
+          <p:cNvPr id="50" name="TextBox 49">
+            <a:extLst>
+              <a:ext uri="{FF2B5EF4-FFF2-40B4-BE49-F238E27FC236}">
+                <a16:creationId xmlns:a16="http://schemas.microsoft.com/office/drawing/2014/main" id="{A0029CB8-C1C2-4FC5-A655-EF2EF4033B77}"/>
               </a:ext>
             </a:extLst>
           </p:cNvPr>
@@ -11061,8 +8992,8 @@
         </p:nvSpPr>
         <p:spPr>
           <a:xfrm>
-            <a:off x="6354410" y="4995000"/>
-            <a:ext cx="1189608" cy="369332"/>
+            <a:off x="1358837" y="2080590"/>
+            <a:ext cx="2831976" cy="369332"/>
           </a:xfrm>
           <a:prstGeom prst="rect">
             <a:avLst/>
@@ -11088,21 +9019,32 @@
           </a:bodyPr>
           <a:lstStyle/>
           <a:p>
-            <a:pPr algn="ctr"/>
-            <a:r>
-              <a:rPr lang="en-US" dirty="0"/>
-              <a:t>Delete</a:t>
-            </a:r>
-            <a:endParaRPr lang="en-CA" dirty="0"/>
-          </a:p>
-        </p:txBody>
-      </p:sp>
-      <p:sp>
-        <p:nvSpPr>
-          <p:cNvPr id="31" name="TextBox 30">
-            <a:extLst>
-              <a:ext uri="{FF2B5EF4-FFF2-40B4-BE49-F238E27FC236}">
-                <a16:creationId xmlns:a16="http://schemas.microsoft.com/office/drawing/2014/main" id="{0E01A9AD-D5E4-4085-8EC8-8C39ED8B8D3C}"/>
+            <a:r>
+              <a:rPr lang="en-US" dirty="0">
+                <a:solidFill>
+                  <a:schemeClr val="bg1">
+                    <a:lumMod val="65000"/>
+                  </a:schemeClr>
+                </a:solidFill>
+              </a:rPr>
+              <a:t>Paul</a:t>
+            </a:r>
+            <a:endParaRPr lang="en-CA" dirty="0">
+              <a:solidFill>
+                <a:schemeClr val="bg1">
+                  <a:lumMod val="65000"/>
+                </a:schemeClr>
+              </a:solidFill>
+            </a:endParaRPr>
+          </a:p>
+        </p:txBody>
+      </p:sp>
+      <p:sp>
+        <p:nvSpPr>
+          <p:cNvPr id="51" name="TextBox 50">
+            <a:extLst>
+              <a:ext uri="{FF2B5EF4-FFF2-40B4-BE49-F238E27FC236}">
+                <a16:creationId xmlns:a16="http://schemas.microsoft.com/office/drawing/2014/main" id="{24DDDD2B-5504-481A-B3B2-A837EC10A6EC}"/>
               </a:ext>
             </a:extLst>
           </p:cNvPr>
@@ -11111,8 +9053,8 @@
         </p:nvSpPr>
         <p:spPr>
           <a:xfrm>
-            <a:off x="5738889" y="5576374"/>
-            <a:ext cx="1189608" cy="369332"/>
+            <a:off x="4494130" y="1228107"/>
+            <a:ext cx="2831976" cy="369332"/>
           </a:xfrm>
           <a:prstGeom prst="rect">
             <a:avLst/>
@@ -11138,31 +9080,42 @@
           </a:bodyPr>
           <a:lstStyle/>
           <a:p>
-            <a:pPr algn="ctr"/>
-            <a:r>
-              <a:rPr lang="en-US" dirty="0"/>
-              <a:t>Send</a:t>
-            </a:r>
-            <a:endParaRPr lang="en-CA" dirty="0"/>
-          </a:p>
-        </p:txBody>
-      </p:sp>
-      <p:sp>
-        <p:nvSpPr>
-          <p:cNvPr id="32" name="Rectangle 31">
-            <a:extLst>
-              <a:ext uri="{FF2B5EF4-FFF2-40B4-BE49-F238E27FC236}">
-                <a16:creationId xmlns:a16="http://schemas.microsoft.com/office/drawing/2014/main" id="{0C6AE2E1-4714-4CAA-BB82-D50FA8477F63}"/>
-              </a:ext>
-            </a:extLst>
-          </p:cNvPr>
-          <p:cNvSpPr/>
-          <p:nvPr/>
-        </p:nvSpPr>
-        <p:spPr>
-          <a:xfrm>
-            <a:off x="1624614" y="949911"/>
-            <a:ext cx="1455937" cy="701336"/>
+            <a:r>
+              <a:rPr lang="en-US" dirty="0">
+                <a:solidFill>
+                  <a:schemeClr val="bg1">
+                    <a:lumMod val="65000"/>
+                  </a:schemeClr>
+                </a:solidFill>
+              </a:rPr>
+              <a:t>A113</a:t>
+            </a:r>
+            <a:endParaRPr lang="en-CA" dirty="0">
+              <a:solidFill>
+                <a:schemeClr val="bg1">
+                  <a:lumMod val="65000"/>
+                </a:schemeClr>
+              </a:solidFill>
+            </a:endParaRPr>
+          </a:p>
+        </p:txBody>
+      </p:sp>
+      <p:sp>
+        <p:nvSpPr>
+          <p:cNvPr id="52" name="TextBox 51">
+            <a:extLst>
+              <a:ext uri="{FF2B5EF4-FFF2-40B4-BE49-F238E27FC236}">
+                <a16:creationId xmlns:a16="http://schemas.microsoft.com/office/drawing/2014/main" id="{9C9F67DB-EB89-4619-8C5F-1E7F9D45EFF2}"/>
+              </a:ext>
+            </a:extLst>
+          </p:cNvPr>
+          <p:cNvSpPr txBox="1"/>
+          <p:nvPr/>
+        </p:nvSpPr>
+        <p:spPr>
+          <a:xfrm>
+            <a:off x="7555177" y="2082662"/>
+            <a:ext cx="3187082" cy="369332"/>
           </a:xfrm>
           <a:prstGeom prst="rect">
             <a:avLst/>
@@ -11183,317 +9136,26 @@
           </a:fontRef>
         </p:style>
         <p:txBody>
-          <a:bodyPr rtlCol="0" anchor="ctr"/>
-          <a:lstStyle/>
-          <a:p>
-            <a:pPr algn="ctr"/>
-            <a:endParaRPr lang="en-CA"/>
-          </a:p>
-        </p:txBody>
-      </p:sp>
-      <p:sp>
-        <p:nvSpPr>
-          <p:cNvPr id="34" name="Flowchart: Process 33">
-            <a:extLst>
-              <a:ext uri="{FF2B5EF4-FFF2-40B4-BE49-F238E27FC236}">
-                <a16:creationId xmlns:a16="http://schemas.microsoft.com/office/drawing/2014/main" id="{553E1AF1-AECD-4988-93C7-C995D625B2C3}"/>
-              </a:ext>
-            </a:extLst>
-          </p:cNvPr>
-          <p:cNvSpPr/>
-          <p:nvPr/>
-        </p:nvSpPr>
-        <p:spPr>
-          <a:xfrm>
-            <a:off x="3151573" y="1976902"/>
-            <a:ext cx="5885895" cy="506092"/>
-          </a:xfrm>
-          <a:prstGeom prst="flowChartProcess">
-            <a:avLst/>
-          </a:prstGeom>
-        </p:spPr>
-        <p:style>
-          <a:lnRef idx="2">
-            <a:schemeClr val="dk1"/>
-          </a:lnRef>
-          <a:fillRef idx="1">
-            <a:schemeClr val="lt1"/>
-          </a:fillRef>
-          <a:effectRef idx="0">
-            <a:schemeClr val="dk1"/>
-          </a:effectRef>
-          <a:fontRef idx="minor">
-            <a:schemeClr val="dk1"/>
-          </a:fontRef>
-        </p:style>
-        <p:txBody>
-          <a:bodyPr rtlCol="0" anchor="ctr"/>
-          <a:lstStyle/>
-          <a:p>
-            <a:pPr algn="ctr"/>
-            <a:endParaRPr lang="en-CA"/>
-          </a:p>
-        </p:txBody>
-      </p:sp>
-      <p:sp>
-        <p:nvSpPr>
-          <p:cNvPr id="35" name="Arrow: Chevron 34">
-            <a:extLst>
-              <a:ext uri="{FF2B5EF4-FFF2-40B4-BE49-F238E27FC236}">
-                <a16:creationId xmlns:a16="http://schemas.microsoft.com/office/drawing/2014/main" id="{3F7CFE47-8E3C-414E-8FF4-73B2E65E6B63}"/>
-              </a:ext>
-            </a:extLst>
-          </p:cNvPr>
-          <p:cNvSpPr/>
-          <p:nvPr/>
-        </p:nvSpPr>
-        <p:spPr>
-          <a:xfrm>
-            <a:off x="4946343" y="1989531"/>
-            <a:ext cx="337350" cy="493463"/>
-          </a:xfrm>
-          <a:prstGeom prst="chevron">
-            <a:avLst/>
-          </a:prstGeom>
-        </p:spPr>
-        <p:style>
-          <a:lnRef idx="2">
-            <a:schemeClr val="dk1">
-              <a:shade val="50000"/>
-            </a:schemeClr>
-          </a:lnRef>
-          <a:fillRef idx="1">
-            <a:schemeClr val="dk1"/>
-          </a:fillRef>
-          <a:effectRef idx="0">
-            <a:schemeClr val="dk1"/>
-          </a:effectRef>
-          <a:fontRef idx="minor">
-            <a:schemeClr val="lt1"/>
-          </a:fontRef>
-        </p:style>
-        <p:txBody>
-          <a:bodyPr rtlCol="0" anchor="ctr"/>
-          <a:lstStyle/>
-          <a:p>
-            <a:pPr algn="ctr"/>
-            <a:endParaRPr lang="en-CA">
-              <a:solidFill>
-                <a:schemeClr val="tx1"/>
-              </a:solidFill>
-            </a:endParaRPr>
-          </a:p>
-        </p:txBody>
-      </p:sp>
-      <p:sp>
-        <p:nvSpPr>
-          <p:cNvPr id="36" name="Flowchart: Process 35">
-            <a:extLst>
-              <a:ext uri="{FF2B5EF4-FFF2-40B4-BE49-F238E27FC236}">
-                <a16:creationId xmlns:a16="http://schemas.microsoft.com/office/drawing/2014/main" id="{7795F758-E115-4171-ABC7-EA6FCF0D7985}"/>
-              </a:ext>
-            </a:extLst>
-          </p:cNvPr>
-          <p:cNvSpPr/>
-          <p:nvPr/>
-        </p:nvSpPr>
-        <p:spPr>
-          <a:xfrm>
-            <a:off x="3151573" y="1971086"/>
-            <a:ext cx="1794771" cy="484321"/>
-          </a:xfrm>
-          <a:prstGeom prst="flowChartProcess">
-            <a:avLst/>
-          </a:prstGeom>
-          <a:noFill/>
-          <a:ln>
-            <a:noFill/>
-          </a:ln>
-        </p:spPr>
-        <p:style>
-          <a:lnRef idx="2">
-            <a:schemeClr val="accent3">
-              <a:shade val="50000"/>
-            </a:schemeClr>
-          </a:lnRef>
-          <a:fillRef idx="1">
-            <a:schemeClr val="accent3"/>
-          </a:fillRef>
-          <a:effectRef idx="0">
-            <a:schemeClr val="accent3"/>
-          </a:effectRef>
-          <a:fontRef idx="minor">
-            <a:schemeClr val="lt1"/>
-          </a:fontRef>
-        </p:style>
-        <p:txBody>
-          <a:bodyPr rtlCol="0" anchor="ctr"/>
-          <a:lstStyle/>
-          <a:p>
-            <a:pPr algn="ctr"/>
-            <a:r>
-              <a:rPr lang="en-US" dirty="0">
+          <a:bodyPr wrap="square" rtlCol="0">
+            <a:spAutoFit/>
+          </a:bodyPr>
+          <a:lstStyle/>
+          <a:p>
+            <a:r>
+              <a:rPr lang="en-US">
                 <a:solidFill>
-                  <a:schemeClr val="tx1"/>
+                  <a:schemeClr val="bg1">
+                    <a:lumMod val="65000"/>
+                  </a:schemeClr>
                 </a:solidFill>
               </a:rPr>
-              <a:t>Choose card</a:t>
+              <a:t>paultran0307@gmail.com</a:t>
             </a:r>
             <a:endParaRPr lang="en-CA" dirty="0">
               <a:solidFill>
-                <a:schemeClr val="tx1"/>
-              </a:solidFill>
-            </a:endParaRPr>
-          </a:p>
-        </p:txBody>
-      </p:sp>
-      <p:sp>
-        <p:nvSpPr>
-          <p:cNvPr id="37" name="Flowchart: Process 36">
-            <a:extLst>
-              <a:ext uri="{FF2B5EF4-FFF2-40B4-BE49-F238E27FC236}">
-                <a16:creationId xmlns:a16="http://schemas.microsoft.com/office/drawing/2014/main" id="{737E996E-3B64-4F5C-9DDE-63F401FA46B0}"/>
-              </a:ext>
-            </a:extLst>
-          </p:cNvPr>
-          <p:cNvSpPr/>
-          <p:nvPr/>
-        </p:nvSpPr>
-        <p:spPr>
-          <a:xfrm>
-            <a:off x="5283693" y="2039344"/>
-            <a:ext cx="1826582" cy="416063"/>
-          </a:xfrm>
-          <a:prstGeom prst="flowChartProcess">
-            <a:avLst/>
-          </a:prstGeom>
-          <a:ln>
-            <a:noFill/>
-          </a:ln>
-        </p:spPr>
-        <p:style>
-          <a:lnRef idx="2">
-            <a:schemeClr val="dk1"/>
-          </a:lnRef>
-          <a:fillRef idx="1">
-            <a:schemeClr val="lt1"/>
-          </a:fillRef>
-          <a:effectRef idx="0">
-            <a:schemeClr val="dk1"/>
-          </a:effectRef>
-          <a:fontRef idx="minor">
-            <a:schemeClr val="dk1"/>
-          </a:fontRef>
-        </p:style>
-        <p:txBody>
-          <a:bodyPr rtlCol="0" anchor="ctr"/>
-          <a:lstStyle/>
-          <a:p>
-            <a:pPr algn="ctr"/>
-            <a:r>
-              <a:rPr lang="en-US" dirty="0"/>
-              <a:t>Additional information</a:t>
-            </a:r>
-            <a:endParaRPr lang="en-CA" dirty="0"/>
-          </a:p>
-        </p:txBody>
-      </p:sp>
-      <p:sp>
-        <p:nvSpPr>
-          <p:cNvPr id="38" name="Flowchart: Process 37">
-            <a:extLst>
-              <a:ext uri="{FF2B5EF4-FFF2-40B4-BE49-F238E27FC236}">
-                <a16:creationId xmlns:a16="http://schemas.microsoft.com/office/drawing/2014/main" id="{4BE01DDD-B2CE-4C41-A76D-72CC117296E8}"/>
-              </a:ext>
-            </a:extLst>
-          </p:cNvPr>
-          <p:cNvSpPr/>
-          <p:nvPr/>
-        </p:nvSpPr>
-        <p:spPr>
-          <a:xfrm>
-            <a:off x="7494231" y="1998673"/>
-            <a:ext cx="1472957" cy="456734"/>
-          </a:xfrm>
-          <a:prstGeom prst="flowChartProcess">
-            <a:avLst/>
-          </a:prstGeom>
-          <a:ln>
-            <a:noFill/>
-          </a:ln>
-        </p:spPr>
-        <p:style>
-          <a:lnRef idx="2">
-            <a:schemeClr val="dk1"/>
-          </a:lnRef>
-          <a:fillRef idx="1">
-            <a:schemeClr val="lt1"/>
-          </a:fillRef>
-          <a:effectRef idx="0">
-            <a:schemeClr val="dk1"/>
-          </a:effectRef>
-          <a:fontRef idx="minor">
-            <a:schemeClr val="dk1"/>
-          </a:fontRef>
-        </p:style>
-        <p:txBody>
-          <a:bodyPr rtlCol="0" anchor="ctr"/>
-          <a:lstStyle/>
-          <a:p>
-            <a:pPr algn="ctr"/>
-            <a:r>
-              <a:rPr lang="en-US" b="1" dirty="0"/>
-              <a:t>Review</a:t>
-            </a:r>
-            <a:endParaRPr lang="en-CA" b="1" dirty="0"/>
-          </a:p>
-        </p:txBody>
-      </p:sp>
-      <p:sp>
-        <p:nvSpPr>
-          <p:cNvPr id="39" name="Arrow: Chevron 38">
-            <a:extLst>
-              <a:ext uri="{FF2B5EF4-FFF2-40B4-BE49-F238E27FC236}">
-                <a16:creationId xmlns:a16="http://schemas.microsoft.com/office/drawing/2014/main" id="{2D5F62F5-048E-48C4-8329-A1519F9009F1}"/>
-              </a:ext>
-            </a:extLst>
-          </p:cNvPr>
-          <p:cNvSpPr/>
-          <p:nvPr/>
-        </p:nvSpPr>
-        <p:spPr>
-          <a:xfrm>
-            <a:off x="7278949" y="1989531"/>
-            <a:ext cx="337350" cy="493463"/>
-          </a:xfrm>
-          <a:prstGeom prst="chevron">
-            <a:avLst/>
-          </a:prstGeom>
-        </p:spPr>
-        <p:style>
-          <a:lnRef idx="2">
-            <a:schemeClr val="dk1">
-              <a:shade val="50000"/>
-            </a:schemeClr>
-          </a:lnRef>
-          <a:fillRef idx="1">
-            <a:schemeClr val="dk1"/>
-          </a:fillRef>
-          <a:effectRef idx="0">
-            <a:schemeClr val="dk1"/>
-          </a:effectRef>
-          <a:fontRef idx="minor">
-            <a:schemeClr val="lt1"/>
-          </a:fontRef>
-        </p:style>
-        <p:txBody>
-          <a:bodyPr rtlCol="0" anchor="ctr"/>
-          <a:lstStyle/>
-          <a:p>
-            <a:pPr algn="ctr"/>
-            <a:endParaRPr lang="en-CA">
-              <a:solidFill>
-                <a:schemeClr val="tx1"/>
+                <a:schemeClr val="bg1">
+                  <a:lumMod val="65000"/>
+                </a:schemeClr>
               </a:solidFill>
             </a:endParaRPr>
           </a:p>
@@ -11502,7 +9164,7 @@
     </p:spTree>
     <p:extLst>
       <p:ext uri="{BB962C8B-B14F-4D97-AF65-F5344CB8AC3E}">
-        <p14:creationId xmlns:p14="http://schemas.microsoft.com/office/powerpoint/2010/main" val="2462278327"/>
+        <p14:creationId xmlns:p14="http://schemas.microsoft.com/office/powerpoint/2010/main" val="1586462052"/>
       </p:ext>
     </p:extLst>
   </p:cSld>
